--- a/cours/Jee/Exercices Jee.pptx
+++ b/cours/Jee/Exercices Jee.pptx
@@ -8,8 +8,8 @@
     <p:notesMasterId r:id="rId6"/>
   </p:notesMasterIdLst>
   <p:sldIdLst>
-    <p:sldId id="257" r:id="rId2"/>
-    <p:sldId id="256" r:id="rId3"/>
+    <p:sldId id="256" r:id="rId2"/>
+    <p:sldId id="257" r:id="rId3"/>
     <p:sldId id="258" r:id="rId4"/>
     <p:sldId id="259" r:id="rId5"/>
   </p:sldIdLst>
@@ -511,6 +511,151 @@
           <a:bodyPr/>
           <a:lstStyle/>
           <a:p>
+            <a:pPr marL="0" marR="0" lvl="0" indent="0" algn="l" defTabSz="914400" rtl="0" eaLnBrk="1" fontAlgn="auto" latinLnBrk="0" hangingPunct="1">
+              <a:lnSpc>
+                <a:spcPct val="100000"/>
+              </a:lnSpc>
+              <a:spcBef>
+                <a:spcPts val="0"/>
+              </a:spcBef>
+              <a:spcAft>
+                <a:spcPts val="0"/>
+              </a:spcAft>
+              <a:buClrTx/>
+              <a:buSzTx/>
+              <a:buFontTx/>
+              <a:buNone/>
+              <a:tabLst/>
+              <a:defRPr/>
+            </a:pPr>
+            <a:r>
+              <a:rPr lang="fr-FR" sz="1800" dirty="0">
+                <a:solidFill>
+                  <a:srgbClr val="000000"/>
+                </a:solidFill>
+                <a:effectLst/>
+                <a:latin typeface="Calibri" panose="020F0502020204030204" pitchFamily="34" charset="0"/>
+                <a:ea typeface="Calibri" panose="020F0502020204030204" pitchFamily="34" charset="0"/>
+                <a:cs typeface="Times New Roman" panose="02020603050405020304" pitchFamily="18" charset="0"/>
+              </a:rPr>
+              <a:t>Vidéo </a:t>
+            </a:r>
+            <a:r>
+              <a:rPr lang="fr-FR" sz="1800" dirty="0" err="1">
+                <a:solidFill>
+                  <a:srgbClr val="000000"/>
+                </a:solidFill>
+                <a:effectLst/>
+                <a:latin typeface="Calibri" panose="020F0502020204030204" pitchFamily="34" charset="0"/>
+                <a:ea typeface="Calibri" panose="020F0502020204030204" pitchFamily="34" charset="0"/>
+                <a:cs typeface="Times New Roman" panose="02020603050405020304" pitchFamily="18" charset="0"/>
+              </a:rPr>
+              <a:t>HashMap</a:t>
+            </a:r>
+            <a:r>
+              <a:rPr lang="fr-FR" sz="1800" dirty="0">
+                <a:solidFill>
+                  <a:srgbClr val="000000"/>
+                </a:solidFill>
+                <a:effectLst/>
+                <a:latin typeface="Calibri" panose="020F0502020204030204" pitchFamily="34" charset="0"/>
+                <a:ea typeface="Calibri" panose="020F0502020204030204" pitchFamily="34" charset="0"/>
+                <a:cs typeface="Times New Roman" panose="02020603050405020304" pitchFamily="18" charset="0"/>
+              </a:rPr>
+              <a:t> : https://www.udemy.com/course/cours-complet-de-programmation-java-pour-debutants/learn/lecture/6031662#overview</a:t>
+            </a:r>
+            <a:endParaRPr lang="fr-FR" sz="1800" dirty="0">
+              <a:effectLst/>
+              <a:latin typeface="Calibri" panose="020F0502020204030204" pitchFamily="34" charset="0"/>
+              <a:ea typeface="Calibri" panose="020F0502020204030204" pitchFamily="34" charset="0"/>
+              <a:cs typeface="Times New Roman" panose="02020603050405020304" pitchFamily="18" charset="0"/>
+            </a:endParaRPr>
+          </a:p>
+          <a:p>
+            <a:endParaRPr lang="fr-FR" dirty="0"/>
+          </a:p>
+        </p:txBody>
+      </p:sp>
+      <p:sp>
+        <p:nvSpPr>
+          <p:cNvPr id="4" name="Espace réservé du numéro de diapositive 3"/>
+          <p:cNvSpPr>
+            <a:spLocks noGrp="1"/>
+          </p:cNvSpPr>
+          <p:nvPr>
+            <p:ph type="sldNum" sz="quarter" idx="5"/>
+          </p:nvPr>
+        </p:nvSpPr>
+        <p:spPr/>
+        <p:txBody>
+          <a:bodyPr/>
+          <a:lstStyle/>
+          <a:p>
+            <a:fld id="{00072522-D80F-4883-98B2-BF36BB934210}" type="slidenum">
+              <a:rPr lang="fr-FR" smtClean="0"/>
+              <a:t>2</a:t>
+            </a:fld>
+            <a:endParaRPr lang="fr-FR"/>
+          </a:p>
+        </p:txBody>
+      </p:sp>
+    </p:spTree>
+    <p:extLst>
+      <p:ext uri="{BB962C8B-B14F-4D97-AF65-F5344CB8AC3E}">
+        <p14:creationId xmlns:p14="http://schemas.microsoft.com/office/powerpoint/2010/main" val="200769699"/>
+      </p:ext>
+    </p:extLst>
+  </p:cSld>
+  <p:clrMapOvr>
+    <a:masterClrMapping/>
+  </p:clrMapOvr>
+</p:notes>
+</file>
+
+<file path=ppt/notesSlides/notesSlide2.xml><?xml version="1.0" encoding="utf-8"?>
+<p:notes xmlns:a="http://schemas.openxmlformats.org/drawingml/2006/main" xmlns:r="http://schemas.openxmlformats.org/officeDocument/2006/relationships" xmlns:p="http://schemas.openxmlformats.org/presentationml/2006/main">
+  <p:cSld>
+    <p:spTree>
+      <p:nvGrpSpPr>
+        <p:cNvPr id="1" name=""/>
+        <p:cNvGrpSpPr/>
+        <p:nvPr/>
+      </p:nvGrpSpPr>
+      <p:grpSpPr>
+        <a:xfrm>
+          <a:off x="0" y="0"/>
+          <a:ext cx="0" cy="0"/>
+          <a:chOff x="0" y="0"/>
+          <a:chExt cx="0" cy="0"/>
+        </a:xfrm>
+      </p:grpSpPr>
+      <p:sp>
+        <p:nvSpPr>
+          <p:cNvPr id="2" name="Espace réservé de l'image des diapositives 1"/>
+          <p:cNvSpPr>
+            <a:spLocks noGrp="1" noRot="1" noChangeAspect="1"/>
+          </p:cNvSpPr>
+          <p:nvPr>
+            <p:ph type="sldImg"/>
+          </p:nvPr>
+        </p:nvSpPr>
+        <p:spPr/>
+      </p:sp>
+      <p:sp>
+        <p:nvSpPr>
+          <p:cNvPr id="3" name="Espace réservé des notes 2"/>
+          <p:cNvSpPr>
+            <a:spLocks noGrp="1"/>
+          </p:cNvSpPr>
+          <p:nvPr>
+            <p:ph type="body" idx="1"/>
+          </p:nvPr>
+        </p:nvSpPr>
+        <p:spPr/>
+        <p:txBody>
+          <a:bodyPr/>
+          <a:lstStyle/>
+          <a:p>
             <a:pPr marL="171450" indent="-171450">
               <a:buFont typeface="Arial" panose="020B0604020202020204" pitchFamily="34" charset="0"/>
               <a:buChar char="•"/>
@@ -1230,6 +1375,98 @@
     <p:extLst>
       <p:ext uri="{BB962C8B-B14F-4D97-AF65-F5344CB8AC3E}">
         <p14:creationId xmlns:p14="http://schemas.microsoft.com/office/powerpoint/2010/main" val="1752846133"/>
+      </p:ext>
+    </p:extLst>
+  </p:cSld>
+  <p:clrMapOvr>
+    <a:masterClrMapping/>
+  </p:clrMapOvr>
+</p:notes>
+</file>
+
+<file path=ppt/notesSlides/notesSlide3.xml><?xml version="1.0" encoding="utf-8"?>
+<p:notes xmlns:a="http://schemas.openxmlformats.org/drawingml/2006/main" xmlns:r="http://schemas.openxmlformats.org/officeDocument/2006/relationships" xmlns:p="http://schemas.openxmlformats.org/presentationml/2006/main">
+  <p:cSld>
+    <p:spTree>
+      <p:nvGrpSpPr>
+        <p:cNvPr id="1" name=""/>
+        <p:cNvGrpSpPr/>
+        <p:nvPr/>
+      </p:nvGrpSpPr>
+      <p:grpSpPr>
+        <a:xfrm>
+          <a:off x="0" y="0"/>
+          <a:ext cx="0" cy="0"/>
+          <a:chOff x="0" y="0"/>
+          <a:chExt cx="0" cy="0"/>
+        </a:xfrm>
+      </p:grpSpPr>
+      <p:sp>
+        <p:nvSpPr>
+          <p:cNvPr id="2" name="Espace réservé de l'image des diapositives 1"/>
+          <p:cNvSpPr>
+            <a:spLocks noGrp="1" noRot="1" noChangeAspect="1"/>
+          </p:cNvSpPr>
+          <p:nvPr>
+            <p:ph type="sldImg"/>
+          </p:nvPr>
+        </p:nvSpPr>
+        <p:spPr/>
+      </p:sp>
+      <p:sp>
+        <p:nvSpPr>
+          <p:cNvPr id="3" name="Espace réservé des notes 2"/>
+          <p:cNvSpPr>
+            <a:spLocks noGrp="1"/>
+          </p:cNvSpPr>
+          <p:nvPr>
+            <p:ph type="body" idx="1"/>
+          </p:nvPr>
+        </p:nvSpPr>
+        <p:spPr/>
+        <p:txBody>
+          <a:bodyPr/>
+          <a:lstStyle/>
+          <a:p>
+            <a:endParaRPr lang="fr-FR" dirty="0">
+              <a:solidFill>
+                <a:srgbClr val="CC7832"/>
+              </a:solidFill>
+              <a:effectLst/>
+            </a:endParaRPr>
+          </a:p>
+          <a:p>
+            <a:endParaRPr lang="fr-FR" dirty="0"/>
+          </a:p>
+        </p:txBody>
+      </p:sp>
+      <p:sp>
+        <p:nvSpPr>
+          <p:cNvPr id="4" name="Espace réservé du numéro de diapositive 3"/>
+          <p:cNvSpPr>
+            <a:spLocks noGrp="1"/>
+          </p:cNvSpPr>
+          <p:nvPr>
+            <p:ph type="sldNum" sz="quarter" idx="5"/>
+          </p:nvPr>
+        </p:nvSpPr>
+        <p:spPr/>
+        <p:txBody>
+          <a:bodyPr/>
+          <a:lstStyle/>
+          <a:p>
+            <a:fld id="{00072522-D80F-4883-98B2-BF36BB934210}" type="slidenum">
+              <a:rPr lang="fr-FR" smtClean="0"/>
+              <a:t>4</a:t>
+            </a:fld>
+            <a:endParaRPr lang="fr-FR"/>
+          </a:p>
+        </p:txBody>
+      </p:sp>
+    </p:spTree>
+    <p:extLst>
+      <p:ext uri="{BB962C8B-B14F-4D97-AF65-F5344CB8AC3E}">
+        <p14:creationId xmlns:p14="http://schemas.microsoft.com/office/powerpoint/2010/main" val="2488991743"/>
       </p:ext>
     </p:extLst>
   </p:cSld>
@@ -6958,427 +7195,742 @@
       </p:grpSpPr>
       <p:sp>
         <p:nvSpPr>
-          <p:cNvPr id="4" name="ZoneTexte 3">
+          <p:cNvPr id="4" name="Rectangle 1">
             <a:extLst>
               <a:ext uri="{FF2B5EF4-FFF2-40B4-BE49-F238E27FC236}">
-                <a16:creationId xmlns:a16="http://schemas.microsoft.com/office/drawing/2014/main" id="{D9D7D3CC-7B05-4AC5-BFDD-CBFF69134909}"/>
+                <a16:creationId xmlns:a16="http://schemas.microsoft.com/office/drawing/2014/main" id="{8462B789-CDC7-4A35-B3BD-8A703CACFB5D}"/>
               </a:ext>
             </a:extLst>
           </p:cNvPr>
-          <p:cNvSpPr txBox="1"/>
+          <p:cNvSpPr>
+            <a:spLocks noChangeArrowheads="1"/>
+          </p:cNvSpPr>
           <p:nvPr/>
         </p:nvSpPr>
-        <p:spPr>
+        <p:spPr bwMode="auto">
           <a:xfrm>
-            <a:off x="1933856" y="751344"/>
-            <a:ext cx="7292897" cy="5601533"/>
+            <a:off x="1307940" y="373186"/>
+            <a:ext cx="9356087" cy="3970318"/>
           </a:xfrm>
           <a:prstGeom prst="rect">
             <a:avLst/>
           </a:prstGeom>
           <a:noFill/>
+          <a:ln>
+            <a:noFill/>
+          </a:ln>
+          <a:effectLst/>
+          <a:extLst>
+            <a:ext uri="{909E8E84-426E-40DD-AFC4-6F175D3DCCD1}">
+              <a14:hiddenFill xmlns:a14="http://schemas.microsoft.com/office/drawing/2010/main">
+                <a:solidFill>
+                  <a:schemeClr val="accent1"/>
+                </a:solidFill>
+              </a14:hiddenFill>
+            </a:ext>
+            <a:ext uri="{91240B29-F687-4F45-9708-019B960494DF}">
+              <a14:hiddenLine xmlns:a14="http://schemas.microsoft.com/office/drawing/2010/main" w="9525">
+                <a:solidFill>
+                  <a:schemeClr val="tx1"/>
+                </a:solidFill>
+                <a:miter lim="800000"/>
+                <a:headEnd/>
+                <a:tailEnd/>
+              </a14:hiddenLine>
+            </a:ext>
+            <a:ext uri="{AF507438-7753-43E0-B8FC-AC1667EBCBE1}">
+              <a14:hiddenEffects xmlns:a14="http://schemas.microsoft.com/office/drawing/2010/main">
+                <a:effectLst>
+                  <a:outerShdw dist="35921" dir="2700000" algn="ctr" rotWithShape="0">
+                    <a:schemeClr val="bg2"/>
+                  </a:outerShdw>
+                </a:effectLst>
+              </a14:hiddenEffects>
+            </a:ext>
+          </a:extLst>
         </p:spPr>
         <p:txBody>
-          <a:bodyPr wrap="square" rtlCol="0">
+          <a:bodyPr vert="horz" wrap="none" lIns="91440" tIns="45720" rIns="91440" bIns="45720" numCol="1" anchor="ctr" anchorCtr="0" compatLnSpc="1">
+            <a:prstTxWarp prst="textNoShape">
+              <a:avLst/>
+            </a:prstTxWarp>
             <a:spAutoFit/>
           </a:bodyPr>
           <a:lstStyle/>
           <a:p>
-            <a:r>
-              <a:rPr lang="fr-FR" dirty="0">
+            <a:pPr marL="0" marR="0" lvl="0" indent="0" algn="l" defTabSz="914400" rtl="0" eaLnBrk="0" fontAlgn="base" latinLnBrk="0" hangingPunct="0">
+              <a:lnSpc>
+                <a:spcPct val="100000"/>
+              </a:lnSpc>
+              <a:spcBef>
+                <a:spcPct val="0"/>
+              </a:spcBef>
+              <a:spcAft>
+                <a:spcPct val="0"/>
+              </a:spcAft>
+              <a:buClrTx/>
+              <a:buSzTx/>
+              <a:buFontTx/>
+              <a:buNone/>
+              <a:tabLst/>
+            </a:pPr>
+            <a:r>
+              <a:rPr kumimoji="0" lang="fr-FR" altLang="fr-FR" sz="1800" b="0" i="0" u="none" strike="noStrike" cap="none" normalizeH="0" baseline="0" dirty="0">
+                <a:ln>
+                  <a:noFill/>
+                </a:ln>
                 <a:solidFill>
                   <a:schemeClr val="accent1"/>
                 </a:solidFill>
-              </a:rPr>
-              <a:t>Dans le backend :</a:t>
-            </a:r>
-          </a:p>
-          <a:p>
-            <a:endParaRPr lang="fr-FR" dirty="0">
+                <a:effectLst/>
+                <a:latin typeface="Arial" panose="020B0604020202020204" pitchFamily="34" charset="0"/>
+              </a:rPr>
+              <a:t>Servlet</a:t>
+            </a:r>
+          </a:p>
+          <a:p>
+            <a:pPr marL="0" marR="0" lvl="0" indent="0" algn="l" defTabSz="914400" rtl="0" eaLnBrk="0" fontAlgn="base" latinLnBrk="0" hangingPunct="0">
+              <a:lnSpc>
+                <a:spcPct val="100000"/>
+              </a:lnSpc>
+              <a:spcBef>
+                <a:spcPct val="0"/>
+              </a:spcBef>
+              <a:spcAft>
+                <a:spcPct val="0"/>
+              </a:spcAft>
+              <a:buClrTx/>
+              <a:buSzTx/>
+              <a:buFontTx/>
+              <a:buNone/>
+              <a:tabLst/>
+            </a:pPr>
+            <a:endParaRPr lang="fr-FR" altLang="fr-FR" dirty="0">
+              <a:latin typeface="Arial" panose="020B0604020202020204" pitchFamily="34" charset="0"/>
+            </a:endParaRPr>
+          </a:p>
+          <a:p>
+            <a:pPr marL="0" marR="0" lvl="0" indent="0" algn="l" defTabSz="914400" rtl="0" eaLnBrk="0" fontAlgn="base" latinLnBrk="0" hangingPunct="0">
+              <a:lnSpc>
+                <a:spcPct val="100000"/>
+              </a:lnSpc>
+              <a:spcBef>
+                <a:spcPct val="0"/>
+              </a:spcBef>
+              <a:spcAft>
+                <a:spcPct val="0"/>
+              </a:spcAft>
+              <a:buClrTx/>
+              <a:buSzTx/>
+              <a:buFontTx/>
+              <a:buNone/>
+              <a:tabLst/>
+            </a:pPr>
+            <a:endParaRPr kumimoji="0" lang="fr-FR" altLang="fr-FR" sz="1800" b="0" i="0" u="none" strike="noStrike" cap="none" normalizeH="0" baseline="0" dirty="0">
+              <a:ln>
+                <a:noFill/>
+              </a:ln>
+              <a:solidFill>
+                <a:schemeClr val="tx1"/>
+              </a:solidFill>
+              <a:effectLst/>
+              <a:latin typeface="Arial" panose="020B0604020202020204" pitchFamily="34" charset="0"/>
+            </a:endParaRPr>
+          </a:p>
+          <a:p>
+            <a:pPr marL="285750" marR="0" lvl="0" indent="-285750" algn="l" defTabSz="914400" rtl="0" eaLnBrk="0" fontAlgn="base" latinLnBrk="0" hangingPunct="0">
+              <a:lnSpc>
+                <a:spcPct val="100000"/>
+              </a:lnSpc>
+              <a:spcBef>
+                <a:spcPct val="0"/>
+              </a:spcBef>
+              <a:spcAft>
+                <a:spcPct val="0"/>
+              </a:spcAft>
+              <a:buClrTx/>
+              <a:buSzTx/>
+              <a:buFont typeface="Arial" panose="020B0604020202020204" pitchFamily="34" charset="0"/>
+              <a:buChar char="•"/>
+              <a:tabLst/>
+            </a:pPr>
+            <a:r>
+              <a:rPr kumimoji="0" lang="fr-FR" altLang="fr-FR" sz="1800" b="0" i="0" u="none" strike="noStrike" cap="none" normalizeH="0" baseline="0" dirty="0">
+                <a:ln>
+                  <a:noFill/>
+                </a:ln>
+                <a:solidFill>
+                  <a:schemeClr val="accent1"/>
+                </a:solidFill>
+                <a:effectLst/>
+                <a:latin typeface="Arial" panose="020B0604020202020204" pitchFamily="34" charset="0"/>
+              </a:rPr>
+              <a:t>Créer une </a:t>
+            </a:r>
+            <a:r>
+              <a:rPr kumimoji="0" lang="fr-FR" altLang="fr-FR" b="0" i="0" u="none" strike="noStrike" cap="none" normalizeH="0" baseline="0" dirty="0">
+                <a:ln>
+                  <a:noFill/>
+                </a:ln>
+                <a:solidFill>
+                  <a:schemeClr val="accent1"/>
+                </a:solidFill>
+                <a:effectLst/>
+                <a:latin typeface="Arial" panose="020B0604020202020204" pitchFamily="34" charset="0"/>
+                <a:cs typeface="Arial" panose="020B0604020202020204" pitchFamily="34" charset="0"/>
+              </a:rPr>
+              <a:t>servlet </a:t>
+            </a:r>
+            <a:r>
+              <a:rPr kumimoji="0" lang="fr-FR" altLang="fr-FR" b="0" i="0" u="none" strike="noStrike" cap="none" normalizeH="0" baseline="0" dirty="0" err="1">
+                <a:ln>
+                  <a:noFill/>
+                </a:ln>
+                <a:solidFill>
+                  <a:schemeClr val="accent1"/>
+                </a:solidFill>
+                <a:effectLst/>
+                <a:latin typeface="Arial" panose="020B0604020202020204" pitchFamily="34" charset="0"/>
+                <a:cs typeface="Arial" panose="020B0604020202020204" pitchFamily="34" charset="0"/>
+              </a:rPr>
+              <a:t>HomeServlet</a:t>
+            </a:r>
+            <a:r>
+              <a:rPr kumimoji="0" lang="fr-FR" altLang="fr-FR" b="0" i="0" u="none" strike="noStrike" cap="none" normalizeH="0" baseline="0" dirty="0">
+                <a:ln>
+                  <a:noFill/>
+                </a:ln>
+                <a:solidFill>
+                  <a:schemeClr val="accent1"/>
+                </a:solidFill>
+                <a:effectLst/>
+                <a:latin typeface="Arial" panose="020B0604020202020204" pitchFamily="34" charset="0"/>
+                <a:cs typeface="Arial" panose="020B0604020202020204" pitchFamily="34" charset="0"/>
+              </a:rPr>
+              <a:t> dans un nouveau package </a:t>
+            </a:r>
+          </a:p>
+          <a:p>
+            <a:pPr marL="0" marR="0" lvl="0" indent="0" algn="l" defTabSz="914400" rtl="0" eaLnBrk="0" fontAlgn="base" latinLnBrk="0" hangingPunct="0">
+              <a:lnSpc>
+                <a:spcPct val="100000"/>
+              </a:lnSpc>
+              <a:spcBef>
+                <a:spcPct val="0"/>
+              </a:spcBef>
+              <a:spcAft>
+                <a:spcPct val="0"/>
+              </a:spcAft>
+              <a:buClrTx/>
+              <a:buSzTx/>
+              <a:buFontTx/>
+              <a:buNone/>
+              <a:tabLst/>
+            </a:pPr>
+            <a:r>
+              <a:rPr kumimoji="0" lang="fr-FR" altLang="fr-FR" b="0" i="0" u="none" strike="noStrike" cap="none" normalizeH="0" baseline="0" dirty="0" err="1">
+                <a:ln>
+                  <a:noFill/>
+                </a:ln>
+                <a:solidFill>
+                  <a:schemeClr val="accent1"/>
+                </a:solidFill>
+                <a:effectLst/>
+                <a:latin typeface="Arial" panose="020B0604020202020204" pitchFamily="34" charset="0"/>
+                <a:cs typeface="Arial" panose="020B0604020202020204" pitchFamily="34" charset="0"/>
+              </a:rPr>
+              <a:t>com.mycompany.onlinestore.frontoffice.controller</a:t>
+            </a:r>
+            <a:r>
+              <a:rPr kumimoji="0" lang="fr-FR" altLang="fr-FR" b="0" i="0" u="none" strike="noStrike" cap="none" normalizeH="0" baseline="0" dirty="0">
+                <a:ln>
+                  <a:noFill/>
+                </a:ln>
+                <a:solidFill>
+                  <a:schemeClr val="accent1"/>
+                </a:solidFill>
+                <a:effectLst/>
+                <a:latin typeface="Arial" panose="020B0604020202020204" pitchFamily="34" charset="0"/>
+                <a:cs typeface="Arial" panose="020B0604020202020204" pitchFamily="34" charset="0"/>
+              </a:rPr>
+              <a:t>  renvoyant </a:t>
+            </a:r>
+            <a:r>
+              <a:rPr kumimoji="0" lang="fr-FR" altLang="fr-FR" b="0" i="0" u="none" strike="noStrike" cap="none" normalizeH="0" baseline="0" dirty="0" err="1">
+                <a:ln>
+                  <a:noFill/>
+                </a:ln>
+                <a:solidFill>
+                  <a:schemeClr val="accent1"/>
+                </a:solidFill>
+                <a:effectLst/>
+                <a:latin typeface="Arial" panose="020B0604020202020204" pitchFamily="34" charset="0"/>
+                <a:cs typeface="Arial" panose="020B0604020202020204" pitchFamily="34" charset="0"/>
+              </a:rPr>
+              <a:t>renvoyant</a:t>
+            </a:r>
+            <a:r>
+              <a:rPr kumimoji="0" lang="fr-FR" altLang="fr-FR" b="0" i="0" u="none" strike="noStrike" cap="none" normalizeH="0" baseline="0" dirty="0">
+                <a:ln>
+                  <a:noFill/>
+                </a:ln>
+                <a:solidFill>
+                  <a:schemeClr val="accent1"/>
+                </a:solidFill>
+                <a:effectLst/>
+                <a:latin typeface="Arial" panose="020B0604020202020204" pitchFamily="34" charset="0"/>
+                <a:cs typeface="Arial" panose="020B0604020202020204" pitchFamily="34" charset="0"/>
+              </a:rPr>
+              <a:t>  dans la</a:t>
+            </a:r>
+          </a:p>
+          <a:p>
+            <a:pPr marL="0" marR="0" lvl="0" indent="0" algn="l" defTabSz="914400" rtl="0" eaLnBrk="0" fontAlgn="base" latinLnBrk="0" hangingPunct="0">
+              <a:lnSpc>
+                <a:spcPct val="100000"/>
+              </a:lnSpc>
+              <a:spcBef>
+                <a:spcPct val="0"/>
+              </a:spcBef>
+              <a:spcAft>
+                <a:spcPct val="0"/>
+              </a:spcAft>
+              <a:buClrTx/>
+              <a:buSzTx/>
+              <a:buFontTx/>
+              <a:buNone/>
+              <a:tabLst/>
+            </a:pPr>
+            <a:r>
+              <a:rPr kumimoji="0" lang="fr-FR" altLang="fr-FR" b="0" i="0" u="none" strike="noStrike" cap="none" normalizeH="0" baseline="0" dirty="0">
+                <a:ln>
+                  <a:noFill/>
+                </a:ln>
+                <a:solidFill>
+                  <a:schemeClr val="accent1"/>
+                </a:solidFill>
+                <a:effectLst/>
+                <a:latin typeface="Arial" panose="020B0604020202020204" pitchFamily="34" charset="0"/>
+                <a:cs typeface="Arial" panose="020B0604020202020204" pitchFamily="34" charset="0"/>
+              </a:rPr>
+              <a:t>réponse un contenu HTML affichant le titre de la page principale du site Back-office</a:t>
+            </a:r>
+          </a:p>
+          <a:p>
+            <a:pPr marL="0" marR="0" lvl="0" indent="0" algn="l" defTabSz="914400" rtl="0" eaLnBrk="0" fontAlgn="base" latinLnBrk="0" hangingPunct="0">
+              <a:lnSpc>
+                <a:spcPct val="100000"/>
+              </a:lnSpc>
+              <a:spcBef>
+                <a:spcPct val="0"/>
+              </a:spcBef>
+              <a:spcAft>
+                <a:spcPct val="0"/>
+              </a:spcAft>
+              <a:buClrTx/>
+              <a:buSzTx/>
+              <a:buFontTx/>
+              <a:buNone/>
+              <a:tabLst/>
+            </a:pPr>
+            <a:r>
+              <a:rPr kumimoji="0" lang="fr-FR" altLang="fr-FR" b="0" i="0" u="none" strike="noStrike" cap="none" normalizeH="0" baseline="0" dirty="0">
+                <a:ln>
+                  <a:noFill/>
+                </a:ln>
+                <a:solidFill>
+                  <a:schemeClr val="accent1"/>
+                </a:solidFill>
+                <a:effectLst/>
+                <a:latin typeface="Arial" panose="020B0604020202020204" pitchFamily="34" charset="0"/>
+                <a:cs typeface="Arial" panose="020B0604020202020204" pitchFamily="34" charset="0"/>
+              </a:rPr>
+              <a:t>“ </a:t>
+            </a:r>
+            <a:r>
+              <a:rPr kumimoji="0" lang="fr-FR" altLang="fr-FR" b="0" i="0" u="none" strike="noStrike" cap="none" normalizeH="0" baseline="0" dirty="0" err="1">
+                <a:ln>
+                  <a:noFill/>
+                </a:ln>
+                <a:solidFill>
+                  <a:schemeClr val="accent1"/>
+                </a:solidFill>
+                <a:effectLst/>
+                <a:latin typeface="Arial" panose="020B0604020202020204" pitchFamily="34" charset="0"/>
+                <a:cs typeface="Arial" panose="020B0604020202020204" pitchFamily="34" charset="0"/>
+              </a:rPr>
+              <a:t>OnlineStore</a:t>
+            </a:r>
+            <a:r>
+              <a:rPr kumimoji="0" lang="fr-FR" altLang="fr-FR" b="0" i="0" u="none" strike="noStrike" cap="none" normalizeH="0" baseline="0" dirty="0">
+                <a:ln>
+                  <a:noFill/>
+                </a:ln>
+                <a:solidFill>
+                  <a:schemeClr val="accent1"/>
+                </a:solidFill>
+                <a:effectLst/>
+                <a:latin typeface="Arial" panose="020B0604020202020204" pitchFamily="34" charset="0"/>
+                <a:cs typeface="Arial" panose="020B0604020202020204" pitchFamily="34" charset="0"/>
+              </a:rPr>
+              <a:t> – Gestion de la boutique ”.</a:t>
+            </a:r>
+          </a:p>
+          <a:p>
+            <a:pPr marL="0" marR="0" lvl="0" indent="0" algn="l" defTabSz="914400" rtl="0" eaLnBrk="0" fontAlgn="base" latinLnBrk="0" hangingPunct="0">
+              <a:lnSpc>
+                <a:spcPct val="100000"/>
+              </a:lnSpc>
+              <a:spcBef>
+                <a:spcPct val="0"/>
+              </a:spcBef>
+              <a:spcAft>
+                <a:spcPct val="0"/>
+              </a:spcAft>
+              <a:buClrTx/>
+              <a:buSzTx/>
+              <a:buFontTx/>
+              <a:buNone/>
+              <a:tabLst/>
+            </a:pPr>
+            <a:endParaRPr kumimoji="0" lang="fr-FR" altLang="fr-FR" sz="1800" b="0" i="0" u="none" strike="noStrike" cap="none" normalizeH="0" baseline="0" dirty="0">
+              <a:ln>
+                <a:noFill/>
+              </a:ln>
               <a:solidFill>
                 <a:schemeClr val="accent1"/>
               </a:solidFill>
+              <a:effectLst/>
+              <a:latin typeface="Arial" panose="020B0604020202020204" pitchFamily="34" charset="0"/>
             </a:endParaRPr>
           </a:p>
           <a:p>
-            <a:pPr marL="285750" indent="-285750">
+            <a:pPr marL="285750" marR="0" lvl="0" indent="-285750" algn="l" defTabSz="914400" rtl="0" eaLnBrk="0" fontAlgn="base" latinLnBrk="0" hangingPunct="0">
+              <a:lnSpc>
+                <a:spcPct val="100000"/>
+              </a:lnSpc>
+              <a:spcBef>
+                <a:spcPct val="0"/>
+              </a:spcBef>
+              <a:spcAft>
+                <a:spcPct val="0"/>
+              </a:spcAft>
+              <a:buClrTx/>
+              <a:buSzTx/>
               <a:buFont typeface="Arial" panose="020B0604020202020204" pitchFamily="34" charset="0"/>
               <a:buChar char="•"/>
+              <a:tabLst/>
             </a:pPr>
             <a:r>
-              <a:rPr lang="fr-FR" sz="1600" dirty="0">
+              <a:rPr kumimoji="0" lang="fr-FR" altLang="fr-FR" sz="1800" b="0" i="0" u="none" strike="noStrike" cap="none" normalizeH="0" baseline="0" dirty="0">
+                <a:ln>
+                  <a:noFill/>
+                </a:ln>
                 <a:solidFill>
                   <a:schemeClr val="accent1"/>
                 </a:solidFill>
-              </a:rPr>
-              <a:t>Créer un package </a:t>
-            </a:r>
-            <a:r>
-              <a:rPr lang="fr-FR" sz="1600" dirty="0" err="1">
-                <a:solidFill>
-                  <a:schemeClr val="accent1"/>
-                </a:solidFill>
-              </a:rPr>
-              <a:t>entity</a:t>
-            </a:r>
-            <a:endParaRPr lang="fr-FR" sz="1600" dirty="0">
+                <a:effectLst/>
+                <a:latin typeface="Arial" panose="020B0604020202020204" pitchFamily="34" charset="0"/>
+              </a:rPr>
+              <a:t>Ce contenu doit être accessible sous l’URL : </a:t>
+            </a:r>
+            <a:r>
+              <a:rPr kumimoji="0" lang="fr-FR" altLang="fr-FR" sz="1800" b="0" i="0" u="sng" strike="noStrike" cap="none" normalizeH="0" baseline="0" dirty="0">
+                <a:ln>
+                  <a:noFill/>
+                </a:ln>
+                <a:solidFill>
+                  <a:schemeClr val="accent2"/>
+                </a:solidFill>
+                <a:effectLst/>
+                <a:latin typeface="Arial" panose="020B0604020202020204" pitchFamily="34" charset="0"/>
+                <a:hlinkClick r:id="rId2">
+                  <a:extLst>
+                    <a:ext uri="{A12FA001-AC4F-418D-AE19-62706E023703}">
+                      <ahyp:hlinkClr xmlns:ahyp="http://schemas.microsoft.com/office/drawing/2018/hyperlinkcolor" val="tx"/>
+                    </a:ext>
+                  </a:extLst>
+                </a:hlinkClick>
+              </a:rPr>
+              <a:t>http://localhost:8080/frontoffice/home</a:t>
+            </a:r>
+            <a:endParaRPr kumimoji="0" lang="fr-FR" altLang="fr-FR" sz="1800" b="0" i="0" u="sng" strike="noStrike" cap="none" normalizeH="0" baseline="0" dirty="0">
+              <a:ln>
+                <a:noFill/>
+              </a:ln>
+              <a:solidFill>
+                <a:schemeClr val="accent2"/>
+              </a:solidFill>
+              <a:effectLst/>
+              <a:latin typeface="Arial" panose="020B0604020202020204" pitchFamily="34" charset="0"/>
+            </a:endParaRPr>
+          </a:p>
+          <a:p>
+            <a:pPr marL="0" marR="0" lvl="0" indent="0" algn="l" defTabSz="914400" rtl="0" eaLnBrk="0" fontAlgn="base" latinLnBrk="0" hangingPunct="0">
+              <a:lnSpc>
+                <a:spcPct val="100000"/>
+              </a:lnSpc>
+              <a:spcBef>
+                <a:spcPct val="0"/>
+              </a:spcBef>
+              <a:spcAft>
+                <a:spcPct val="0"/>
+              </a:spcAft>
+              <a:buClrTx/>
+              <a:buSzTx/>
+              <a:buFontTx/>
+              <a:buNone/>
+              <a:tabLst/>
+            </a:pPr>
+            <a:endParaRPr kumimoji="0" lang="fr-FR" altLang="fr-FR" sz="1800" b="0" i="0" u="none" strike="noStrike" cap="none" normalizeH="0" baseline="0" dirty="0">
+              <a:ln>
+                <a:noFill/>
+              </a:ln>
               <a:solidFill>
                 <a:schemeClr val="accent1"/>
               </a:solidFill>
+              <a:effectLst/>
+              <a:latin typeface="Arial" panose="020B0604020202020204" pitchFamily="34" charset="0"/>
             </a:endParaRPr>
           </a:p>
           <a:p>
-            <a:endParaRPr lang="fr-FR" sz="1600" dirty="0">
+            <a:pPr marL="285750" marR="0" lvl="0" indent="-285750" algn="l" defTabSz="914400" rtl="0" eaLnBrk="0" fontAlgn="base" latinLnBrk="0" hangingPunct="0">
+              <a:lnSpc>
+                <a:spcPct val="100000"/>
+              </a:lnSpc>
+              <a:spcBef>
+                <a:spcPct val="0"/>
+              </a:spcBef>
+              <a:spcAft>
+                <a:spcPct val="0"/>
+              </a:spcAft>
+              <a:buClrTx/>
+              <a:buSzTx/>
+              <a:buFont typeface="Arial" panose="020B0604020202020204" pitchFamily="34" charset="0"/>
+              <a:buChar char="•"/>
+              <a:tabLst/>
+            </a:pPr>
+            <a:r>
+              <a:rPr kumimoji="0" lang="fr-FR" altLang="fr-FR" sz="1800" b="0" i="0" u="none" strike="noStrike" cap="none" normalizeH="0" baseline="0" dirty="0">
+                <a:ln>
+                  <a:noFill/>
+                </a:ln>
+                <a:solidFill>
+                  <a:schemeClr val="accent1"/>
+                </a:solidFill>
+                <a:effectLst/>
+                <a:latin typeface="Arial" panose="020B0604020202020204" pitchFamily="34" charset="0"/>
+              </a:rPr>
+              <a:t>Sur le modèle de </a:t>
+            </a:r>
+            <a:r>
+              <a:rPr kumimoji="0" lang="fr-FR" altLang="fr-FR" sz="1800" b="0" i="0" u="none" strike="noStrike" cap="none" normalizeH="0" baseline="0" dirty="0" err="1">
+                <a:ln>
+                  <a:noFill/>
+                </a:ln>
+                <a:solidFill>
+                  <a:schemeClr val="accent1"/>
+                </a:solidFill>
+                <a:effectLst/>
+                <a:latin typeface="Arial" panose="020B0604020202020204" pitchFamily="34" charset="0"/>
+              </a:rPr>
+              <a:t>HomeServlet</a:t>
+            </a:r>
+            <a:r>
+              <a:rPr kumimoji="0" lang="fr-FR" altLang="fr-FR" sz="1800" b="0" i="0" u="none" strike="noStrike" cap="none" normalizeH="0" baseline="0" dirty="0">
+                <a:ln>
+                  <a:noFill/>
+                </a:ln>
+                <a:solidFill>
+                  <a:schemeClr val="accent1"/>
+                </a:solidFill>
+                <a:effectLst/>
+                <a:latin typeface="Arial" panose="020B0604020202020204" pitchFamily="34" charset="0"/>
+              </a:rPr>
+              <a:t> du front-office, créez une nouvelle servlet  </a:t>
+            </a:r>
+            <a:r>
+              <a:rPr kumimoji="0" lang="fr-FR" altLang="fr-FR" b="0" i="0" u="none" strike="noStrike" cap="none" normalizeH="0" baseline="0" dirty="0" err="1">
+                <a:ln>
+                  <a:noFill/>
+                </a:ln>
+                <a:solidFill>
+                  <a:schemeClr val="accent1"/>
+                </a:solidFill>
+                <a:effectLst/>
+                <a:latin typeface="Arial" panose="020B0604020202020204" pitchFamily="34" charset="0"/>
+                <a:cs typeface="Arial" panose="020B0604020202020204" pitchFamily="34" charset="0"/>
+              </a:rPr>
+              <a:t>HomeServlet</a:t>
+            </a:r>
+            <a:endParaRPr kumimoji="0" lang="fr-FR" altLang="fr-FR" b="0" i="0" u="none" strike="noStrike" cap="none" normalizeH="0" baseline="0" dirty="0">
+              <a:ln>
+                <a:noFill/>
+              </a:ln>
               <a:solidFill>
                 <a:schemeClr val="accent1"/>
               </a:solidFill>
+              <a:effectLst/>
+              <a:latin typeface="Arial" panose="020B0604020202020204" pitchFamily="34" charset="0"/>
+              <a:cs typeface="Arial" panose="020B0604020202020204" pitchFamily="34" charset="0"/>
             </a:endParaRPr>
           </a:p>
           <a:p>
-            <a:pPr marL="285750" indent="-285750">
-              <a:buFont typeface="Arial" panose="020B0604020202020204" pitchFamily="34" charset="0"/>
-              <a:buChar char="•"/>
+            <a:pPr marL="0" marR="0" lvl="0" indent="0" algn="l" defTabSz="914400" rtl="0" eaLnBrk="0" fontAlgn="base" latinLnBrk="0" hangingPunct="0">
+              <a:lnSpc>
+                <a:spcPct val="100000"/>
+              </a:lnSpc>
+              <a:spcBef>
+                <a:spcPct val="0"/>
+              </a:spcBef>
+              <a:spcAft>
+                <a:spcPct val="0"/>
+              </a:spcAft>
+              <a:buClrTx/>
+              <a:buSzTx/>
+              <a:buFontTx/>
+              <a:buNone/>
+              <a:tabLst/>
             </a:pPr>
             <a:r>
-              <a:rPr lang="fr-FR" sz="1600" dirty="0">
+              <a:rPr kumimoji="0" lang="fr-FR" altLang="fr-FR" b="0" i="0" u="none" strike="noStrike" cap="none" normalizeH="0" baseline="0" dirty="0">
+                <a:ln>
+                  <a:noFill/>
+                </a:ln>
                 <a:solidFill>
                   <a:schemeClr val="accent1"/>
                 </a:solidFill>
-              </a:rPr>
-              <a:t>Ajouter une classe </a:t>
-            </a:r>
-            <a:r>
-              <a:rPr lang="fr-FR" sz="1600" dirty="0" err="1">
+                <a:effectLst/>
+                <a:latin typeface="Arial" panose="020B0604020202020204" pitchFamily="34" charset="0"/>
+                <a:cs typeface="Arial" panose="020B0604020202020204" pitchFamily="34" charset="0"/>
+              </a:rPr>
+              <a:t>dans un nouveau package </a:t>
+            </a:r>
+            <a:r>
+              <a:rPr kumimoji="0" lang="fr-FR" altLang="fr-FR" b="0" i="0" u="none" strike="noStrike" cap="none" normalizeH="0" baseline="0" dirty="0" err="1">
+                <a:ln>
+                  <a:noFill/>
+                </a:ln>
                 <a:solidFill>
                   <a:schemeClr val="accent1"/>
                 </a:solidFill>
-              </a:rPr>
-              <a:t>Artist</a:t>
-            </a:r>
-            <a:r>
-              <a:rPr lang="fr-FR" sz="1600" dirty="0">
+                <a:effectLst/>
+                <a:latin typeface="Arial" panose="020B0604020202020204" pitchFamily="34" charset="0"/>
+                <a:cs typeface="Arial" panose="020B0604020202020204" pitchFamily="34" charset="0"/>
+              </a:rPr>
+              <a:t>com.mycompany.onlinestore.backoffice.controller</a:t>
+            </a:r>
+            <a:r>
+              <a:rPr kumimoji="0" lang="fr-FR" altLang="fr-FR" b="0" i="0" u="none" strike="noStrike" cap="none" normalizeH="0" baseline="0" dirty="0">
+                <a:ln>
+                  <a:noFill/>
+                </a:ln>
                 <a:solidFill>
                   <a:schemeClr val="accent1"/>
                 </a:solidFill>
-              </a:rPr>
-              <a:t> au format </a:t>
-            </a:r>
-            <a:r>
-              <a:rPr lang="fr-FR" sz="1600" dirty="0" err="1">
-                <a:solidFill>
-                  <a:schemeClr val="accent1"/>
-                </a:solidFill>
-              </a:rPr>
-              <a:t>Javabean</a:t>
-            </a:r>
-            <a:r>
-              <a:rPr lang="fr-FR" sz="1600" dirty="0">
-                <a:solidFill>
-                  <a:schemeClr val="accent1"/>
-                </a:solidFill>
-              </a:rPr>
-              <a:t>, avec une propriété </a:t>
-            </a:r>
-            <a:r>
-              <a:rPr lang="fr-FR" sz="1600" dirty="0" err="1">
-                <a:solidFill>
-                  <a:schemeClr val="accent1"/>
-                </a:solidFill>
-              </a:rPr>
-              <a:t>name</a:t>
-            </a:r>
-            <a:r>
-              <a:rPr lang="fr-FR" sz="1600" dirty="0">
-                <a:solidFill>
-                  <a:schemeClr val="accent1"/>
-                </a:solidFill>
-              </a:rPr>
-              <a:t>.</a:t>
-            </a:r>
-          </a:p>
-          <a:p>
-            <a:pPr marL="285750" indent="-285750">
-              <a:buFont typeface="Arial" panose="020B0604020202020204" pitchFamily="34" charset="0"/>
-              <a:buChar char="•"/>
+                <a:effectLst/>
+                <a:latin typeface="Arial" panose="020B0604020202020204" pitchFamily="34" charset="0"/>
+                <a:cs typeface="Arial" panose="020B0604020202020204" pitchFamily="34" charset="0"/>
+              </a:rPr>
+              <a:t> </a:t>
+            </a:r>
+          </a:p>
+          <a:p>
+            <a:pPr marL="0" marR="0" lvl="0" indent="0" algn="l" defTabSz="914400" rtl="0" eaLnBrk="0" fontAlgn="base" latinLnBrk="0" hangingPunct="0">
+              <a:lnSpc>
+                <a:spcPct val="100000"/>
+              </a:lnSpc>
+              <a:spcBef>
+                <a:spcPct val="0"/>
+              </a:spcBef>
+              <a:spcAft>
+                <a:spcPct val="0"/>
+              </a:spcAft>
+              <a:buClrTx/>
+              <a:buSzTx/>
+              <a:buFontTx/>
+              <a:buNone/>
+              <a:tabLst/>
             </a:pPr>
-            <a:endParaRPr lang="fr-FR" sz="1600" dirty="0">
+            <a:endParaRPr kumimoji="0" lang="fr-FR" altLang="fr-FR" b="0" i="0" u="none" strike="noStrike" cap="none" normalizeH="0" baseline="0" dirty="0">
+              <a:ln>
+                <a:noFill/>
+              </a:ln>
               <a:solidFill>
                 <a:schemeClr val="accent1"/>
               </a:solidFill>
+              <a:effectLst/>
+              <a:latin typeface="Arial" panose="020B0604020202020204" pitchFamily="34" charset="0"/>
+              <a:cs typeface="Arial" panose="020B0604020202020204" pitchFamily="34" charset="0"/>
             </a:endParaRPr>
           </a:p>
           <a:p>
-            <a:pPr marL="285750" indent="-285750">
+            <a:pPr marL="285750" marR="0" lvl="0" indent="-285750" algn="l" defTabSz="914400" rtl="0" eaLnBrk="0" fontAlgn="base" latinLnBrk="0" hangingPunct="0">
+              <a:lnSpc>
+                <a:spcPct val="100000"/>
+              </a:lnSpc>
+              <a:spcBef>
+                <a:spcPct val="0"/>
+              </a:spcBef>
+              <a:spcAft>
+                <a:spcPct val="0"/>
+              </a:spcAft>
+              <a:buClrTx/>
+              <a:buSzTx/>
               <a:buFont typeface="Arial" panose="020B0604020202020204" pitchFamily="34" charset="0"/>
               <a:buChar char="•"/>
+              <a:tabLst/>
             </a:pPr>
             <a:r>
-              <a:rPr lang="fr-FR" sz="1600" dirty="0">
+              <a:rPr kumimoji="0" lang="fr-FR" altLang="fr-FR" sz="1800" b="0" i="0" u="none" strike="noStrike" cap="none" normalizeH="0" baseline="0" dirty="0">
+                <a:ln>
+                  <a:noFill/>
+                </a:ln>
                 <a:solidFill>
                   <a:schemeClr val="accent1"/>
                 </a:solidFill>
-              </a:rPr>
-              <a:t>Créer une classe Work qui dispose des propriétés :</a:t>
-            </a:r>
-          </a:p>
-          <a:p>
-            <a:pPr marL="742950" lvl="1" indent="-285750">
-              <a:buFont typeface="Arial" panose="020B0604020202020204" pitchFamily="34" charset="0"/>
-              <a:buChar char="•"/>
-            </a:pPr>
-            <a:r>
-              <a:rPr lang="fr-FR" sz="1600" dirty="0">
-                <a:solidFill>
-                  <a:schemeClr val="accent1"/>
-                </a:solidFill>
-              </a:rPr>
-              <a:t> </a:t>
-            </a:r>
-            <a:r>
-              <a:rPr lang="fr-FR" sz="1600" dirty="0" err="1">
-                <a:solidFill>
-                  <a:schemeClr val="accent1"/>
-                </a:solidFill>
-              </a:rPr>
-              <a:t>title</a:t>
-            </a:r>
-            <a:endParaRPr lang="fr-FR" sz="1600" dirty="0">
+                <a:effectLst/>
+                <a:latin typeface="Arial" panose="020B0604020202020204" pitchFamily="34" charset="0"/>
+              </a:rPr>
+              <a:t>Cette page doit être accessible sous l’URL : </a:t>
+            </a:r>
+            <a:r>
+              <a:rPr kumimoji="0" lang="fr-FR" altLang="fr-FR" sz="1800" b="0" i="0" u="sng" strike="noStrike" cap="none" normalizeH="0" baseline="0" dirty="0">
+                <a:ln>
+                  <a:noFill/>
+                </a:ln>
+                <a:solidFill>
+                  <a:schemeClr val="accent2"/>
+                </a:solidFill>
+                <a:effectLst/>
+                <a:latin typeface="Arial" panose="020B0604020202020204" pitchFamily="34" charset="0"/>
+                <a:hlinkClick r:id="rId3">
+                  <a:extLst>
+                    <a:ext uri="{A12FA001-AC4F-418D-AE19-62706E023703}">
+                      <ahyp:hlinkClr xmlns:ahyp="http://schemas.microsoft.com/office/drawing/2018/hyperlinkcolor" val="tx"/>
+                    </a:ext>
+                  </a:extLst>
+                </a:hlinkClick>
+              </a:rPr>
+              <a:t>http://localhost:8081/backoffice/home</a:t>
+            </a:r>
+            <a:endParaRPr kumimoji="0" lang="fr-FR" altLang="fr-FR" sz="1800" b="0" i="0" u="none" strike="noStrike" cap="none" normalizeH="0" baseline="0" dirty="0">
+              <a:ln>
+                <a:noFill/>
+              </a:ln>
               <a:solidFill>
-                <a:schemeClr val="accent1"/>
+                <a:schemeClr val="accent2"/>
               </a:solidFill>
+              <a:effectLst/>
+              <a:latin typeface="Arial" panose="020B0604020202020204" pitchFamily="34" charset="0"/>
             </a:endParaRPr>
-          </a:p>
-          <a:p>
-            <a:pPr marL="742950" lvl="1" indent="-285750">
-              <a:buFont typeface="Arial" panose="020B0604020202020204" pitchFamily="34" charset="0"/>
-              <a:buChar char="•"/>
-            </a:pPr>
-            <a:r>
-              <a:rPr lang="fr-FR" sz="1600" dirty="0">
-                <a:solidFill>
-                  <a:schemeClr val="accent1"/>
-                </a:solidFill>
-              </a:rPr>
-              <a:t> genre</a:t>
-            </a:r>
-          </a:p>
-          <a:p>
-            <a:pPr marL="742950" lvl="1" indent="-285750">
-              <a:buFont typeface="Arial" panose="020B0604020202020204" pitchFamily="34" charset="0"/>
-              <a:buChar char="•"/>
-            </a:pPr>
-            <a:r>
-              <a:rPr lang="fr-FR" sz="1600" dirty="0">
-                <a:solidFill>
-                  <a:schemeClr val="accent1"/>
-                </a:solidFill>
-              </a:rPr>
-              <a:t> release (format 4 chiffres)</a:t>
-            </a:r>
-          </a:p>
-          <a:p>
-            <a:pPr marL="742950" lvl="1" indent="-285750">
-              <a:buFont typeface="Arial" panose="020B0604020202020204" pitchFamily="34" charset="0"/>
-              <a:buChar char="•"/>
-            </a:pPr>
-            <a:r>
-              <a:rPr lang="fr-FR" sz="1600" dirty="0">
-                <a:solidFill>
-                  <a:schemeClr val="accent1"/>
-                </a:solidFill>
-              </a:rPr>
-              <a:t> </a:t>
-            </a:r>
-            <a:r>
-              <a:rPr lang="fr-FR" sz="1600" dirty="0" err="1">
-                <a:solidFill>
-                  <a:schemeClr val="accent1"/>
-                </a:solidFill>
-              </a:rPr>
-              <a:t>summary</a:t>
-            </a:r>
-            <a:endParaRPr lang="fr-FR" sz="1600" dirty="0">
-              <a:solidFill>
-                <a:schemeClr val="accent1"/>
-              </a:solidFill>
-            </a:endParaRPr>
-          </a:p>
-          <a:p>
-            <a:pPr marL="742950" lvl="1" indent="-285750">
-              <a:buFont typeface="Arial" panose="020B0604020202020204" pitchFamily="34" charset="0"/>
-              <a:buChar char="•"/>
-            </a:pPr>
-            <a:r>
-              <a:rPr lang="fr-FR" sz="1600" dirty="0">
-                <a:solidFill>
-                  <a:schemeClr val="accent1"/>
-                </a:solidFill>
-              </a:rPr>
-              <a:t> </a:t>
-            </a:r>
-            <a:r>
-              <a:rPr lang="fr-FR" sz="1600" dirty="0" err="1">
-                <a:solidFill>
-                  <a:schemeClr val="accent1"/>
-                </a:solidFill>
-              </a:rPr>
-              <a:t>Artist</a:t>
-            </a:r>
-            <a:r>
-              <a:rPr lang="fr-FR" sz="1600" dirty="0">
-                <a:solidFill>
-                  <a:schemeClr val="accent1"/>
-                </a:solidFill>
-              </a:rPr>
-              <a:t> </a:t>
-            </a:r>
-            <a:r>
-              <a:rPr lang="fr-FR" sz="1600" dirty="0" err="1">
-                <a:solidFill>
-                  <a:schemeClr val="accent1"/>
-                </a:solidFill>
-              </a:rPr>
-              <a:t>mainArtist</a:t>
-            </a:r>
-            <a:endParaRPr lang="fr-FR" sz="1600" dirty="0">
-              <a:solidFill>
-                <a:schemeClr val="accent1"/>
-              </a:solidFill>
-            </a:endParaRPr>
-          </a:p>
-          <a:p>
-            <a:pPr lvl="1"/>
-            <a:endParaRPr lang="fr-FR" sz="1600" dirty="0">
-              <a:solidFill>
-                <a:schemeClr val="accent1"/>
-              </a:solidFill>
-            </a:endParaRPr>
-          </a:p>
-          <a:p>
-            <a:pPr marL="285750" indent="-285750">
-              <a:buFont typeface="Arial" panose="020B0604020202020204" pitchFamily="34" charset="0"/>
-              <a:buChar char="•"/>
-            </a:pPr>
-            <a:r>
-              <a:rPr lang="fr-FR" sz="1600" dirty="0">
-                <a:solidFill>
-                  <a:schemeClr val="accent1"/>
-                </a:solidFill>
-              </a:rPr>
-              <a:t>Ajouter un constructeur qui prend en paramètre le titre de l’œuvre. </a:t>
-            </a:r>
-          </a:p>
-          <a:p>
-            <a:pPr marL="285750" indent="-285750">
-              <a:buFont typeface="Arial" panose="020B0604020202020204" pitchFamily="34" charset="0"/>
-              <a:buChar char="•"/>
-            </a:pPr>
-            <a:endParaRPr lang="fr-FR" sz="1600" dirty="0">
-              <a:solidFill>
-                <a:schemeClr val="accent1"/>
-              </a:solidFill>
-            </a:endParaRPr>
-          </a:p>
-          <a:p>
-            <a:pPr marL="285750" indent="-285750">
-              <a:buFont typeface="Arial" panose="020B0604020202020204" pitchFamily="34" charset="0"/>
-              <a:buChar char="•"/>
-            </a:pPr>
-            <a:r>
-              <a:rPr lang="fr-FR" sz="1600" dirty="0">
-                <a:solidFill>
-                  <a:schemeClr val="accent1"/>
-                </a:solidFill>
-              </a:rPr>
-              <a:t>Créer une classe Catalogue avec une propriété statique </a:t>
-            </a:r>
-            <a:r>
-              <a:rPr lang="fr-FR" sz="1600" dirty="0" err="1">
-                <a:solidFill>
-                  <a:schemeClr val="accent1"/>
-                </a:solidFill>
-              </a:rPr>
-              <a:t>listOfWorks</a:t>
-            </a:r>
-            <a:r>
-              <a:rPr lang="fr-FR" sz="1600" dirty="0">
-                <a:solidFill>
-                  <a:schemeClr val="accent1"/>
-                </a:solidFill>
-              </a:rPr>
-              <a:t> sous forme de </a:t>
-            </a:r>
-            <a:r>
-              <a:rPr lang="fr-FR" sz="1600" dirty="0" err="1">
-                <a:solidFill>
-                  <a:schemeClr val="accent1"/>
-                </a:solidFill>
-              </a:rPr>
-              <a:t>Hashset</a:t>
-            </a:r>
-            <a:r>
-              <a:rPr lang="fr-FR" sz="1600" dirty="0">
-                <a:solidFill>
-                  <a:schemeClr val="accent1"/>
-                </a:solidFill>
-              </a:rPr>
-              <a:t>.</a:t>
-            </a:r>
-          </a:p>
-          <a:p>
-            <a:pPr marL="285750" indent="-285750">
-              <a:buFont typeface="Arial" panose="020B0604020202020204" pitchFamily="34" charset="0"/>
-              <a:buChar char="•"/>
-            </a:pPr>
-            <a:endParaRPr lang="fr-FR" sz="1600" dirty="0">
-              <a:solidFill>
-                <a:schemeClr val="accent1"/>
-              </a:solidFill>
-            </a:endParaRPr>
-          </a:p>
-          <a:p>
-            <a:pPr marL="285750" indent="-285750">
-              <a:buFont typeface="Arial" panose="020B0604020202020204" pitchFamily="34" charset="0"/>
-              <a:buChar char="•"/>
-            </a:pPr>
-            <a:r>
-              <a:rPr lang="fr-FR" sz="1600" dirty="0">
-                <a:solidFill>
-                  <a:schemeClr val="accent1"/>
-                </a:solidFill>
-              </a:rPr>
-              <a:t>Ajouter une classe Application à la racine du projet avec une classe main qui ajoute 3 œuvres au catalogue et les affiche sous la forme &lt;œuvre &gt; &lt;</a:t>
-            </a:r>
-            <a:r>
-              <a:rPr lang="fr-FR" sz="1600" dirty="0" err="1">
-                <a:solidFill>
-                  <a:schemeClr val="accent1"/>
-                </a:solidFill>
-              </a:rPr>
-              <a:t>annee</a:t>
-            </a:r>
-            <a:r>
-              <a:rPr lang="fr-FR" sz="1600" dirty="0">
-                <a:solidFill>
-                  <a:schemeClr val="accent1"/>
-                </a:solidFill>
-              </a:rPr>
-              <a:t>&gt; </a:t>
-            </a:r>
-          </a:p>
-          <a:p>
-            <a:pPr marL="742950" lvl="1" indent="-285750">
-              <a:buFont typeface="Arial" panose="020B0604020202020204" pitchFamily="34" charset="0"/>
-              <a:buChar char="•"/>
-            </a:pPr>
-            <a:endParaRPr lang="fr-FR" dirty="0"/>
           </a:p>
         </p:txBody>
       </p:sp>
     </p:spTree>
     <p:extLst>
       <p:ext uri="{BB962C8B-B14F-4D97-AF65-F5344CB8AC3E}">
-        <p14:creationId xmlns:p14="http://schemas.microsoft.com/office/powerpoint/2010/main" val="3765130311"/>
+        <p14:creationId xmlns:p14="http://schemas.microsoft.com/office/powerpoint/2010/main" val="3694239957"/>
       </p:ext>
     </p:extLst>
   </p:cSld>
@@ -7407,742 +7959,427 @@
       </p:grpSpPr>
       <p:sp>
         <p:nvSpPr>
-          <p:cNvPr id="4" name="Rectangle 1">
+          <p:cNvPr id="4" name="ZoneTexte 3">
             <a:extLst>
               <a:ext uri="{FF2B5EF4-FFF2-40B4-BE49-F238E27FC236}">
-                <a16:creationId xmlns:a16="http://schemas.microsoft.com/office/drawing/2014/main" id="{8462B789-CDC7-4A35-B3BD-8A703CACFB5D}"/>
+                <a16:creationId xmlns:a16="http://schemas.microsoft.com/office/drawing/2014/main" id="{D9D7D3CC-7B05-4AC5-BFDD-CBFF69134909}"/>
               </a:ext>
             </a:extLst>
           </p:cNvPr>
-          <p:cNvSpPr>
-            <a:spLocks noChangeArrowheads="1"/>
-          </p:cNvSpPr>
+          <p:cNvSpPr txBox="1"/>
           <p:nvPr/>
         </p:nvSpPr>
-        <p:spPr bwMode="auto">
+        <p:spPr>
           <a:xfrm>
-            <a:off x="1307940" y="373186"/>
-            <a:ext cx="9356087" cy="3970318"/>
+            <a:off x="1933856" y="751344"/>
+            <a:ext cx="7292897" cy="5601533"/>
           </a:xfrm>
           <a:prstGeom prst="rect">
             <a:avLst/>
           </a:prstGeom>
           <a:noFill/>
-          <a:ln>
-            <a:noFill/>
-          </a:ln>
-          <a:effectLst/>
-          <a:extLst>
-            <a:ext uri="{909E8E84-426E-40DD-AFC4-6F175D3DCCD1}">
-              <a14:hiddenFill xmlns:a14="http://schemas.microsoft.com/office/drawing/2010/main">
-                <a:solidFill>
-                  <a:schemeClr val="accent1"/>
-                </a:solidFill>
-              </a14:hiddenFill>
-            </a:ext>
-            <a:ext uri="{91240B29-F687-4F45-9708-019B960494DF}">
-              <a14:hiddenLine xmlns:a14="http://schemas.microsoft.com/office/drawing/2010/main" w="9525">
-                <a:solidFill>
-                  <a:schemeClr val="tx1"/>
-                </a:solidFill>
-                <a:miter lim="800000"/>
-                <a:headEnd/>
-                <a:tailEnd/>
-              </a14:hiddenLine>
-            </a:ext>
-            <a:ext uri="{AF507438-7753-43E0-B8FC-AC1667EBCBE1}">
-              <a14:hiddenEffects xmlns:a14="http://schemas.microsoft.com/office/drawing/2010/main">
-                <a:effectLst>
-                  <a:outerShdw dist="35921" dir="2700000" algn="ctr" rotWithShape="0">
-                    <a:schemeClr val="bg2"/>
-                  </a:outerShdw>
-                </a:effectLst>
-              </a14:hiddenEffects>
-            </a:ext>
-          </a:extLst>
         </p:spPr>
         <p:txBody>
-          <a:bodyPr vert="horz" wrap="none" lIns="91440" tIns="45720" rIns="91440" bIns="45720" numCol="1" anchor="ctr" anchorCtr="0" compatLnSpc="1">
-            <a:prstTxWarp prst="textNoShape">
-              <a:avLst/>
-            </a:prstTxWarp>
+          <a:bodyPr wrap="square" rtlCol="0">
             <a:spAutoFit/>
           </a:bodyPr>
           <a:lstStyle/>
           <a:p>
-            <a:pPr marL="0" marR="0" lvl="0" indent="0" algn="l" defTabSz="914400" rtl="0" eaLnBrk="0" fontAlgn="base" latinLnBrk="0" hangingPunct="0">
-              <a:lnSpc>
-                <a:spcPct val="100000"/>
-              </a:lnSpc>
-              <a:spcBef>
-                <a:spcPct val="0"/>
-              </a:spcBef>
-              <a:spcAft>
-                <a:spcPct val="0"/>
-              </a:spcAft>
-              <a:buClrTx/>
-              <a:buSzTx/>
-              <a:buFontTx/>
-              <a:buNone/>
-              <a:tabLst/>
-            </a:pPr>
-            <a:r>
-              <a:rPr kumimoji="0" lang="fr-FR" altLang="fr-FR" sz="1800" b="0" i="0" u="none" strike="noStrike" cap="none" normalizeH="0" baseline="0" dirty="0">
-                <a:ln>
-                  <a:noFill/>
-                </a:ln>
+            <a:r>
+              <a:rPr lang="fr-FR" dirty="0">
                 <a:solidFill>
                   <a:schemeClr val="accent1"/>
                 </a:solidFill>
-                <a:effectLst/>
-                <a:latin typeface="Arial" panose="020B0604020202020204" pitchFamily="34" charset="0"/>
-              </a:rPr>
-              <a:t>Servlet</a:t>
-            </a:r>
-          </a:p>
-          <a:p>
-            <a:pPr marL="0" marR="0" lvl="0" indent="0" algn="l" defTabSz="914400" rtl="0" eaLnBrk="0" fontAlgn="base" latinLnBrk="0" hangingPunct="0">
-              <a:lnSpc>
-                <a:spcPct val="100000"/>
-              </a:lnSpc>
-              <a:spcBef>
-                <a:spcPct val="0"/>
-              </a:spcBef>
-              <a:spcAft>
-                <a:spcPct val="0"/>
-              </a:spcAft>
-              <a:buClrTx/>
-              <a:buSzTx/>
-              <a:buFontTx/>
-              <a:buNone/>
-              <a:tabLst/>
-            </a:pPr>
-            <a:endParaRPr lang="fr-FR" altLang="fr-FR" dirty="0">
-              <a:latin typeface="Arial" panose="020B0604020202020204" pitchFamily="34" charset="0"/>
-            </a:endParaRPr>
-          </a:p>
-          <a:p>
-            <a:pPr marL="0" marR="0" lvl="0" indent="0" algn="l" defTabSz="914400" rtl="0" eaLnBrk="0" fontAlgn="base" latinLnBrk="0" hangingPunct="0">
-              <a:lnSpc>
-                <a:spcPct val="100000"/>
-              </a:lnSpc>
-              <a:spcBef>
-                <a:spcPct val="0"/>
-              </a:spcBef>
-              <a:spcAft>
-                <a:spcPct val="0"/>
-              </a:spcAft>
-              <a:buClrTx/>
-              <a:buSzTx/>
-              <a:buFontTx/>
-              <a:buNone/>
-              <a:tabLst/>
-            </a:pPr>
-            <a:endParaRPr kumimoji="0" lang="fr-FR" altLang="fr-FR" sz="1800" b="0" i="0" u="none" strike="noStrike" cap="none" normalizeH="0" baseline="0" dirty="0">
-              <a:ln>
-                <a:noFill/>
-              </a:ln>
-              <a:solidFill>
-                <a:schemeClr val="tx1"/>
-              </a:solidFill>
-              <a:effectLst/>
-              <a:latin typeface="Arial" panose="020B0604020202020204" pitchFamily="34" charset="0"/>
-            </a:endParaRPr>
-          </a:p>
-          <a:p>
-            <a:pPr marL="285750" marR="0" lvl="0" indent="-285750" algn="l" defTabSz="914400" rtl="0" eaLnBrk="0" fontAlgn="base" latinLnBrk="0" hangingPunct="0">
-              <a:lnSpc>
-                <a:spcPct val="100000"/>
-              </a:lnSpc>
-              <a:spcBef>
-                <a:spcPct val="0"/>
-              </a:spcBef>
-              <a:spcAft>
-                <a:spcPct val="0"/>
-              </a:spcAft>
-              <a:buClrTx/>
-              <a:buSzTx/>
-              <a:buFont typeface="Arial" panose="020B0604020202020204" pitchFamily="34" charset="0"/>
-              <a:buChar char="•"/>
-              <a:tabLst/>
-            </a:pPr>
-            <a:r>
-              <a:rPr kumimoji="0" lang="fr-FR" altLang="fr-FR" sz="1800" b="0" i="0" u="none" strike="noStrike" cap="none" normalizeH="0" baseline="0" dirty="0">
-                <a:ln>
-                  <a:noFill/>
-                </a:ln>
-                <a:solidFill>
-                  <a:schemeClr val="accent1"/>
-                </a:solidFill>
-                <a:effectLst/>
-                <a:latin typeface="Arial" panose="020B0604020202020204" pitchFamily="34" charset="0"/>
-              </a:rPr>
-              <a:t>Créer une </a:t>
-            </a:r>
-            <a:r>
-              <a:rPr kumimoji="0" lang="fr-FR" altLang="fr-FR" b="0" i="0" u="none" strike="noStrike" cap="none" normalizeH="0" baseline="0" dirty="0">
-                <a:ln>
-                  <a:noFill/>
-                </a:ln>
-                <a:solidFill>
-                  <a:schemeClr val="accent1"/>
-                </a:solidFill>
-                <a:effectLst/>
-                <a:latin typeface="Arial" panose="020B0604020202020204" pitchFamily="34" charset="0"/>
-                <a:cs typeface="Arial" panose="020B0604020202020204" pitchFamily="34" charset="0"/>
-              </a:rPr>
-              <a:t>servlet </a:t>
-            </a:r>
-            <a:r>
-              <a:rPr kumimoji="0" lang="fr-FR" altLang="fr-FR" b="0" i="0" u="none" strike="noStrike" cap="none" normalizeH="0" baseline="0" dirty="0" err="1">
-                <a:ln>
-                  <a:noFill/>
-                </a:ln>
-                <a:solidFill>
-                  <a:schemeClr val="accent1"/>
-                </a:solidFill>
-                <a:effectLst/>
-                <a:latin typeface="Arial" panose="020B0604020202020204" pitchFamily="34" charset="0"/>
-                <a:cs typeface="Arial" panose="020B0604020202020204" pitchFamily="34" charset="0"/>
-              </a:rPr>
-              <a:t>HomeServlet</a:t>
-            </a:r>
-            <a:r>
-              <a:rPr kumimoji="0" lang="fr-FR" altLang="fr-FR" b="0" i="0" u="none" strike="noStrike" cap="none" normalizeH="0" baseline="0" dirty="0">
-                <a:ln>
-                  <a:noFill/>
-                </a:ln>
-                <a:solidFill>
-                  <a:schemeClr val="accent1"/>
-                </a:solidFill>
-                <a:effectLst/>
-                <a:latin typeface="Arial" panose="020B0604020202020204" pitchFamily="34" charset="0"/>
-                <a:cs typeface="Arial" panose="020B0604020202020204" pitchFamily="34" charset="0"/>
-              </a:rPr>
-              <a:t> dans un nouveau package </a:t>
-            </a:r>
-          </a:p>
-          <a:p>
-            <a:pPr marL="0" marR="0" lvl="0" indent="0" algn="l" defTabSz="914400" rtl="0" eaLnBrk="0" fontAlgn="base" latinLnBrk="0" hangingPunct="0">
-              <a:lnSpc>
-                <a:spcPct val="100000"/>
-              </a:lnSpc>
-              <a:spcBef>
-                <a:spcPct val="0"/>
-              </a:spcBef>
-              <a:spcAft>
-                <a:spcPct val="0"/>
-              </a:spcAft>
-              <a:buClrTx/>
-              <a:buSzTx/>
-              <a:buFontTx/>
-              <a:buNone/>
-              <a:tabLst/>
-            </a:pPr>
-            <a:r>
-              <a:rPr kumimoji="0" lang="fr-FR" altLang="fr-FR" b="0" i="0" u="none" strike="noStrike" cap="none" normalizeH="0" baseline="0" dirty="0" err="1">
-                <a:ln>
-                  <a:noFill/>
-                </a:ln>
-                <a:solidFill>
-                  <a:schemeClr val="accent1"/>
-                </a:solidFill>
-                <a:effectLst/>
-                <a:latin typeface="Arial" panose="020B0604020202020204" pitchFamily="34" charset="0"/>
-                <a:cs typeface="Arial" panose="020B0604020202020204" pitchFamily="34" charset="0"/>
-              </a:rPr>
-              <a:t>com.mycompany.onlinestore.frontoffice.controller</a:t>
-            </a:r>
-            <a:r>
-              <a:rPr kumimoji="0" lang="fr-FR" altLang="fr-FR" b="0" i="0" u="none" strike="noStrike" cap="none" normalizeH="0" baseline="0" dirty="0">
-                <a:ln>
-                  <a:noFill/>
-                </a:ln>
-                <a:solidFill>
-                  <a:schemeClr val="accent1"/>
-                </a:solidFill>
-                <a:effectLst/>
-                <a:latin typeface="Arial" panose="020B0604020202020204" pitchFamily="34" charset="0"/>
-                <a:cs typeface="Arial" panose="020B0604020202020204" pitchFamily="34" charset="0"/>
-              </a:rPr>
-              <a:t>  renvoyant </a:t>
-            </a:r>
-            <a:r>
-              <a:rPr kumimoji="0" lang="fr-FR" altLang="fr-FR" b="0" i="0" u="none" strike="noStrike" cap="none" normalizeH="0" baseline="0" dirty="0" err="1">
-                <a:ln>
-                  <a:noFill/>
-                </a:ln>
-                <a:solidFill>
-                  <a:schemeClr val="accent1"/>
-                </a:solidFill>
-                <a:effectLst/>
-                <a:latin typeface="Arial" panose="020B0604020202020204" pitchFamily="34" charset="0"/>
-                <a:cs typeface="Arial" panose="020B0604020202020204" pitchFamily="34" charset="0"/>
-              </a:rPr>
-              <a:t>renvoyant</a:t>
-            </a:r>
-            <a:r>
-              <a:rPr kumimoji="0" lang="fr-FR" altLang="fr-FR" b="0" i="0" u="none" strike="noStrike" cap="none" normalizeH="0" baseline="0" dirty="0">
-                <a:ln>
-                  <a:noFill/>
-                </a:ln>
-                <a:solidFill>
-                  <a:schemeClr val="accent1"/>
-                </a:solidFill>
-                <a:effectLst/>
-                <a:latin typeface="Arial" panose="020B0604020202020204" pitchFamily="34" charset="0"/>
-                <a:cs typeface="Arial" panose="020B0604020202020204" pitchFamily="34" charset="0"/>
-              </a:rPr>
-              <a:t>  dans la</a:t>
-            </a:r>
-          </a:p>
-          <a:p>
-            <a:pPr marL="0" marR="0" lvl="0" indent="0" algn="l" defTabSz="914400" rtl="0" eaLnBrk="0" fontAlgn="base" latinLnBrk="0" hangingPunct="0">
-              <a:lnSpc>
-                <a:spcPct val="100000"/>
-              </a:lnSpc>
-              <a:spcBef>
-                <a:spcPct val="0"/>
-              </a:spcBef>
-              <a:spcAft>
-                <a:spcPct val="0"/>
-              </a:spcAft>
-              <a:buClrTx/>
-              <a:buSzTx/>
-              <a:buFontTx/>
-              <a:buNone/>
-              <a:tabLst/>
-            </a:pPr>
-            <a:r>
-              <a:rPr kumimoji="0" lang="fr-FR" altLang="fr-FR" b="0" i="0" u="none" strike="noStrike" cap="none" normalizeH="0" baseline="0" dirty="0">
-                <a:ln>
-                  <a:noFill/>
-                </a:ln>
-                <a:solidFill>
-                  <a:schemeClr val="accent1"/>
-                </a:solidFill>
-                <a:effectLst/>
-                <a:latin typeface="Arial" panose="020B0604020202020204" pitchFamily="34" charset="0"/>
-                <a:cs typeface="Arial" panose="020B0604020202020204" pitchFamily="34" charset="0"/>
-              </a:rPr>
-              <a:t>réponse un contenu HTML affichant le titre de la page principale du site Back-office</a:t>
-            </a:r>
-          </a:p>
-          <a:p>
-            <a:pPr marL="0" marR="0" lvl="0" indent="0" algn="l" defTabSz="914400" rtl="0" eaLnBrk="0" fontAlgn="base" latinLnBrk="0" hangingPunct="0">
-              <a:lnSpc>
-                <a:spcPct val="100000"/>
-              </a:lnSpc>
-              <a:spcBef>
-                <a:spcPct val="0"/>
-              </a:spcBef>
-              <a:spcAft>
-                <a:spcPct val="0"/>
-              </a:spcAft>
-              <a:buClrTx/>
-              <a:buSzTx/>
-              <a:buFontTx/>
-              <a:buNone/>
-              <a:tabLst/>
-            </a:pPr>
-            <a:r>
-              <a:rPr kumimoji="0" lang="fr-FR" altLang="fr-FR" b="0" i="0" u="none" strike="noStrike" cap="none" normalizeH="0" baseline="0" dirty="0">
-                <a:ln>
-                  <a:noFill/>
-                </a:ln>
-                <a:solidFill>
-                  <a:schemeClr val="accent1"/>
-                </a:solidFill>
-                <a:effectLst/>
-                <a:latin typeface="Arial" panose="020B0604020202020204" pitchFamily="34" charset="0"/>
-                <a:cs typeface="Arial" panose="020B0604020202020204" pitchFamily="34" charset="0"/>
-              </a:rPr>
-              <a:t>“ </a:t>
-            </a:r>
-            <a:r>
-              <a:rPr kumimoji="0" lang="fr-FR" altLang="fr-FR" b="0" i="0" u="none" strike="noStrike" cap="none" normalizeH="0" baseline="0" dirty="0" err="1">
-                <a:ln>
-                  <a:noFill/>
-                </a:ln>
-                <a:solidFill>
-                  <a:schemeClr val="accent1"/>
-                </a:solidFill>
-                <a:effectLst/>
-                <a:latin typeface="Arial" panose="020B0604020202020204" pitchFamily="34" charset="0"/>
-                <a:cs typeface="Arial" panose="020B0604020202020204" pitchFamily="34" charset="0"/>
-              </a:rPr>
-              <a:t>OnlineStore</a:t>
-            </a:r>
-            <a:r>
-              <a:rPr kumimoji="0" lang="fr-FR" altLang="fr-FR" b="0" i="0" u="none" strike="noStrike" cap="none" normalizeH="0" baseline="0" dirty="0">
-                <a:ln>
-                  <a:noFill/>
-                </a:ln>
-                <a:solidFill>
-                  <a:schemeClr val="accent1"/>
-                </a:solidFill>
-                <a:effectLst/>
-                <a:latin typeface="Arial" panose="020B0604020202020204" pitchFamily="34" charset="0"/>
-                <a:cs typeface="Arial" panose="020B0604020202020204" pitchFamily="34" charset="0"/>
-              </a:rPr>
-              <a:t> – Gestion de la boutique ”.</a:t>
-            </a:r>
-          </a:p>
-          <a:p>
-            <a:pPr marL="0" marR="0" lvl="0" indent="0" algn="l" defTabSz="914400" rtl="0" eaLnBrk="0" fontAlgn="base" latinLnBrk="0" hangingPunct="0">
-              <a:lnSpc>
-                <a:spcPct val="100000"/>
-              </a:lnSpc>
-              <a:spcBef>
-                <a:spcPct val="0"/>
-              </a:spcBef>
-              <a:spcAft>
-                <a:spcPct val="0"/>
-              </a:spcAft>
-              <a:buClrTx/>
-              <a:buSzTx/>
-              <a:buFontTx/>
-              <a:buNone/>
-              <a:tabLst/>
-            </a:pPr>
-            <a:endParaRPr kumimoji="0" lang="fr-FR" altLang="fr-FR" sz="1800" b="0" i="0" u="none" strike="noStrike" cap="none" normalizeH="0" baseline="0" dirty="0">
-              <a:ln>
-                <a:noFill/>
-              </a:ln>
+              </a:rPr>
+              <a:t>Dans le backend :</a:t>
+            </a:r>
+          </a:p>
+          <a:p>
+            <a:endParaRPr lang="fr-FR" dirty="0">
               <a:solidFill>
                 <a:schemeClr val="accent1"/>
               </a:solidFill>
-              <a:effectLst/>
-              <a:latin typeface="Arial" panose="020B0604020202020204" pitchFamily="34" charset="0"/>
             </a:endParaRPr>
           </a:p>
           <a:p>
-            <a:pPr marL="285750" marR="0" lvl="0" indent="-285750" algn="l" defTabSz="914400" rtl="0" eaLnBrk="0" fontAlgn="base" latinLnBrk="0" hangingPunct="0">
-              <a:lnSpc>
-                <a:spcPct val="100000"/>
-              </a:lnSpc>
-              <a:spcBef>
-                <a:spcPct val="0"/>
-              </a:spcBef>
-              <a:spcAft>
-                <a:spcPct val="0"/>
-              </a:spcAft>
-              <a:buClrTx/>
-              <a:buSzTx/>
+            <a:pPr marL="285750" indent="-285750">
               <a:buFont typeface="Arial" panose="020B0604020202020204" pitchFamily="34" charset="0"/>
               <a:buChar char="•"/>
-              <a:tabLst/>
             </a:pPr>
             <a:r>
-              <a:rPr kumimoji="0" lang="fr-FR" altLang="fr-FR" sz="1800" b="0" i="0" u="none" strike="noStrike" cap="none" normalizeH="0" baseline="0" dirty="0">
-                <a:ln>
-                  <a:noFill/>
-                </a:ln>
+              <a:rPr lang="fr-FR" sz="1600" dirty="0">
                 <a:solidFill>
                   <a:schemeClr val="accent1"/>
                 </a:solidFill>
-                <a:effectLst/>
-                <a:latin typeface="Arial" panose="020B0604020202020204" pitchFamily="34" charset="0"/>
-              </a:rPr>
-              <a:t>Ce contenu doit être accessible sous l’URL : </a:t>
-            </a:r>
-            <a:r>
-              <a:rPr kumimoji="0" lang="fr-FR" altLang="fr-FR" sz="1800" b="0" i="0" u="sng" strike="noStrike" cap="none" normalizeH="0" baseline="0" dirty="0">
-                <a:ln>
-                  <a:noFill/>
-                </a:ln>
-                <a:solidFill>
-                  <a:schemeClr val="accent2"/>
-                </a:solidFill>
-                <a:effectLst/>
-                <a:latin typeface="Arial" panose="020B0604020202020204" pitchFamily="34" charset="0"/>
-                <a:hlinkClick r:id="rId2">
-                  <a:extLst>
-                    <a:ext uri="{A12FA001-AC4F-418D-AE19-62706E023703}">
-                      <ahyp:hlinkClr xmlns:ahyp="http://schemas.microsoft.com/office/drawing/2018/hyperlinkcolor" val="tx"/>
-                    </a:ext>
-                  </a:extLst>
-                </a:hlinkClick>
-              </a:rPr>
-              <a:t>http://localhost:8080/frontoffice/home</a:t>
-            </a:r>
-            <a:endParaRPr kumimoji="0" lang="fr-FR" altLang="fr-FR" sz="1800" b="0" i="0" u="sng" strike="noStrike" cap="none" normalizeH="0" baseline="0" dirty="0">
-              <a:ln>
-                <a:noFill/>
-              </a:ln>
-              <a:solidFill>
-                <a:schemeClr val="accent2"/>
-              </a:solidFill>
-              <a:effectLst/>
-              <a:latin typeface="Arial" panose="020B0604020202020204" pitchFamily="34" charset="0"/>
-            </a:endParaRPr>
-          </a:p>
-          <a:p>
-            <a:pPr marL="0" marR="0" lvl="0" indent="0" algn="l" defTabSz="914400" rtl="0" eaLnBrk="0" fontAlgn="base" latinLnBrk="0" hangingPunct="0">
-              <a:lnSpc>
-                <a:spcPct val="100000"/>
-              </a:lnSpc>
-              <a:spcBef>
-                <a:spcPct val="0"/>
-              </a:spcBef>
-              <a:spcAft>
-                <a:spcPct val="0"/>
-              </a:spcAft>
-              <a:buClrTx/>
-              <a:buSzTx/>
-              <a:buFontTx/>
-              <a:buNone/>
-              <a:tabLst/>
-            </a:pPr>
-            <a:endParaRPr kumimoji="0" lang="fr-FR" altLang="fr-FR" sz="1800" b="0" i="0" u="none" strike="noStrike" cap="none" normalizeH="0" baseline="0" dirty="0">
-              <a:ln>
-                <a:noFill/>
-              </a:ln>
+              </a:rPr>
+              <a:t>Créer un package </a:t>
+            </a:r>
+            <a:r>
+              <a:rPr lang="fr-FR" sz="1600" dirty="0" err="1">
+                <a:solidFill>
+                  <a:schemeClr val="accent1"/>
+                </a:solidFill>
+              </a:rPr>
+              <a:t>entity</a:t>
+            </a:r>
+            <a:endParaRPr lang="fr-FR" sz="1600" dirty="0">
               <a:solidFill>
                 <a:schemeClr val="accent1"/>
               </a:solidFill>
-              <a:effectLst/>
-              <a:latin typeface="Arial" panose="020B0604020202020204" pitchFamily="34" charset="0"/>
             </a:endParaRPr>
           </a:p>
           <a:p>
-            <a:pPr marL="285750" marR="0" lvl="0" indent="-285750" algn="l" defTabSz="914400" rtl="0" eaLnBrk="0" fontAlgn="base" latinLnBrk="0" hangingPunct="0">
-              <a:lnSpc>
-                <a:spcPct val="100000"/>
-              </a:lnSpc>
-              <a:spcBef>
-                <a:spcPct val="0"/>
-              </a:spcBef>
-              <a:spcAft>
-                <a:spcPct val="0"/>
-              </a:spcAft>
-              <a:buClrTx/>
-              <a:buSzTx/>
-              <a:buFont typeface="Arial" panose="020B0604020202020204" pitchFamily="34" charset="0"/>
-              <a:buChar char="•"/>
-              <a:tabLst/>
-            </a:pPr>
-            <a:r>
-              <a:rPr kumimoji="0" lang="fr-FR" altLang="fr-FR" sz="1800" b="0" i="0" u="none" strike="noStrike" cap="none" normalizeH="0" baseline="0" dirty="0">
-                <a:ln>
-                  <a:noFill/>
-                </a:ln>
-                <a:solidFill>
-                  <a:schemeClr val="accent1"/>
-                </a:solidFill>
-                <a:effectLst/>
-                <a:latin typeface="Arial" panose="020B0604020202020204" pitchFamily="34" charset="0"/>
-              </a:rPr>
-              <a:t>Sur le modèle de </a:t>
-            </a:r>
-            <a:r>
-              <a:rPr kumimoji="0" lang="fr-FR" altLang="fr-FR" sz="1800" b="0" i="0" u="none" strike="noStrike" cap="none" normalizeH="0" baseline="0" dirty="0" err="1">
-                <a:ln>
-                  <a:noFill/>
-                </a:ln>
-                <a:solidFill>
-                  <a:schemeClr val="accent1"/>
-                </a:solidFill>
-                <a:effectLst/>
-                <a:latin typeface="Arial" panose="020B0604020202020204" pitchFamily="34" charset="0"/>
-              </a:rPr>
-              <a:t>HomeServlet</a:t>
-            </a:r>
-            <a:r>
-              <a:rPr kumimoji="0" lang="fr-FR" altLang="fr-FR" sz="1800" b="0" i="0" u="none" strike="noStrike" cap="none" normalizeH="0" baseline="0" dirty="0">
-                <a:ln>
-                  <a:noFill/>
-                </a:ln>
-                <a:solidFill>
-                  <a:schemeClr val="accent1"/>
-                </a:solidFill>
-                <a:effectLst/>
-                <a:latin typeface="Arial" panose="020B0604020202020204" pitchFamily="34" charset="0"/>
-              </a:rPr>
-              <a:t> du front-office, créez une nouvelle servlet  </a:t>
-            </a:r>
-            <a:r>
-              <a:rPr kumimoji="0" lang="fr-FR" altLang="fr-FR" b="0" i="0" u="none" strike="noStrike" cap="none" normalizeH="0" baseline="0" dirty="0" err="1">
-                <a:ln>
-                  <a:noFill/>
-                </a:ln>
-                <a:solidFill>
-                  <a:schemeClr val="accent1"/>
-                </a:solidFill>
-                <a:effectLst/>
-                <a:latin typeface="Arial" panose="020B0604020202020204" pitchFamily="34" charset="0"/>
-                <a:cs typeface="Arial" panose="020B0604020202020204" pitchFamily="34" charset="0"/>
-              </a:rPr>
-              <a:t>HomeServlet</a:t>
-            </a:r>
-            <a:endParaRPr kumimoji="0" lang="fr-FR" altLang="fr-FR" b="0" i="0" u="none" strike="noStrike" cap="none" normalizeH="0" baseline="0" dirty="0">
-              <a:ln>
-                <a:noFill/>
-              </a:ln>
+            <a:endParaRPr lang="fr-FR" sz="1600" dirty="0">
               <a:solidFill>
                 <a:schemeClr val="accent1"/>
               </a:solidFill>
-              <a:effectLst/>
-              <a:latin typeface="Arial" panose="020B0604020202020204" pitchFamily="34" charset="0"/>
-              <a:cs typeface="Arial" panose="020B0604020202020204" pitchFamily="34" charset="0"/>
             </a:endParaRPr>
           </a:p>
           <a:p>
-            <a:pPr marL="0" marR="0" lvl="0" indent="0" algn="l" defTabSz="914400" rtl="0" eaLnBrk="0" fontAlgn="base" latinLnBrk="0" hangingPunct="0">
-              <a:lnSpc>
-                <a:spcPct val="100000"/>
-              </a:lnSpc>
-              <a:spcBef>
-                <a:spcPct val="0"/>
-              </a:spcBef>
-              <a:spcAft>
-                <a:spcPct val="0"/>
-              </a:spcAft>
-              <a:buClrTx/>
-              <a:buSzTx/>
-              <a:buFontTx/>
-              <a:buNone/>
-              <a:tabLst/>
+            <a:pPr marL="285750" indent="-285750">
+              <a:buFont typeface="Arial" panose="020B0604020202020204" pitchFamily="34" charset="0"/>
+              <a:buChar char="•"/>
             </a:pPr>
             <a:r>
-              <a:rPr kumimoji="0" lang="fr-FR" altLang="fr-FR" b="0" i="0" u="none" strike="noStrike" cap="none" normalizeH="0" baseline="0" dirty="0">
-                <a:ln>
-                  <a:noFill/>
-                </a:ln>
+              <a:rPr lang="fr-FR" sz="1600" dirty="0">
                 <a:solidFill>
                   <a:schemeClr val="accent1"/>
                 </a:solidFill>
-                <a:effectLst/>
-                <a:latin typeface="Arial" panose="020B0604020202020204" pitchFamily="34" charset="0"/>
-                <a:cs typeface="Arial" panose="020B0604020202020204" pitchFamily="34" charset="0"/>
-              </a:rPr>
-              <a:t>dans un nouveau package </a:t>
-            </a:r>
-            <a:r>
-              <a:rPr kumimoji="0" lang="fr-FR" altLang="fr-FR" b="0" i="0" u="none" strike="noStrike" cap="none" normalizeH="0" baseline="0" dirty="0" err="1">
-                <a:ln>
-                  <a:noFill/>
-                </a:ln>
+              </a:rPr>
+              <a:t>Ajouter une classe </a:t>
+            </a:r>
+            <a:r>
+              <a:rPr lang="fr-FR" sz="1600" dirty="0" err="1">
                 <a:solidFill>
                   <a:schemeClr val="accent1"/>
                 </a:solidFill>
-                <a:effectLst/>
-                <a:latin typeface="Arial" panose="020B0604020202020204" pitchFamily="34" charset="0"/>
-                <a:cs typeface="Arial" panose="020B0604020202020204" pitchFamily="34" charset="0"/>
-              </a:rPr>
-              <a:t>com.mycompany.onlinestore.backoffice.controller</a:t>
-            </a:r>
-            <a:r>
-              <a:rPr kumimoji="0" lang="fr-FR" altLang="fr-FR" b="0" i="0" u="none" strike="noStrike" cap="none" normalizeH="0" baseline="0" dirty="0">
-                <a:ln>
-                  <a:noFill/>
-                </a:ln>
+              </a:rPr>
+              <a:t>Artist</a:t>
+            </a:r>
+            <a:r>
+              <a:rPr lang="fr-FR" sz="1600" dirty="0">
                 <a:solidFill>
                   <a:schemeClr val="accent1"/>
                 </a:solidFill>
-                <a:effectLst/>
-                <a:latin typeface="Arial" panose="020B0604020202020204" pitchFamily="34" charset="0"/>
-                <a:cs typeface="Arial" panose="020B0604020202020204" pitchFamily="34" charset="0"/>
-              </a:rPr>
-              <a:t> </a:t>
-            </a:r>
-          </a:p>
-          <a:p>
-            <a:pPr marL="0" marR="0" lvl="0" indent="0" algn="l" defTabSz="914400" rtl="0" eaLnBrk="0" fontAlgn="base" latinLnBrk="0" hangingPunct="0">
-              <a:lnSpc>
-                <a:spcPct val="100000"/>
-              </a:lnSpc>
-              <a:spcBef>
-                <a:spcPct val="0"/>
-              </a:spcBef>
-              <a:spcAft>
-                <a:spcPct val="0"/>
-              </a:spcAft>
-              <a:buClrTx/>
-              <a:buSzTx/>
-              <a:buFontTx/>
-              <a:buNone/>
-              <a:tabLst/>
+              </a:rPr>
+              <a:t> au format </a:t>
+            </a:r>
+            <a:r>
+              <a:rPr lang="fr-FR" sz="1600" dirty="0" err="1">
+                <a:solidFill>
+                  <a:schemeClr val="accent1"/>
+                </a:solidFill>
+              </a:rPr>
+              <a:t>Javabean</a:t>
+            </a:r>
+            <a:r>
+              <a:rPr lang="fr-FR" sz="1600" dirty="0">
+                <a:solidFill>
+                  <a:schemeClr val="accent1"/>
+                </a:solidFill>
+              </a:rPr>
+              <a:t>, avec une propriété </a:t>
+            </a:r>
+            <a:r>
+              <a:rPr lang="fr-FR" sz="1600" dirty="0" err="1">
+                <a:solidFill>
+                  <a:schemeClr val="accent1"/>
+                </a:solidFill>
+              </a:rPr>
+              <a:t>name</a:t>
+            </a:r>
+            <a:r>
+              <a:rPr lang="fr-FR" sz="1600" dirty="0">
+                <a:solidFill>
+                  <a:schemeClr val="accent1"/>
+                </a:solidFill>
+              </a:rPr>
+              <a:t>.</a:t>
+            </a:r>
+          </a:p>
+          <a:p>
+            <a:pPr marL="285750" indent="-285750">
+              <a:buFont typeface="Arial" panose="020B0604020202020204" pitchFamily="34" charset="0"/>
+              <a:buChar char="•"/>
             </a:pPr>
-            <a:endParaRPr kumimoji="0" lang="fr-FR" altLang="fr-FR" b="0" i="0" u="none" strike="noStrike" cap="none" normalizeH="0" baseline="0" dirty="0">
-              <a:ln>
-                <a:noFill/>
-              </a:ln>
+            <a:endParaRPr lang="fr-FR" sz="1600" dirty="0">
               <a:solidFill>
                 <a:schemeClr val="accent1"/>
               </a:solidFill>
-              <a:effectLst/>
-              <a:latin typeface="Arial" panose="020B0604020202020204" pitchFamily="34" charset="0"/>
-              <a:cs typeface="Arial" panose="020B0604020202020204" pitchFamily="34" charset="0"/>
             </a:endParaRPr>
           </a:p>
           <a:p>
-            <a:pPr marL="285750" marR="0" lvl="0" indent="-285750" algn="l" defTabSz="914400" rtl="0" eaLnBrk="0" fontAlgn="base" latinLnBrk="0" hangingPunct="0">
-              <a:lnSpc>
-                <a:spcPct val="100000"/>
-              </a:lnSpc>
-              <a:spcBef>
-                <a:spcPct val="0"/>
-              </a:spcBef>
-              <a:spcAft>
-                <a:spcPct val="0"/>
-              </a:spcAft>
-              <a:buClrTx/>
-              <a:buSzTx/>
+            <a:pPr marL="285750" indent="-285750">
               <a:buFont typeface="Arial" panose="020B0604020202020204" pitchFamily="34" charset="0"/>
               <a:buChar char="•"/>
-              <a:tabLst/>
             </a:pPr>
             <a:r>
-              <a:rPr kumimoji="0" lang="fr-FR" altLang="fr-FR" sz="1800" b="0" i="0" u="none" strike="noStrike" cap="none" normalizeH="0" baseline="0" dirty="0">
-                <a:ln>
-                  <a:noFill/>
-                </a:ln>
+              <a:rPr lang="fr-FR" sz="1600" dirty="0">
                 <a:solidFill>
                   <a:schemeClr val="accent1"/>
                 </a:solidFill>
-                <a:effectLst/>
-                <a:latin typeface="Arial" panose="020B0604020202020204" pitchFamily="34" charset="0"/>
-              </a:rPr>
-              <a:t>Cette page doit être accessible sous l’URL : </a:t>
-            </a:r>
-            <a:r>
-              <a:rPr kumimoji="0" lang="fr-FR" altLang="fr-FR" sz="1800" b="0" i="0" u="sng" strike="noStrike" cap="none" normalizeH="0" baseline="0" dirty="0">
-                <a:ln>
-                  <a:noFill/>
-                </a:ln>
-                <a:solidFill>
-                  <a:schemeClr val="accent2"/>
-                </a:solidFill>
-                <a:effectLst/>
-                <a:latin typeface="Arial" panose="020B0604020202020204" pitchFamily="34" charset="0"/>
-                <a:hlinkClick r:id="rId3">
-                  <a:extLst>
-                    <a:ext uri="{A12FA001-AC4F-418D-AE19-62706E023703}">
-                      <ahyp:hlinkClr xmlns:ahyp="http://schemas.microsoft.com/office/drawing/2018/hyperlinkcolor" val="tx"/>
-                    </a:ext>
-                  </a:extLst>
-                </a:hlinkClick>
-              </a:rPr>
-              <a:t>http://localhost:8081/backoffice/home</a:t>
-            </a:r>
-            <a:endParaRPr kumimoji="0" lang="fr-FR" altLang="fr-FR" sz="1800" b="0" i="0" u="none" strike="noStrike" cap="none" normalizeH="0" baseline="0" dirty="0">
-              <a:ln>
-                <a:noFill/>
-              </a:ln>
+              </a:rPr>
+              <a:t>Créer une classe Work qui dispose des propriétés :</a:t>
+            </a:r>
+          </a:p>
+          <a:p>
+            <a:pPr marL="742950" lvl="1" indent="-285750">
+              <a:buFont typeface="Arial" panose="020B0604020202020204" pitchFamily="34" charset="0"/>
+              <a:buChar char="•"/>
+            </a:pPr>
+            <a:r>
+              <a:rPr lang="fr-FR" sz="1600" dirty="0">
+                <a:solidFill>
+                  <a:schemeClr val="accent1"/>
+                </a:solidFill>
+              </a:rPr>
+              <a:t> </a:t>
+            </a:r>
+            <a:r>
+              <a:rPr lang="fr-FR" sz="1600" dirty="0" err="1">
+                <a:solidFill>
+                  <a:schemeClr val="accent1"/>
+                </a:solidFill>
+              </a:rPr>
+              <a:t>title</a:t>
+            </a:r>
+            <a:endParaRPr lang="fr-FR" sz="1600" dirty="0">
               <a:solidFill>
-                <a:schemeClr val="accent2"/>
+                <a:schemeClr val="accent1"/>
               </a:solidFill>
-              <a:effectLst/>
-              <a:latin typeface="Arial" panose="020B0604020202020204" pitchFamily="34" charset="0"/>
             </a:endParaRPr>
+          </a:p>
+          <a:p>
+            <a:pPr marL="742950" lvl="1" indent="-285750">
+              <a:buFont typeface="Arial" panose="020B0604020202020204" pitchFamily="34" charset="0"/>
+              <a:buChar char="•"/>
+            </a:pPr>
+            <a:r>
+              <a:rPr lang="fr-FR" sz="1600" dirty="0">
+                <a:solidFill>
+                  <a:schemeClr val="accent1"/>
+                </a:solidFill>
+              </a:rPr>
+              <a:t> genre</a:t>
+            </a:r>
+          </a:p>
+          <a:p>
+            <a:pPr marL="742950" lvl="1" indent="-285750">
+              <a:buFont typeface="Arial" panose="020B0604020202020204" pitchFamily="34" charset="0"/>
+              <a:buChar char="•"/>
+            </a:pPr>
+            <a:r>
+              <a:rPr lang="fr-FR" sz="1600" dirty="0">
+                <a:solidFill>
+                  <a:schemeClr val="accent1"/>
+                </a:solidFill>
+              </a:rPr>
+              <a:t> release (format 4 chiffres)</a:t>
+            </a:r>
+          </a:p>
+          <a:p>
+            <a:pPr marL="742950" lvl="1" indent="-285750">
+              <a:buFont typeface="Arial" panose="020B0604020202020204" pitchFamily="34" charset="0"/>
+              <a:buChar char="•"/>
+            </a:pPr>
+            <a:r>
+              <a:rPr lang="fr-FR" sz="1600" dirty="0">
+                <a:solidFill>
+                  <a:schemeClr val="accent1"/>
+                </a:solidFill>
+              </a:rPr>
+              <a:t> </a:t>
+            </a:r>
+            <a:r>
+              <a:rPr lang="fr-FR" sz="1600" dirty="0" err="1">
+                <a:solidFill>
+                  <a:schemeClr val="accent1"/>
+                </a:solidFill>
+              </a:rPr>
+              <a:t>summary</a:t>
+            </a:r>
+            <a:endParaRPr lang="fr-FR" sz="1600" dirty="0">
+              <a:solidFill>
+                <a:schemeClr val="accent1"/>
+              </a:solidFill>
+            </a:endParaRPr>
+          </a:p>
+          <a:p>
+            <a:pPr marL="742950" lvl="1" indent="-285750">
+              <a:buFont typeface="Arial" panose="020B0604020202020204" pitchFamily="34" charset="0"/>
+              <a:buChar char="•"/>
+            </a:pPr>
+            <a:r>
+              <a:rPr lang="fr-FR" sz="1600" dirty="0">
+                <a:solidFill>
+                  <a:schemeClr val="accent1"/>
+                </a:solidFill>
+              </a:rPr>
+              <a:t> </a:t>
+            </a:r>
+            <a:r>
+              <a:rPr lang="fr-FR" sz="1600" dirty="0" err="1">
+                <a:solidFill>
+                  <a:schemeClr val="accent1"/>
+                </a:solidFill>
+              </a:rPr>
+              <a:t>Artist</a:t>
+            </a:r>
+            <a:r>
+              <a:rPr lang="fr-FR" sz="1600" dirty="0">
+                <a:solidFill>
+                  <a:schemeClr val="accent1"/>
+                </a:solidFill>
+              </a:rPr>
+              <a:t> </a:t>
+            </a:r>
+            <a:r>
+              <a:rPr lang="fr-FR" sz="1600" dirty="0" err="1">
+                <a:solidFill>
+                  <a:schemeClr val="accent1"/>
+                </a:solidFill>
+              </a:rPr>
+              <a:t>mainArtist</a:t>
+            </a:r>
+            <a:endParaRPr lang="fr-FR" sz="1600" dirty="0">
+              <a:solidFill>
+                <a:schemeClr val="accent1"/>
+              </a:solidFill>
+            </a:endParaRPr>
+          </a:p>
+          <a:p>
+            <a:pPr lvl="1"/>
+            <a:endParaRPr lang="fr-FR" sz="1600" dirty="0">
+              <a:solidFill>
+                <a:schemeClr val="accent1"/>
+              </a:solidFill>
+            </a:endParaRPr>
+          </a:p>
+          <a:p>
+            <a:pPr marL="285750" indent="-285750">
+              <a:buFont typeface="Arial" panose="020B0604020202020204" pitchFamily="34" charset="0"/>
+              <a:buChar char="•"/>
+            </a:pPr>
+            <a:r>
+              <a:rPr lang="fr-FR" sz="1600" dirty="0">
+                <a:solidFill>
+                  <a:schemeClr val="accent1"/>
+                </a:solidFill>
+              </a:rPr>
+              <a:t>Ajouter un constructeur qui prend en paramètre le titre de l’œuvre. </a:t>
+            </a:r>
+          </a:p>
+          <a:p>
+            <a:pPr marL="285750" indent="-285750">
+              <a:buFont typeface="Arial" panose="020B0604020202020204" pitchFamily="34" charset="0"/>
+              <a:buChar char="•"/>
+            </a:pPr>
+            <a:endParaRPr lang="fr-FR" sz="1600" dirty="0">
+              <a:solidFill>
+                <a:schemeClr val="accent1"/>
+              </a:solidFill>
+            </a:endParaRPr>
+          </a:p>
+          <a:p>
+            <a:pPr marL="285750" indent="-285750">
+              <a:buFont typeface="Arial" panose="020B0604020202020204" pitchFamily="34" charset="0"/>
+              <a:buChar char="•"/>
+            </a:pPr>
+            <a:r>
+              <a:rPr lang="fr-FR" sz="1600" dirty="0">
+                <a:solidFill>
+                  <a:schemeClr val="accent1"/>
+                </a:solidFill>
+              </a:rPr>
+              <a:t>Créer une classe Catalogue avec une propriété statique </a:t>
+            </a:r>
+            <a:r>
+              <a:rPr lang="fr-FR" sz="1600" dirty="0" err="1">
+                <a:solidFill>
+                  <a:schemeClr val="accent1"/>
+                </a:solidFill>
+              </a:rPr>
+              <a:t>listOfWorks</a:t>
+            </a:r>
+            <a:r>
+              <a:rPr lang="fr-FR" sz="1600" dirty="0">
+                <a:solidFill>
+                  <a:schemeClr val="accent1"/>
+                </a:solidFill>
+              </a:rPr>
+              <a:t> sous forme de </a:t>
+            </a:r>
+            <a:r>
+              <a:rPr lang="fr-FR" sz="1600" dirty="0" err="1">
+                <a:solidFill>
+                  <a:schemeClr val="accent1"/>
+                </a:solidFill>
+              </a:rPr>
+              <a:t>Hashset</a:t>
+            </a:r>
+            <a:r>
+              <a:rPr lang="fr-FR" sz="1600" dirty="0">
+                <a:solidFill>
+                  <a:schemeClr val="accent1"/>
+                </a:solidFill>
+              </a:rPr>
+              <a:t>.</a:t>
+            </a:r>
+          </a:p>
+          <a:p>
+            <a:pPr marL="285750" indent="-285750">
+              <a:buFont typeface="Arial" panose="020B0604020202020204" pitchFamily="34" charset="0"/>
+              <a:buChar char="•"/>
+            </a:pPr>
+            <a:endParaRPr lang="fr-FR" sz="1600" dirty="0">
+              <a:solidFill>
+                <a:schemeClr val="accent1"/>
+              </a:solidFill>
+            </a:endParaRPr>
+          </a:p>
+          <a:p>
+            <a:pPr marL="285750" indent="-285750">
+              <a:buFont typeface="Arial" panose="020B0604020202020204" pitchFamily="34" charset="0"/>
+              <a:buChar char="•"/>
+            </a:pPr>
+            <a:r>
+              <a:rPr lang="fr-FR" sz="1600" dirty="0">
+                <a:solidFill>
+                  <a:schemeClr val="accent1"/>
+                </a:solidFill>
+              </a:rPr>
+              <a:t>Ajouter une classe Application à la racine du projet avec une classe main qui ajoute 3 œuvres au catalogue et les affiche sous la forme &lt;œuvre &gt; &lt;</a:t>
+            </a:r>
+            <a:r>
+              <a:rPr lang="fr-FR" sz="1600" dirty="0" err="1">
+                <a:solidFill>
+                  <a:schemeClr val="accent1"/>
+                </a:solidFill>
+              </a:rPr>
+              <a:t>annee</a:t>
+            </a:r>
+            <a:r>
+              <a:rPr lang="fr-FR" sz="1600" dirty="0">
+                <a:solidFill>
+                  <a:schemeClr val="accent1"/>
+                </a:solidFill>
+              </a:rPr>
+              <a:t>&gt; </a:t>
+            </a:r>
+          </a:p>
+          <a:p>
+            <a:pPr marL="742950" lvl="1" indent="-285750">
+              <a:buFont typeface="Arial" panose="020B0604020202020204" pitchFamily="34" charset="0"/>
+              <a:buChar char="•"/>
+            </a:pPr>
+            <a:endParaRPr lang="fr-FR" dirty="0"/>
           </a:p>
         </p:txBody>
       </p:sp>
     </p:spTree>
     <p:extLst>
       <p:ext uri="{BB962C8B-B14F-4D97-AF65-F5344CB8AC3E}">
-        <p14:creationId xmlns:p14="http://schemas.microsoft.com/office/powerpoint/2010/main" val="3694239957"/>
+        <p14:creationId xmlns:p14="http://schemas.microsoft.com/office/powerpoint/2010/main" val="3765130311"/>
       </p:ext>
     </p:extLst>
   </p:cSld>
@@ -8411,33 +8648,7 @@
                 <a:effectLst/>
                 <a:latin typeface="sf pro text"/>
               </a:rPr>
-              <a:t>Ajouter à la page d'entrée du </a:t>
-            </a:r>
-            <a:r>
-              <a:rPr kumimoji="0" lang="fr-FR" altLang="fr-FR" sz="2000" b="0" i="0" u="none" strike="noStrike" cap="none" normalizeH="0" baseline="0" dirty="0" err="1">
-                <a:ln>
-                  <a:noFill/>
-                </a:ln>
-                <a:solidFill>
-                  <a:schemeClr val="accent1"/>
-                </a:solidFill>
-                <a:effectLst/>
-                <a:latin typeface="sf pro text"/>
-              </a:rPr>
-              <a:t>frontoffice</a:t>
-            </a:r>
-            <a:r>
-              <a:rPr kumimoji="0" lang="fr-FR" altLang="fr-FR" sz="2000" b="0" i="0" u="none" strike="noStrike" cap="none" normalizeH="0" baseline="0" dirty="0">
-                <a:ln>
-                  <a:noFill/>
-                </a:ln>
-                <a:solidFill>
-                  <a:schemeClr val="accent1"/>
-                </a:solidFill>
-                <a:effectLst/>
-                <a:latin typeface="sf pro text"/>
-              </a:rPr>
-              <a:t> fournie par </a:t>
+              <a:t>Ajouter à la page e par </a:t>
             </a:r>
             <a:r>
               <a:rPr kumimoji="0" lang="fr-FR" altLang="fr-FR" sz="2000" b="0" i="0" u="none" strike="noStrike" cap="none" normalizeH="0" baseline="0" dirty="0" err="1">

--- a/cours/Jee/Exercices Jee.pptx
+++ b/cours/Jee/Exercices Jee.pptx
@@ -5,13 +5,17 @@
     <p:sldMasterId id="2147483708" r:id="rId1"/>
   </p:sldMasterIdLst>
   <p:notesMasterIdLst>
-    <p:notesMasterId r:id="rId6"/>
+    <p:notesMasterId r:id="rId10"/>
   </p:notesMasterIdLst>
   <p:sldIdLst>
     <p:sldId id="256" r:id="rId2"/>
     <p:sldId id="257" r:id="rId3"/>
     <p:sldId id="258" r:id="rId4"/>
     <p:sldId id="259" r:id="rId5"/>
+    <p:sldId id="260" r:id="rId6"/>
+    <p:sldId id="261" r:id="rId7"/>
+    <p:sldId id="262" r:id="rId8"/>
+    <p:sldId id="263" r:id="rId9"/>
   </p:sldIdLst>
   <p:sldSz cx="12192000" cy="6858000"/>
   <p:notesSz cx="6858000" cy="9144000"/>
@@ -200,7 +204,7 @@
           <a:p>
             <a:fld id="{80E0B668-02A6-400A-9ABF-0CC9107A0F09}" type="datetimeFigureOut">
               <a:rPr lang="fr-FR" smtClean="0"/>
-              <a:t>08/03/2022</a:t>
+              <a:t>10/03/2022</a:t>
             </a:fld>
             <a:endParaRPr lang="fr-FR"/>
           </a:p>
@@ -1467,6 +1471,193 @@
     <p:extLst>
       <p:ext uri="{BB962C8B-B14F-4D97-AF65-F5344CB8AC3E}">
         <p14:creationId xmlns:p14="http://schemas.microsoft.com/office/powerpoint/2010/main" val="2488991743"/>
+      </p:ext>
+    </p:extLst>
+  </p:cSld>
+  <p:clrMapOvr>
+    <a:masterClrMapping/>
+  </p:clrMapOvr>
+</p:notes>
+</file>
+
+<file path=ppt/notesSlides/notesSlide4.xml><?xml version="1.0" encoding="utf-8"?>
+<p:notes xmlns:a="http://schemas.openxmlformats.org/drawingml/2006/main" xmlns:r="http://schemas.openxmlformats.org/officeDocument/2006/relationships" xmlns:p="http://schemas.openxmlformats.org/presentationml/2006/main">
+  <p:cSld>
+    <p:spTree>
+      <p:nvGrpSpPr>
+        <p:cNvPr id="1" name=""/>
+        <p:cNvGrpSpPr/>
+        <p:nvPr/>
+      </p:nvGrpSpPr>
+      <p:grpSpPr>
+        <a:xfrm>
+          <a:off x="0" y="0"/>
+          <a:ext cx="0" cy="0"/>
+          <a:chOff x="0" y="0"/>
+          <a:chExt cx="0" cy="0"/>
+        </a:xfrm>
+      </p:grpSpPr>
+      <p:sp>
+        <p:nvSpPr>
+          <p:cNvPr id="2" name="Espace réservé de l'image des diapositives 1"/>
+          <p:cNvSpPr>
+            <a:spLocks noGrp="1" noRot="1" noChangeAspect="1"/>
+          </p:cNvSpPr>
+          <p:nvPr>
+            <p:ph type="sldImg"/>
+          </p:nvPr>
+        </p:nvSpPr>
+        <p:spPr/>
+      </p:sp>
+      <p:sp>
+        <p:nvSpPr>
+          <p:cNvPr id="3" name="Espace réservé des notes 2"/>
+          <p:cNvSpPr>
+            <a:spLocks noGrp="1"/>
+          </p:cNvSpPr>
+          <p:nvPr>
+            <p:ph type="body" idx="1"/>
+          </p:nvPr>
+        </p:nvSpPr>
+        <p:spPr/>
+        <p:txBody>
+          <a:bodyPr/>
+          <a:lstStyle/>
+          <a:p>
+            <a:endParaRPr lang="fr-FR" dirty="0"/>
+          </a:p>
+        </p:txBody>
+      </p:sp>
+      <p:sp>
+        <p:nvSpPr>
+          <p:cNvPr id="4" name="Espace réservé du numéro de diapositive 3"/>
+          <p:cNvSpPr>
+            <a:spLocks noGrp="1"/>
+          </p:cNvSpPr>
+          <p:nvPr>
+            <p:ph type="sldNum" sz="quarter" idx="5"/>
+          </p:nvPr>
+        </p:nvSpPr>
+        <p:spPr/>
+        <p:txBody>
+          <a:bodyPr/>
+          <a:lstStyle/>
+          <a:p>
+            <a:fld id="{00072522-D80F-4883-98B2-BF36BB934210}" type="slidenum">
+              <a:rPr lang="fr-FR" smtClean="0"/>
+              <a:t>5</a:t>
+            </a:fld>
+            <a:endParaRPr lang="fr-FR"/>
+          </a:p>
+        </p:txBody>
+      </p:sp>
+    </p:spTree>
+    <p:extLst>
+      <p:ext uri="{BB962C8B-B14F-4D97-AF65-F5344CB8AC3E}">
+        <p14:creationId xmlns:p14="http://schemas.microsoft.com/office/powerpoint/2010/main" val="66348982"/>
+      </p:ext>
+    </p:extLst>
+  </p:cSld>
+  <p:clrMapOvr>
+    <a:masterClrMapping/>
+  </p:clrMapOvr>
+</p:notes>
+</file>
+
+<file path=ppt/notesSlides/notesSlide5.xml><?xml version="1.0" encoding="utf-8"?>
+<p:notes xmlns:a="http://schemas.openxmlformats.org/drawingml/2006/main" xmlns:r="http://schemas.openxmlformats.org/officeDocument/2006/relationships" xmlns:p="http://schemas.openxmlformats.org/presentationml/2006/main">
+  <p:cSld>
+    <p:spTree>
+      <p:nvGrpSpPr>
+        <p:cNvPr id="1" name=""/>
+        <p:cNvGrpSpPr/>
+        <p:nvPr/>
+      </p:nvGrpSpPr>
+      <p:grpSpPr>
+        <a:xfrm>
+          <a:off x="0" y="0"/>
+          <a:ext cx="0" cy="0"/>
+          <a:chOff x="0" y="0"/>
+          <a:chExt cx="0" cy="0"/>
+        </a:xfrm>
+      </p:grpSpPr>
+      <p:sp>
+        <p:nvSpPr>
+          <p:cNvPr id="2" name="Espace réservé de l'image des diapositives 1"/>
+          <p:cNvSpPr>
+            <a:spLocks noGrp="1" noRot="1" noChangeAspect="1"/>
+          </p:cNvSpPr>
+          <p:nvPr>
+            <p:ph type="sldImg"/>
+          </p:nvPr>
+        </p:nvSpPr>
+        <p:spPr/>
+      </p:sp>
+      <p:sp>
+        <p:nvSpPr>
+          <p:cNvPr id="3" name="Espace réservé des notes 2"/>
+          <p:cNvSpPr>
+            <a:spLocks noGrp="1"/>
+          </p:cNvSpPr>
+          <p:nvPr>
+            <p:ph type="body" idx="1"/>
+          </p:nvPr>
+        </p:nvSpPr>
+        <p:spPr/>
+        <p:txBody>
+          <a:bodyPr/>
+          <a:lstStyle/>
+          <a:p>
+            <a:r>
+              <a:rPr lang="fr-FR" dirty="0" err="1"/>
+              <a:t>Video</a:t>
+            </a:r>
+            <a:r>
+              <a:rPr lang="fr-FR" dirty="0"/>
+              <a:t> Set List : </a:t>
+            </a:r>
+          </a:p>
+          <a:p>
+            <a:r>
+              <a:rPr lang="fr-FR" dirty="0"/>
+              <a:t>https://www.udemy.com/course/cours-complet-de-programmation-java-pour-debutants/learn/lecture/6031660#overview</a:t>
+            </a:r>
+          </a:p>
+          <a:p>
+            <a:endParaRPr lang="fr-FR" dirty="0"/>
+          </a:p>
+          <a:p>
+            <a:endParaRPr lang="fr-FR" dirty="0"/>
+          </a:p>
+        </p:txBody>
+      </p:sp>
+      <p:sp>
+        <p:nvSpPr>
+          <p:cNvPr id="4" name="Espace réservé du numéro de diapositive 3"/>
+          <p:cNvSpPr>
+            <a:spLocks noGrp="1"/>
+          </p:cNvSpPr>
+          <p:nvPr>
+            <p:ph type="sldNum" sz="quarter" idx="5"/>
+          </p:nvPr>
+        </p:nvSpPr>
+        <p:spPr/>
+        <p:txBody>
+          <a:bodyPr/>
+          <a:lstStyle/>
+          <a:p>
+            <a:fld id="{00072522-D80F-4883-98B2-BF36BB934210}" type="slidenum">
+              <a:rPr lang="fr-FR" smtClean="0"/>
+              <a:t>8</a:t>
+            </a:fld>
+            <a:endParaRPr lang="fr-FR"/>
+          </a:p>
+        </p:txBody>
+      </p:sp>
+    </p:spTree>
+    <p:extLst>
+      <p:ext uri="{BB962C8B-B14F-4D97-AF65-F5344CB8AC3E}">
+        <p14:creationId xmlns:p14="http://schemas.microsoft.com/office/powerpoint/2010/main" val="739421198"/>
       </p:ext>
     </p:extLst>
   </p:cSld>
@@ -2198,7 +2389,7 @@
           <a:p>
             <a:fld id="{9057227A-9165-461E-AB95-6EE7B3088545}" type="datetimeFigureOut">
               <a:rPr lang="fr-FR" smtClean="0"/>
-              <a:t>08/03/2022</a:t>
+              <a:t>10/03/2022</a:t>
             </a:fld>
             <a:endParaRPr lang="fr-FR"/>
           </a:p>
@@ -2449,7 +2640,7 @@
           <a:p>
             <a:fld id="{9057227A-9165-461E-AB95-6EE7B3088545}" type="datetimeFigureOut">
               <a:rPr lang="fr-FR" smtClean="0"/>
-              <a:t>08/03/2022</a:t>
+              <a:t>10/03/2022</a:t>
             </a:fld>
             <a:endParaRPr lang="fr-FR"/>
           </a:p>
@@ -2763,7 +2954,7 @@
           <a:p>
             <a:fld id="{9057227A-9165-461E-AB95-6EE7B3088545}" type="datetimeFigureOut">
               <a:rPr lang="fr-FR" smtClean="0"/>
-              <a:t>08/03/2022</a:t>
+              <a:t>10/03/2022</a:t>
             </a:fld>
             <a:endParaRPr lang="fr-FR"/>
           </a:p>
@@ -3104,7 +3295,7 @@
           <a:p>
             <a:fld id="{9057227A-9165-461E-AB95-6EE7B3088545}" type="datetimeFigureOut">
               <a:rPr lang="fr-FR" smtClean="0"/>
-              <a:t>08/03/2022</a:t>
+              <a:t>10/03/2022</a:t>
             </a:fld>
             <a:endParaRPr lang="fr-FR"/>
           </a:p>
@@ -3418,7 +3609,7 @@
           <a:p>
             <a:fld id="{9057227A-9165-461E-AB95-6EE7B3088545}" type="datetimeFigureOut">
               <a:rPr lang="fr-FR" smtClean="0"/>
-              <a:t>08/03/2022</a:t>
+              <a:t>10/03/2022</a:t>
             </a:fld>
             <a:endParaRPr lang="fr-FR"/>
           </a:p>
@@ -3811,7 +4002,7 @@
           <a:p>
             <a:fld id="{9057227A-9165-461E-AB95-6EE7B3088545}" type="datetimeFigureOut">
               <a:rPr lang="fr-FR" smtClean="0"/>
-              <a:t>08/03/2022</a:t>
+              <a:t>10/03/2022</a:t>
             </a:fld>
             <a:endParaRPr lang="fr-FR"/>
           </a:p>
@@ -3981,7 +4172,7 @@
           <a:p>
             <a:fld id="{9057227A-9165-461E-AB95-6EE7B3088545}" type="datetimeFigureOut">
               <a:rPr lang="fr-FR" smtClean="0"/>
-              <a:t>08/03/2022</a:t>
+              <a:t>10/03/2022</a:t>
             </a:fld>
             <a:endParaRPr lang="fr-FR"/>
           </a:p>
@@ -4161,7 +4352,7 @@
           <a:p>
             <a:fld id="{9057227A-9165-461E-AB95-6EE7B3088545}" type="datetimeFigureOut">
               <a:rPr lang="fr-FR" smtClean="0"/>
-              <a:t>08/03/2022</a:t>
+              <a:t>10/03/2022</a:t>
             </a:fld>
             <a:endParaRPr lang="fr-FR"/>
           </a:p>
@@ -4337,7 +4528,7 @@
           <a:p>
             <a:fld id="{9057227A-9165-461E-AB95-6EE7B3088545}" type="datetimeFigureOut">
               <a:rPr lang="fr-FR" smtClean="0"/>
-              <a:t>08/03/2022</a:t>
+              <a:t>10/03/2022</a:t>
             </a:fld>
             <a:endParaRPr lang="fr-FR"/>
           </a:p>
@@ -4584,7 +4775,7 @@
           <a:p>
             <a:fld id="{9057227A-9165-461E-AB95-6EE7B3088545}" type="datetimeFigureOut">
               <a:rPr lang="fr-FR" smtClean="0"/>
-              <a:t>08/03/2022</a:t>
+              <a:t>10/03/2022</a:t>
             </a:fld>
             <a:endParaRPr lang="fr-FR"/>
           </a:p>
@@ -4816,7 +5007,7 @@
           <a:p>
             <a:fld id="{9057227A-9165-461E-AB95-6EE7B3088545}" type="datetimeFigureOut">
               <a:rPr lang="fr-FR" smtClean="0"/>
-              <a:t>08/03/2022</a:t>
+              <a:t>10/03/2022</a:t>
             </a:fld>
             <a:endParaRPr lang="fr-FR"/>
           </a:p>
@@ -5190,7 +5381,7 @@
           <a:p>
             <a:fld id="{9057227A-9165-461E-AB95-6EE7B3088545}" type="datetimeFigureOut">
               <a:rPr lang="fr-FR" smtClean="0"/>
-              <a:t>08/03/2022</a:t>
+              <a:t>10/03/2022</a:t>
             </a:fld>
             <a:endParaRPr lang="fr-FR"/>
           </a:p>
@@ -5313,7 +5504,7 @@
           <a:p>
             <a:fld id="{9057227A-9165-461E-AB95-6EE7B3088545}" type="datetimeFigureOut">
               <a:rPr lang="fr-FR" smtClean="0"/>
-              <a:t>08/03/2022</a:t>
+              <a:t>10/03/2022</a:t>
             </a:fld>
             <a:endParaRPr lang="fr-FR"/>
           </a:p>
@@ -5408,7 +5599,7 @@
           <a:p>
             <a:fld id="{9057227A-9165-461E-AB95-6EE7B3088545}" type="datetimeFigureOut">
               <a:rPr lang="fr-FR" smtClean="0"/>
-              <a:t>08/03/2022</a:t>
+              <a:t>10/03/2022</a:t>
             </a:fld>
             <a:endParaRPr lang="fr-FR"/>
           </a:p>
@@ -5663,7 +5854,7 @@
           <a:p>
             <a:fld id="{9057227A-9165-461E-AB95-6EE7B3088545}" type="datetimeFigureOut">
               <a:rPr lang="fr-FR" smtClean="0"/>
-              <a:t>08/03/2022</a:t>
+              <a:t>10/03/2022</a:t>
             </a:fld>
             <a:endParaRPr lang="fr-FR"/>
           </a:p>
@@ -5926,7 +6117,7 @@
           <a:p>
             <a:fld id="{9057227A-9165-461E-AB95-6EE7B3088545}" type="datetimeFigureOut">
               <a:rPr lang="fr-FR" smtClean="0"/>
-              <a:t>08/03/2022</a:t>
+              <a:t>10/03/2022</a:t>
             </a:fld>
             <a:endParaRPr lang="fr-FR"/>
           </a:p>
@@ -6669,7 +6860,7 @@
           <a:p>
             <a:fld id="{9057227A-9165-461E-AB95-6EE7B3088545}" type="datetimeFigureOut">
               <a:rPr lang="fr-FR" smtClean="0"/>
-              <a:t>08/03/2022</a:t>
+              <a:t>10/03/2022</a:t>
             </a:fld>
             <a:endParaRPr lang="fr-FR"/>
           </a:p>
@@ -7972,7 +8163,7 @@
         <p:spPr>
           <a:xfrm>
             <a:off x="1933856" y="751344"/>
-            <a:ext cx="7292897" cy="5601533"/>
+            <a:ext cx="7292897" cy="5847755"/>
           </a:xfrm>
           <a:prstGeom prst="rect">
             <a:avLst/>
@@ -8094,7 +8285,23 @@
                   <a:schemeClr val="accent1"/>
                 </a:solidFill>
               </a:rPr>
-              <a:t>.</a:t>
+              <a:t> et un constructeur avec la propriété </a:t>
+            </a:r>
+            <a:r>
+              <a:rPr lang="fr-FR" sz="1600" dirty="0" err="1">
+                <a:solidFill>
+                  <a:schemeClr val="accent1"/>
+                </a:solidFill>
+              </a:rPr>
+              <a:t>name</a:t>
+            </a:r>
+            <a:r>
+              <a:rPr lang="fr-FR" sz="1600" dirty="0">
+                <a:solidFill>
+                  <a:schemeClr val="accent1"/>
+                </a:solidFill>
+              </a:rPr>
+              <a:t>;</a:t>
             </a:r>
           </a:p>
           <a:p>
@@ -9403,6 +9610,1627 @@
     <p:extLst>
       <p:ext uri="{BB962C8B-B14F-4D97-AF65-F5344CB8AC3E}">
         <p14:creationId xmlns:p14="http://schemas.microsoft.com/office/powerpoint/2010/main" val="4271408070"/>
+      </p:ext>
+    </p:extLst>
+  </p:cSld>
+  <p:clrMapOvr>
+    <a:masterClrMapping/>
+  </p:clrMapOvr>
+</p:sld>
+</file>
+
+<file path=ppt/slides/slide5.xml><?xml version="1.0" encoding="utf-8"?>
+<p:sld xmlns:a="http://schemas.openxmlformats.org/drawingml/2006/main" xmlns:r="http://schemas.openxmlformats.org/officeDocument/2006/relationships" xmlns:p="http://schemas.openxmlformats.org/presentationml/2006/main">
+  <p:cSld>
+    <p:spTree>
+      <p:nvGrpSpPr>
+        <p:cNvPr id="1" name=""/>
+        <p:cNvGrpSpPr/>
+        <p:nvPr/>
+      </p:nvGrpSpPr>
+      <p:grpSpPr>
+        <a:xfrm>
+          <a:off x="0" y="0"/>
+          <a:ext cx="0" cy="0"/>
+          <a:chOff x="0" y="0"/>
+          <a:chExt cx="0" cy="0"/>
+        </a:xfrm>
+      </p:grpSpPr>
+      <p:sp>
+        <p:nvSpPr>
+          <p:cNvPr id="2" name="Titre 1">
+            <a:extLst>
+              <a:ext uri="{FF2B5EF4-FFF2-40B4-BE49-F238E27FC236}">
+                <a16:creationId xmlns:a16="http://schemas.microsoft.com/office/drawing/2014/main" id="{5E8699DB-75EA-45C2-8906-033AF1D06F86}"/>
+              </a:ext>
+            </a:extLst>
+          </p:cNvPr>
+          <p:cNvSpPr>
+            <a:spLocks noGrp="1"/>
+          </p:cNvSpPr>
+          <p:nvPr>
+            <p:ph type="title"/>
+          </p:nvPr>
+        </p:nvSpPr>
+        <p:spPr/>
+        <p:txBody>
+          <a:bodyPr/>
+          <a:lstStyle/>
+          <a:p>
+            <a:r>
+              <a:rPr lang="fr-FR" dirty="0"/>
+              <a:t>Formulaire d’ajout d’une œuvre</a:t>
+            </a:r>
+          </a:p>
+        </p:txBody>
+      </p:sp>
+      <p:sp>
+        <p:nvSpPr>
+          <p:cNvPr id="3" name="Espace réservé du contenu 2">
+            <a:extLst>
+              <a:ext uri="{FF2B5EF4-FFF2-40B4-BE49-F238E27FC236}">
+                <a16:creationId xmlns:a16="http://schemas.microsoft.com/office/drawing/2014/main" id="{6D4ED5AC-2CCF-4FE2-9E49-B739735C16F6}"/>
+              </a:ext>
+            </a:extLst>
+          </p:cNvPr>
+          <p:cNvSpPr>
+            <a:spLocks noGrp="1"/>
+          </p:cNvSpPr>
+          <p:nvPr>
+            <p:ph idx="1"/>
+          </p:nvPr>
+        </p:nvSpPr>
+        <p:spPr>
+          <a:xfrm>
+            <a:off x="677334" y="1794829"/>
+            <a:ext cx="8596668" cy="3880773"/>
+          </a:xfrm>
+        </p:spPr>
+        <p:txBody>
+          <a:bodyPr>
+            <a:noAutofit/>
+          </a:bodyPr>
+          <a:lstStyle/>
+          <a:p>
+            <a:r>
+              <a:rPr lang="fr-FR" sz="1400" dirty="0"/>
+              <a:t>Nous allons permettre à l'administrateur d'ajouter une œuvre au catalogue via l'application Web de back-office. Pour ajouter cette œuvre, l'administrateur accédera à un formulaire de saisie par le biais d'un lien sur la page </a:t>
+            </a:r>
+            <a:r>
+              <a:rPr lang="fr-FR" sz="1400" dirty="0" err="1"/>
+              <a:t>index.jsp</a:t>
+            </a:r>
+            <a:r>
+              <a:rPr lang="fr-FR" sz="1400" dirty="0"/>
+              <a:t> du backend.</a:t>
+            </a:r>
+          </a:p>
+          <a:p>
+            <a:r>
+              <a:rPr lang="fr-FR" sz="1400" dirty="0"/>
+              <a:t>Ce lien doit mener vers une page add-work-form.html qui affichera le formulaire permettant de saisir les caractéristiques d'une œuvre à l'aide de plusieurs champs texte (input type="</a:t>
+            </a:r>
+            <a:r>
+              <a:rPr lang="fr-FR" sz="1400" dirty="0" err="1"/>
+              <a:t>text</a:t>
+            </a:r>
+            <a:r>
+              <a:rPr lang="fr-FR" sz="1400" dirty="0"/>
+              <a:t>") : titre, année de sortie, genre, résumé, identité de l'artiste principal.</a:t>
+            </a:r>
+          </a:p>
+          <a:p>
+            <a:r>
+              <a:rPr lang="fr-FR" sz="1400" dirty="0"/>
+              <a:t>Le formulaire se terminera par un bouton intitulé "Ajouter" qui va soumettre le formulaire à une Servlet </a:t>
+            </a:r>
+            <a:r>
+              <a:rPr lang="fr-FR" sz="1400" dirty="0" err="1"/>
+              <a:t>AddWorkServlet</a:t>
+            </a:r>
+            <a:r>
+              <a:rPr lang="fr-FR" sz="1400" dirty="0"/>
+              <a:t> . Cette Servlet sera accessible sous l'URL </a:t>
+            </a:r>
+            <a:r>
+              <a:rPr lang="fr-FR" sz="1400" dirty="0" err="1"/>
+              <a:t>add-work</a:t>
+            </a:r>
+            <a:r>
+              <a:rPr lang="fr-FR" sz="1400" dirty="0"/>
+              <a:t>.</a:t>
+            </a:r>
+          </a:p>
+          <a:p>
+            <a:r>
+              <a:rPr lang="fr-FR" sz="1400" dirty="0"/>
+              <a:t>La Servlet va devoir récupérer les valeurs saisies dans le formulaire, instancier une nouvelle œuvre et lui associer un nouvel artiste. L'identifiant de l’œuvre devant être incrémental, vous ajouterez à la classe Work  un attribut </a:t>
+            </a:r>
+            <a:r>
+              <a:rPr lang="fr-FR" sz="1400" dirty="0" err="1"/>
+              <a:t>static</a:t>
+            </a:r>
+            <a:r>
+              <a:rPr lang="fr-FR" sz="1400" dirty="0"/>
+              <a:t> </a:t>
+            </a:r>
+            <a:r>
+              <a:rPr lang="fr-FR" sz="1400" dirty="0" err="1"/>
+              <a:t>int</a:t>
+            </a:r>
+            <a:r>
+              <a:rPr lang="fr-FR" sz="1400" dirty="0"/>
+              <a:t> </a:t>
+            </a:r>
+            <a:r>
+              <a:rPr lang="fr-FR" sz="1400" dirty="0" err="1"/>
+              <a:t>lastId</a:t>
+            </a:r>
+            <a:r>
+              <a:rPr lang="fr-FR" sz="1400" dirty="0"/>
+              <a:t>  qui devra servir à stocker le dernier identifiant utilisé. Il faudra également adapter la Servlet Catalogue  afin que les premiers films de catalogue ait un id  qui provient de cet attribut.</a:t>
+            </a:r>
+          </a:p>
+          <a:p>
+            <a:r>
+              <a:rPr lang="fr-FR" sz="1400" dirty="0"/>
+              <a:t>retourner une réponse qui permette d'afficher dans le navigateur une confirmation : “Le film a été ajouté” suivi d'un lien pour retourner à la page d'accueil.</a:t>
+            </a:r>
+          </a:p>
+        </p:txBody>
+      </p:sp>
+    </p:spTree>
+    <p:extLst>
+      <p:ext uri="{BB962C8B-B14F-4D97-AF65-F5344CB8AC3E}">
+        <p14:creationId xmlns:p14="http://schemas.microsoft.com/office/powerpoint/2010/main" val="2618333686"/>
+      </p:ext>
+    </p:extLst>
+  </p:cSld>
+  <p:clrMapOvr>
+    <a:masterClrMapping/>
+  </p:clrMapOvr>
+</p:sld>
+</file>
+
+<file path=ppt/slides/slide6.xml><?xml version="1.0" encoding="utf-8"?>
+<p:sld xmlns:a="http://schemas.openxmlformats.org/drawingml/2006/main" xmlns:r="http://schemas.openxmlformats.org/officeDocument/2006/relationships" xmlns:p="http://schemas.openxmlformats.org/presentationml/2006/main">
+  <p:cSld>
+    <p:spTree>
+      <p:nvGrpSpPr>
+        <p:cNvPr id="1" name=""/>
+        <p:cNvGrpSpPr/>
+        <p:nvPr/>
+      </p:nvGrpSpPr>
+      <p:grpSpPr>
+        <a:xfrm>
+          <a:off x="0" y="0"/>
+          <a:ext cx="0" cy="0"/>
+          <a:chOff x="0" y="0"/>
+          <a:chExt cx="0" cy="0"/>
+        </a:xfrm>
+      </p:grpSpPr>
+      <p:sp>
+        <p:nvSpPr>
+          <p:cNvPr id="2" name="Titre 1">
+            <a:extLst>
+              <a:ext uri="{FF2B5EF4-FFF2-40B4-BE49-F238E27FC236}">
+                <a16:creationId xmlns:a16="http://schemas.microsoft.com/office/drawing/2014/main" id="{E7B7EE97-95A7-4FB0-8088-6453C360445B}"/>
+              </a:ext>
+            </a:extLst>
+          </p:cNvPr>
+          <p:cNvSpPr>
+            <a:spLocks noGrp="1"/>
+          </p:cNvSpPr>
+          <p:nvPr>
+            <p:ph type="title"/>
+          </p:nvPr>
+        </p:nvSpPr>
+        <p:spPr/>
+        <p:txBody>
+          <a:bodyPr/>
+          <a:lstStyle/>
+          <a:p>
+            <a:r>
+              <a:rPr lang="fr-FR" dirty="0"/>
+              <a:t>Authentification de l'administrateur</a:t>
+            </a:r>
+          </a:p>
+        </p:txBody>
+      </p:sp>
+      <p:sp>
+        <p:nvSpPr>
+          <p:cNvPr id="3" name="Espace réservé du contenu 2">
+            <a:extLst>
+              <a:ext uri="{FF2B5EF4-FFF2-40B4-BE49-F238E27FC236}">
+                <a16:creationId xmlns:a16="http://schemas.microsoft.com/office/drawing/2014/main" id="{536444F3-159A-4C93-8D62-9C8410ADDDBA}"/>
+              </a:ext>
+            </a:extLst>
+          </p:cNvPr>
+          <p:cNvSpPr>
+            <a:spLocks noGrp="1"/>
+          </p:cNvSpPr>
+          <p:nvPr>
+            <p:ph idx="1"/>
+          </p:nvPr>
+        </p:nvSpPr>
+        <p:spPr/>
+        <p:txBody>
+          <a:bodyPr>
+            <a:normAutofit fontScale="85000" lnSpcReduction="20000"/>
+          </a:bodyPr>
+          <a:lstStyle/>
+          <a:p>
+            <a:r>
+              <a:rPr lang="fr-FR" dirty="0"/>
+              <a:t>Nous allons ajouter au backend un formulaire d'identification, avec un champ login et un champ mot de passe, par l'intermédiaire d'une page login.html.</a:t>
+            </a:r>
+          </a:p>
+          <a:p>
+            <a:endParaRPr lang="fr-FR" dirty="0"/>
+          </a:p>
+          <a:p>
+            <a:r>
+              <a:rPr lang="fr-FR" dirty="0"/>
+              <a:t>Ce formulaire sera soumis à une servlet  </a:t>
+            </a:r>
+            <a:r>
+              <a:rPr lang="fr-FR" dirty="0" err="1"/>
+              <a:t>AuthenticationServlet</a:t>
+            </a:r>
+            <a:r>
+              <a:rPr lang="fr-FR" dirty="0"/>
+              <a:t> accessible sous /login avec la méthode Post .</a:t>
+            </a:r>
+          </a:p>
+          <a:p>
+            <a:endParaRPr lang="fr-FR" dirty="0"/>
+          </a:p>
+          <a:p>
+            <a:r>
+              <a:rPr lang="fr-FR" dirty="0"/>
+              <a:t>Cette servlet va vérifier si le login est </a:t>
+            </a:r>
+            <a:r>
+              <a:rPr lang="fr-FR" dirty="0" err="1"/>
+              <a:t>michel</a:t>
+            </a:r>
+            <a:r>
+              <a:rPr lang="fr-FR" dirty="0"/>
+              <a:t> avec le mot de passe 123456 ou caroline avec le mot de passe </a:t>
+            </a:r>
+            <a:r>
+              <a:rPr lang="fr-FR" dirty="0" err="1"/>
+              <a:t>abcdef</a:t>
+            </a:r>
+            <a:r>
+              <a:rPr lang="fr-FR" dirty="0"/>
+              <a:t>.</a:t>
+            </a:r>
+          </a:p>
+          <a:p>
+            <a:endParaRPr lang="fr-FR" dirty="0"/>
+          </a:p>
+          <a:p>
+            <a:r>
+              <a:rPr lang="fr-FR" dirty="0"/>
+              <a:t>En cas de succès, la servlet retourne un contenu html proposant un lien (&lt;a href...&gt;) vers la servlet </a:t>
+            </a:r>
+            <a:r>
+              <a:rPr lang="fr-FR" dirty="0" err="1"/>
+              <a:t>HomeServlet</a:t>
+            </a:r>
+            <a:r>
+              <a:rPr lang="fr-FR" dirty="0"/>
+              <a:t> du Back-office.</a:t>
+            </a:r>
+          </a:p>
+          <a:p>
+            <a:endParaRPr lang="fr-FR" dirty="0"/>
+          </a:p>
+          <a:p>
+            <a:r>
+              <a:rPr lang="fr-FR" dirty="0"/>
+              <a:t>En cas d'échec, la servlet retourne le message « login / </a:t>
+            </a:r>
+            <a:r>
+              <a:rPr lang="fr-FR" dirty="0" err="1"/>
+              <a:t>mdp</a:t>
+            </a:r>
+            <a:r>
+              <a:rPr lang="fr-FR" dirty="0"/>
+              <a:t> erroné » accompagné d'un lien pour retourner vers le formulaire login.html afin que l'utilisateur puisse à nouveau tenter de s'identifier.</a:t>
+            </a:r>
+          </a:p>
+          <a:p>
+            <a:endParaRPr lang="fr-FR" dirty="0"/>
+          </a:p>
+        </p:txBody>
+      </p:sp>
+    </p:spTree>
+    <p:extLst>
+      <p:ext uri="{BB962C8B-B14F-4D97-AF65-F5344CB8AC3E}">
+        <p14:creationId xmlns:p14="http://schemas.microsoft.com/office/powerpoint/2010/main" val="945751363"/>
+      </p:ext>
+    </p:extLst>
+  </p:cSld>
+  <p:clrMapOvr>
+    <a:masterClrMapping/>
+  </p:clrMapOvr>
+</p:sld>
+</file>
+
+<file path=ppt/slides/slide7.xml><?xml version="1.0" encoding="utf-8"?>
+<p:sld xmlns:a="http://schemas.openxmlformats.org/drawingml/2006/main" xmlns:r="http://schemas.openxmlformats.org/officeDocument/2006/relationships" xmlns:p="http://schemas.openxmlformats.org/presentationml/2006/main">
+  <p:cSld>
+    <p:spTree>
+      <p:nvGrpSpPr>
+        <p:cNvPr id="1" name=""/>
+        <p:cNvGrpSpPr/>
+        <p:nvPr/>
+      </p:nvGrpSpPr>
+      <p:grpSpPr>
+        <a:xfrm>
+          <a:off x="0" y="0"/>
+          <a:ext cx="0" cy="0"/>
+          <a:chOff x="0" y="0"/>
+          <a:chExt cx="0" cy="0"/>
+        </a:xfrm>
+      </p:grpSpPr>
+      <p:sp>
+        <p:nvSpPr>
+          <p:cNvPr id="2" name="Titre 1">
+            <a:extLst>
+              <a:ext uri="{FF2B5EF4-FFF2-40B4-BE49-F238E27FC236}">
+                <a16:creationId xmlns:a16="http://schemas.microsoft.com/office/drawing/2014/main" id="{CA6853CD-9EE2-4809-991C-C455B7A1BCCA}"/>
+              </a:ext>
+            </a:extLst>
+          </p:cNvPr>
+          <p:cNvSpPr>
+            <a:spLocks noGrp="1"/>
+          </p:cNvSpPr>
+          <p:nvPr>
+            <p:ph type="title"/>
+          </p:nvPr>
+        </p:nvSpPr>
+        <p:spPr/>
+        <p:txBody>
+          <a:bodyPr/>
+          <a:lstStyle/>
+          <a:p>
+            <a:r>
+              <a:rPr lang="fr-FR" dirty="0"/>
+              <a:t>Session utilisateur</a:t>
+            </a:r>
+          </a:p>
+        </p:txBody>
+      </p:sp>
+      <p:sp>
+        <p:nvSpPr>
+          <p:cNvPr id="3" name="Espace réservé du contenu 2">
+            <a:extLst>
+              <a:ext uri="{FF2B5EF4-FFF2-40B4-BE49-F238E27FC236}">
+                <a16:creationId xmlns:a16="http://schemas.microsoft.com/office/drawing/2014/main" id="{81D0D35F-D45B-4B98-88B7-C4014D160FCB}"/>
+              </a:ext>
+            </a:extLst>
+          </p:cNvPr>
+          <p:cNvSpPr>
+            <a:spLocks noGrp="1"/>
+          </p:cNvSpPr>
+          <p:nvPr>
+            <p:ph idx="1"/>
+          </p:nvPr>
+        </p:nvSpPr>
+        <p:spPr/>
+        <p:txBody>
+          <a:bodyPr/>
+          <a:lstStyle/>
+          <a:p>
+            <a:pPr algn="l"/>
+            <a:r>
+              <a:rPr lang="fr-FR" b="0" i="0" dirty="0">
+                <a:solidFill>
+                  <a:srgbClr val="1C1D1F"/>
+                </a:solidFill>
+                <a:effectLst/>
+                <a:latin typeface="sf pro text"/>
+              </a:rPr>
+              <a:t>Nous allons afficher en haut de la page d'accueil le message :</a:t>
+            </a:r>
+          </a:p>
+          <a:p>
+            <a:pPr algn="l"/>
+            <a:r>
+              <a:rPr lang="fr-FR" b="0" i="1" dirty="0">
+                <a:solidFill>
+                  <a:srgbClr val="1C1D1F"/>
+                </a:solidFill>
+                <a:effectLst/>
+                <a:latin typeface="sf pro text"/>
+              </a:rPr>
+              <a:t>Bonjour &lt;identifiant&gt;</a:t>
+            </a:r>
+            <a:br>
+              <a:rPr lang="fr-FR" b="0" i="1" dirty="0">
+                <a:solidFill>
+                  <a:srgbClr val="1C1D1F"/>
+                </a:solidFill>
+                <a:effectLst/>
+                <a:latin typeface="sf pro text"/>
+              </a:rPr>
+            </a:br>
+            <a:endParaRPr lang="fr-FR" b="0" i="0" dirty="0">
+              <a:solidFill>
+                <a:srgbClr val="1C1D1F"/>
+              </a:solidFill>
+              <a:effectLst/>
+              <a:latin typeface="sf pro text"/>
+            </a:endParaRPr>
+          </a:p>
+          <a:p>
+            <a:pPr algn="l"/>
+            <a:r>
+              <a:rPr lang="fr-FR" b="0" i="0" dirty="0">
+                <a:solidFill>
+                  <a:srgbClr val="1C1D1F"/>
+                </a:solidFill>
+                <a:effectLst/>
+                <a:latin typeface="sf pro text"/>
+              </a:rPr>
+              <a:t>ou &lt;identifiant&gt; sera l'identifiant de l'utilisateur authentifié via la page</a:t>
+            </a:r>
+            <a:r>
+              <a:rPr lang="fr-FR" b="1" i="0" dirty="0">
+                <a:solidFill>
+                  <a:srgbClr val="1C1D1F"/>
+                </a:solidFill>
+                <a:effectLst/>
+                <a:latin typeface="sf pro text"/>
+              </a:rPr>
+              <a:t> login.html</a:t>
+            </a:r>
+            <a:endParaRPr lang="fr-FR" b="0" i="0" dirty="0">
+              <a:solidFill>
+                <a:srgbClr val="1C1D1F"/>
+              </a:solidFill>
+              <a:effectLst/>
+              <a:latin typeface="sf pro text"/>
+            </a:endParaRPr>
+          </a:p>
+          <a:p>
+            <a:pPr algn="l"/>
+            <a:r>
+              <a:rPr lang="fr-FR" b="0" i="0" dirty="0">
+                <a:solidFill>
+                  <a:srgbClr val="1C1D1F"/>
+                </a:solidFill>
+                <a:effectLst/>
+                <a:latin typeface="sf pro text"/>
+              </a:rPr>
+              <a:t>Il faudra pour cela conserver en session l'identifiant de l'administrateur après authentification.</a:t>
+            </a:r>
+          </a:p>
+          <a:p>
+            <a:endParaRPr lang="fr-FR" dirty="0"/>
+          </a:p>
+        </p:txBody>
+      </p:sp>
+    </p:spTree>
+    <p:extLst>
+      <p:ext uri="{BB962C8B-B14F-4D97-AF65-F5344CB8AC3E}">
+        <p14:creationId xmlns:p14="http://schemas.microsoft.com/office/powerpoint/2010/main" val="1149972083"/>
+      </p:ext>
+    </p:extLst>
+  </p:cSld>
+  <p:clrMapOvr>
+    <a:masterClrMapping/>
+  </p:clrMapOvr>
+</p:sld>
+</file>
+
+<file path=ppt/slides/slide8.xml><?xml version="1.0" encoding="utf-8"?>
+<p:sld xmlns:a="http://schemas.openxmlformats.org/drawingml/2006/main" xmlns:r="http://schemas.openxmlformats.org/officeDocument/2006/relationships" xmlns:p="http://schemas.openxmlformats.org/presentationml/2006/main">
+  <p:cSld>
+    <p:spTree>
+      <p:nvGrpSpPr>
+        <p:cNvPr id="1" name=""/>
+        <p:cNvGrpSpPr/>
+        <p:nvPr/>
+      </p:nvGrpSpPr>
+      <p:grpSpPr>
+        <a:xfrm>
+          <a:off x="0" y="0"/>
+          <a:ext cx="0" cy="0"/>
+          <a:chOff x="0" y="0"/>
+          <a:chExt cx="0" cy="0"/>
+        </a:xfrm>
+      </p:grpSpPr>
+      <p:sp>
+        <p:nvSpPr>
+          <p:cNvPr id="2" name="Titre 1">
+            <a:extLst>
+              <a:ext uri="{FF2B5EF4-FFF2-40B4-BE49-F238E27FC236}">
+                <a16:creationId xmlns:a16="http://schemas.microsoft.com/office/drawing/2014/main" id="{3FAE81CC-896F-4DF1-B5D8-69AA917AF955}"/>
+              </a:ext>
+            </a:extLst>
+          </p:cNvPr>
+          <p:cNvSpPr>
+            <a:spLocks noGrp="1"/>
+          </p:cNvSpPr>
+          <p:nvPr>
+            <p:ph type="title"/>
+          </p:nvPr>
+        </p:nvSpPr>
+        <p:spPr/>
+        <p:txBody>
+          <a:bodyPr/>
+          <a:lstStyle/>
+          <a:p>
+            <a:r>
+              <a:rPr lang="fr-FR" dirty="0"/>
+              <a:t>Constitution d’un caddie d’achat</a:t>
+            </a:r>
+          </a:p>
+        </p:txBody>
+      </p:sp>
+      <p:sp>
+        <p:nvSpPr>
+          <p:cNvPr id="4" name="Rectangle 1">
+            <a:extLst>
+              <a:ext uri="{FF2B5EF4-FFF2-40B4-BE49-F238E27FC236}">
+                <a16:creationId xmlns:a16="http://schemas.microsoft.com/office/drawing/2014/main" id="{AE2E6196-6B9F-4702-A062-0FC4AC837473}"/>
+              </a:ext>
+            </a:extLst>
+          </p:cNvPr>
+          <p:cNvSpPr>
+            <a:spLocks noGrp="1" noChangeArrowheads="1"/>
+          </p:cNvSpPr>
+          <p:nvPr>
+            <p:ph idx="1"/>
+          </p:nvPr>
+        </p:nvSpPr>
+        <p:spPr bwMode="auto">
+          <a:xfrm>
+            <a:off x="677334" y="1779173"/>
+            <a:ext cx="9964266" cy="3785652"/>
+          </a:xfrm>
+          <a:prstGeom prst="rect">
+            <a:avLst/>
+          </a:prstGeom>
+          <a:solidFill>
+            <a:srgbClr val="FFFFFF"/>
+          </a:solidFill>
+          <a:ln>
+            <a:noFill/>
+          </a:ln>
+          <a:effectLst/>
+          <a:extLst>
+            <a:ext uri="{91240B29-F687-4F45-9708-019B960494DF}">
+              <a14:hiddenLine xmlns:a14="http://schemas.microsoft.com/office/drawing/2010/main" w="9525">
+                <a:solidFill>
+                  <a:schemeClr val="tx1"/>
+                </a:solidFill>
+                <a:miter lim="800000"/>
+                <a:headEnd/>
+                <a:tailEnd/>
+              </a14:hiddenLine>
+            </a:ext>
+            <a:ext uri="{AF507438-7753-43E0-B8FC-AC1667EBCBE1}">
+              <a14:hiddenEffects xmlns:a14="http://schemas.microsoft.com/office/drawing/2010/main">
+                <a:effectLst>
+                  <a:outerShdw dist="35921" dir="2700000" algn="ctr" rotWithShape="0">
+                    <a:schemeClr val="bg2"/>
+                  </a:outerShdw>
+                </a:effectLst>
+              </a14:hiddenEffects>
+            </a:ext>
+          </a:extLst>
+        </p:spPr>
+        <p:txBody>
+          <a:bodyPr vert="horz" wrap="none" lIns="0" tIns="0" rIns="0" bIns="0" numCol="1" anchor="ctr" anchorCtr="0" compatLnSpc="1">
+            <a:prstTxWarp prst="textNoShape">
+              <a:avLst/>
+            </a:prstTxWarp>
+            <a:spAutoFit/>
+          </a:bodyPr>
+          <a:lstStyle>
+            <a:lvl1pPr eaLnBrk="0" fontAlgn="base" hangingPunct="0">
+              <a:spcBef>
+                <a:spcPct val="0"/>
+              </a:spcBef>
+              <a:spcAft>
+                <a:spcPct val="0"/>
+              </a:spcAft>
+              <a:defRPr>
+                <a:solidFill>
+                  <a:schemeClr val="tx1"/>
+                </a:solidFill>
+                <a:latin typeface="Arial" panose="020B0604020202020204" pitchFamily="34" charset="0"/>
+              </a:defRPr>
+            </a:lvl1pPr>
+            <a:lvl2pPr eaLnBrk="0" fontAlgn="base" hangingPunct="0">
+              <a:spcBef>
+                <a:spcPct val="0"/>
+              </a:spcBef>
+              <a:spcAft>
+                <a:spcPct val="0"/>
+              </a:spcAft>
+              <a:defRPr>
+                <a:solidFill>
+                  <a:schemeClr val="tx1"/>
+                </a:solidFill>
+                <a:latin typeface="Arial" panose="020B0604020202020204" pitchFamily="34" charset="0"/>
+              </a:defRPr>
+            </a:lvl2pPr>
+            <a:lvl3pPr eaLnBrk="0" fontAlgn="base" hangingPunct="0">
+              <a:spcBef>
+                <a:spcPct val="0"/>
+              </a:spcBef>
+              <a:spcAft>
+                <a:spcPct val="0"/>
+              </a:spcAft>
+              <a:defRPr>
+                <a:solidFill>
+                  <a:schemeClr val="tx1"/>
+                </a:solidFill>
+                <a:latin typeface="Arial" panose="020B0604020202020204" pitchFamily="34" charset="0"/>
+              </a:defRPr>
+            </a:lvl3pPr>
+            <a:lvl4pPr eaLnBrk="0" fontAlgn="base" hangingPunct="0">
+              <a:spcBef>
+                <a:spcPct val="0"/>
+              </a:spcBef>
+              <a:spcAft>
+                <a:spcPct val="0"/>
+              </a:spcAft>
+              <a:defRPr>
+                <a:solidFill>
+                  <a:schemeClr val="tx1"/>
+                </a:solidFill>
+                <a:latin typeface="Arial" panose="020B0604020202020204" pitchFamily="34" charset="0"/>
+              </a:defRPr>
+            </a:lvl4pPr>
+            <a:lvl5pPr eaLnBrk="0" fontAlgn="base" hangingPunct="0">
+              <a:spcBef>
+                <a:spcPct val="0"/>
+              </a:spcBef>
+              <a:spcAft>
+                <a:spcPct val="0"/>
+              </a:spcAft>
+              <a:defRPr>
+                <a:solidFill>
+                  <a:schemeClr val="tx1"/>
+                </a:solidFill>
+                <a:latin typeface="Arial" panose="020B0604020202020204" pitchFamily="34" charset="0"/>
+              </a:defRPr>
+            </a:lvl5pPr>
+            <a:lvl6pPr eaLnBrk="0" fontAlgn="base" hangingPunct="0">
+              <a:spcBef>
+                <a:spcPct val="0"/>
+              </a:spcBef>
+              <a:spcAft>
+                <a:spcPct val="0"/>
+              </a:spcAft>
+              <a:defRPr>
+                <a:solidFill>
+                  <a:schemeClr val="tx1"/>
+                </a:solidFill>
+                <a:latin typeface="Arial" panose="020B0604020202020204" pitchFamily="34" charset="0"/>
+              </a:defRPr>
+            </a:lvl6pPr>
+            <a:lvl7pPr eaLnBrk="0" fontAlgn="base" hangingPunct="0">
+              <a:spcBef>
+                <a:spcPct val="0"/>
+              </a:spcBef>
+              <a:spcAft>
+                <a:spcPct val="0"/>
+              </a:spcAft>
+              <a:defRPr>
+                <a:solidFill>
+                  <a:schemeClr val="tx1"/>
+                </a:solidFill>
+                <a:latin typeface="Arial" panose="020B0604020202020204" pitchFamily="34" charset="0"/>
+              </a:defRPr>
+            </a:lvl7pPr>
+            <a:lvl8pPr eaLnBrk="0" fontAlgn="base" hangingPunct="0">
+              <a:spcBef>
+                <a:spcPct val="0"/>
+              </a:spcBef>
+              <a:spcAft>
+                <a:spcPct val="0"/>
+              </a:spcAft>
+              <a:defRPr>
+                <a:solidFill>
+                  <a:schemeClr val="tx1"/>
+                </a:solidFill>
+                <a:latin typeface="Arial" panose="020B0604020202020204" pitchFamily="34" charset="0"/>
+              </a:defRPr>
+            </a:lvl8pPr>
+            <a:lvl9pPr eaLnBrk="0" fontAlgn="base" hangingPunct="0">
+              <a:spcBef>
+                <a:spcPct val="0"/>
+              </a:spcBef>
+              <a:spcAft>
+                <a:spcPct val="0"/>
+              </a:spcAft>
+              <a:defRPr>
+                <a:solidFill>
+                  <a:schemeClr val="tx1"/>
+                </a:solidFill>
+                <a:latin typeface="Arial" panose="020B0604020202020204" pitchFamily="34" charset="0"/>
+              </a:defRPr>
+            </a:lvl9pPr>
+          </a:lstStyle>
+          <a:p>
+            <a:pPr defTabSz="914400">
+              <a:buClrTx/>
+              <a:buSzTx/>
+              <a:buFont typeface="Wingdings" panose="05000000000000000000" pitchFamily="2" charset="2"/>
+              <a:buChar char="Ø"/>
+            </a:pPr>
+            <a:r>
+              <a:rPr kumimoji="0" lang="fr-FR" altLang="fr-FR" sz="1200" b="0" i="0" u="none" strike="noStrike" cap="none" normalizeH="0" baseline="0" dirty="0">
+                <a:ln>
+                  <a:noFill/>
+                </a:ln>
+                <a:solidFill>
+                  <a:srgbClr val="1C1D1F"/>
+                </a:solidFill>
+                <a:effectLst/>
+                <a:latin typeface="sf pro text"/>
+              </a:rPr>
+              <a:t>Vous devez permettre à l’utilisateur du front-office de composer un caddie d’achat.</a:t>
+            </a:r>
+          </a:p>
+          <a:p>
+            <a:pPr marL="0" marR="0" lvl="0" indent="0" algn="l" defTabSz="914400" rtl="0" eaLnBrk="0" fontAlgn="base" latinLnBrk="0" hangingPunct="0">
+              <a:lnSpc>
+                <a:spcPct val="100000"/>
+              </a:lnSpc>
+              <a:spcBef>
+                <a:spcPct val="0"/>
+              </a:spcBef>
+              <a:spcAft>
+                <a:spcPct val="0"/>
+              </a:spcAft>
+              <a:buClrTx/>
+              <a:buSzTx/>
+              <a:buFontTx/>
+              <a:buNone/>
+              <a:tabLst/>
+            </a:pPr>
+            <a:endParaRPr kumimoji="0" lang="fr-FR" altLang="fr-FR" sz="800" b="0" i="0" u="none" strike="noStrike" cap="none" normalizeH="0" baseline="0" dirty="0">
+              <a:ln>
+                <a:noFill/>
+              </a:ln>
+              <a:solidFill>
+                <a:schemeClr val="tx1"/>
+              </a:solidFill>
+              <a:effectLst/>
+            </a:endParaRPr>
+          </a:p>
+          <a:p>
+            <a:pPr defTabSz="914400">
+              <a:buClrTx/>
+              <a:buSzTx/>
+              <a:buFont typeface="Wingdings" panose="05000000000000000000" pitchFamily="2" charset="2"/>
+              <a:buChar char="Ø"/>
+            </a:pPr>
+            <a:r>
+              <a:rPr kumimoji="0" lang="fr-FR" altLang="fr-FR" sz="1200" b="0" i="0" u="none" strike="noStrike" cap="none" normalizeH="0" baseline="0" dirty="0">
+                <a:ln>
+                  <a:noFill/>
+                </a:ln>
+                <a:solidFill>
+                  <a:srgbClr val="1C1D1F"/>
+                </a:solidFill>
+                <a:effectLst/>
+                <a:latin typeface="sf pro text"/>
+              </a:rPr>
+              <a:t>Ce caddie sera matérialisé par une nouvelle classe </a:t>
+            </a:r>
+            <a:r>
+              <a:rPr kumimoji="0" lang="fr-FR" altLang="fr-FR" sz="1000" b="0" i="0" u="none" strike="noStrike" cap="none" normalizeH="0" baseline="0" dirty="0" err="1">
+                <a:ln>
+                  <a:noFill/>
+                </a:ln>
+                <a:solidFill>
+                  <a:srgbClr val="B4690E"/>
+                </a:solidFill>
+                <a:effectLst/>
+                <a:latin typeface="sfmono-regular"/>
+              </a:rPr>
+              <a:t>ShoppingCart</a:t>
+            </a:r>
+            <a:r>
+              <a:rPr kumimoji="0" lang="fr-FR" altLang="fr-FR" sz="1000" b="0" i="0" u="none" strike="noStrike" cap="none" normalizeH="0" baseline="0" dirty="0">
+                <a:ln>
+                  <a:noFill/>
+                </a:ln>
+                <a:solidFill>
+                  <a:srgbClr val="B4690E"/>
+                </a:solidFill>
+                <a:effectLst/>
+                <a:latin typeface="sfmono-regular"/>
+              </a:rPr>
+              <a:t> </a:t>
+            </a:r>
+            <a:r>
+              <a:rPr kumimoji="0" lang="fr-FR" altLang="fr-FR" sz="1200" b="0" i="0" u="none" strike="noStrike" cap="none" normalizeH="0" baseline="0" dirty="0">
+                <a:ln>
+                  <a:noFill/>
+                </a:ln>
+                <a:solidFill>
+                  <a:srgbClr val="1C1D1F"/>
+                </a:solidFill>
+                <a:effectLst/>
+                <a:latin typeface="sf pro text"/>
+              </a:rPr>
+              <a:t>située dans les sources du module backend.</a:t>
+            </a:r>
+            <a:br>
+              <a:rPr kumimoji="0" lang="fr-FR" altLang="fr-FR" sz="1200" b="0" i="0" u="none" strike="noStrike" cap="none" normalizeH="0" baseline="0" dirty="0">
+                <a:ln>
+                  <a:noFill/>
+                </a:ln>
+                <a:solidFill>
+                  <a:srgbClr val="1C1D1F"/>
+                </a:solidFill>
+                <a:effectLst/>
+                <a:latin typeface="sf pro text"/>
+              </a:rPr>
+            </a:br>
+            <a:endParaRPr kumimoji="0" lang="fr-FR" altLang="fr-FR" sz="800" b="0" i="0" u="none" strike="noStrike" cap="none" normalizeH="0" baseline="0" dirty="0">
+              <a:ln>
+                <a:noFill/>
+              </a:ln>
+              <a:solidFill>
+                <a:schemeClr val="tx1"/>
+              </a:solidFill>
+              <a:effectLst/>
+            </a:endParaRPr>
+          </a:p>
+          <a:p>
+            <a:pPr defTabSz="914400">
+              <a:buClrTx/>
+              <a:buSzTx/>
+              <a:buFont typeface="Wingdings" panose="05000000000000000000" pitchFamily="2" charset="2"/>
+              <a:buChar char="Ø"/>
+            </a:pPr>
+            <a:r>
+              <a:rPr kumimoji="0" lang="fr-FR" altLang="fr-FR" sz="1200" b="0" i="0" u="none" strike="noStrike" cap="none" normalizeH="0" baseline="0" dirty="0">
+                <a:ln>
+                  <a:noFill/>
+                </a:ln>
+                <a:solidFill>
+                  <a:srgbClr val="1C1D1F"/>
+                </a:solidFill>
+                <a:effectLst/>
+                <a:latin typeface="sf pro text"/>
+              </a:rPr>
+              <a:t>Cette classe disposera d'un attribut </a:t>
+            </a:r>
+            <a:r>
+              <a:rPr kumimoji="0" lang="fr-FR" altLang="fr-FR" sz="1000" b="0" i="0" u="none" strike="noStrike" cap="none" normalizeH="0" baseline="0" dirty="0">
+                <a:ln>
+                  <a:noFill/>
+                </a:ln>
+                <a:solidFill>
+                  <a:srgbClr val="B4690E"/>
+                </a:solidFill>
+                <a:effectLst/>
+                <a:latin typeface="sfmono-regular"/>
+              </a:rPr>
+              <a:t>items </a:t>
+            </a:r>
+            <a:r>
+              <a:rPr kumimoji="0" lang="fr-FR" altLang="fr-FR" sz="1200" b="0" i="0" u="none" strike="noStrike" cap="none" normalizeH="0" baseline="0" dirty="0">
+                <a:ln>
+                  <a:noFill/>
+                </a:ln>
+                <a:solidFill>
+                  <a:srgbClr val="1C1D1F"/>
+                </a:solidFill>
+                <a:effectLst/>
+                <a:latin typeface="sf pro text"/>
+              </a:rPr>
+              <a:t>de type </a:t>
+            </a:r>
+            <a:r>
+              <a:rPr kumimoji="0" lang="fr-FR" altLang="fr-FR" sz="1000" b="0" i="0" u="none" strike="noStrike" cap="none" normalizeH="0" baseline="0" dirty="0">
+                <a:ln>
+                  <a:noFill/>
+                </a:ln>
+                <a:solidFill>
+                  <a:srgbClr val="B4690E"/>
+                </a:solidFill>
+                <a:effectLst/>
+                <a:latin typeface="sfmono-regular"/>
+              </a:rPr>
+              <a:t>Set&lt;Work&gt;</a:t>
+            </a:r>
+            <a:r>
+              <a:rPr kumimoji="0" lang="fr-FR" altLang="fr-FR" sz="1200" b="0" i="0" u="none" strike="noStrike" cap="none" normalizeH="0" baseline="0" dirty="0">
+                <a:ln>
+                  <a:noFill/>
+                </a:ln>
+                <a:solidFill>
+                  <a:srgbClr val="1C1D1F"/>
+                </a:solidFill>
+                <a:effectLst/>
+                <a:latin typeface="sf pro text"/>
+              </a:rPr>
+              <a:t> . Cette collection sera composée des œuvres que le client du front-office souhaite acquérir.</a:t>
+            </a:r>
+          </a:p>
+          <a:p>
+            <a:pPr marL="0" marR="0" lvl="0" indent="0" algn="l" defTabSz="914400" rtl="0" eaLnBrk="0" fontAlgn="base" latinLnBrk="0" hangingPunct="0">
+              <a:lnSpc>
+                <a:spcPct val="100000"/>
+              </a:lnSpc>
+              <a:spcBef>
+                <a:spcPct val="0"/>
+              </a:spcBef>
+              <a:spcAft>
+                <a:spcPct val="0"/>
+              </a:spcAft>
+              <a:buClrTx/>
+              <a:buSzTx/>
+              <a:buFontTx/>
+              <a:buNone/>
+              <a:tabLst/>
+            </a:pPr>
+            <a:endParaRPr kumimoji="0" lang="fr-FR" altLang="fr-FR" sz="800" b="0" i="0" u="none" strike="noStrike" cap="none" normalizeH="0" baseline="0" dirty="0">
+              <a:ln>
+                <a:noFill/>
+              </a:ln>
+              <a:solidFill>
+                <a:schemeClr val="tx1"/>
+              </a:solidFill>
+              <a:effectLst/>
+            </a:endParaRPr>
+          </a:p>
+          <a:p>
+            <a:pPr defTabSz="914400">
+              <a:buClrTx/>
+              <a:buSzTx/>
+              <a:buFont typeface="Wingdings" panose="05000000000000000000" pitchFamily="2" charset="2"/>
+              <a:buChar char="Ø"/>
+            </a:pPr>
+            <a:r>
+              <a:rPr kumimoji="0" lang="fr-FR" altLang="fr-FR" sz="1200" b="0" i="0" u="none" strike="noStrike" cap="none" normalizeH="0" baseline="0" dirty="0">
+                <a:ln>
+                  <a:noFill/>
+                </a:ln>
+                <a:solidFill>
+                  <a:srgbClr val="1C1D1F"/>
+                </a:solidFill>
+                <a:effectLst/>
+                <a:latin typeface="sf pro text"/>
+              </a:rPr>
+              <a:t>A partir de la fiche descriptive du film qui se trouve dans le front-office, proposez un formulaire qui sera constitué d'un bouton "</a:t>
+            </a:r>
+            <a:r>
+              <a:rPr kumimoji="0" lang="fr-FR" altLang="fr-FR" sz="1200" b="0" i="1" u="none" strike="noStrike" cap="none" normalizeH="0" baseline="0" dirty="0">
+                <a:ln>
+                  <a:noFill/>
+                </a:ln>
+                <a:solidFill>
+                  <a:srgbClr val="1C1D1F"/>
+                </a:solidFill>
+                <a:effectLst/>
+                <a:latin typeface="sf pro text"/>
+              </a:rPr>
+              <a:t>Ajouter au caddie</a:t>
+            </a:r>
+            <a:r>
+              <a:rPr kumimoji="0" lang="fr-FR" altLang="fr-FR" sz="1200" b="0" i="0" u="none" strike="noStrike" cap="none" normalizeH="0" baseline="0" dirty="0">
+                <a:ln>
+                  <a:noFill/>
+                </a:ln>
+                <a:solidFill>
+                  <a:srgbClr val="1C1D1F"/>
+                </a:solidFill>
+                <a:effectLst/>
+                <a:latin typeface="sf pro text"/>
+              </a:rPr>
+              <a:t>« et d’un</a:t>
+            </a:r>
+          </a:p>
+          <a:p>
+            <a:pPr marL="400050" lvl="1" indent="0" defTabSz="914400">
+              <a:buClrTx/>
+              <a:buSzTx/>
+              <a:buNone/>
+            </a:pPr>
+            <a:r>
+              <a:rPr kumimoji="0" lang="fr-FR" altLang="fr-FR" sz="1200" b="0" i="0" u="none" strike="noStrike" cap="none" normalizeH="0" baseline="0" dirty="0">
+                <a:ln>
+                  <a:noFill/>
+                </a:ln>
+                <a:solidFill>
+                  <a:srgbClr val="1C1D1F"/>
+                </a:solidFill>
+                <a:effectLst/>
+                <a:latin typeface="sf pro text"/>
+              </a:rPr>
+              <a:t>seul champ </a:t>
+            </a:r>
+            <a:r>
+              <a:rPr kumimoji="0" lang="fr-FR" altLang="fr-FR" sz="1200" b="1" i="0" u="none" strike="noStrike" cap="none" normalizeH="0" baseline="0" dirty="0">
+                <a:ln>
+                  <a:noFill/>
+                </a:ln>
+                <a:solidFill>
+                  <a:srgbClr val="1C1D1F"/>
+                </a:solidFill>
+                <a:effectLst/>
+                <a:latin typeface="sf pro text"/>
+              </a:rPr>
+              <a:t>invisible </a:t>
+            </a:r>
+            <a:r>
+              <a:rPr kumimoji="0" lang="fr-FR" altLang="fr-FR" sz="1200" b="0" i="0" u="none" strike="noStrike" cap="none" normalizeH="0" baseline="0" dirty="0">
+                <a:ln>
+                  <a:noFill/>
+                </a:ln>
+                <a:solidFill>
+                  <a:srgbClr val="1C1D1F"/>
+                </a:solidFill>
+                <a:effectLst/>
+                <a:latin typeface="sf pro text"/>
+              </a:rPr>
+              <a:t>reprenant l</a:t>
+            </a:r>
+            <a:r>
+              <a:rPr kumimoji="0" lang="fr-FR" altLang="fr-FR" sz="1200" b="1" i="0" u="none" strike="noStrike" cap="none" normalizeH="0" baseline="0" dirty="0">
+                <a:ln>
+                  <a:noFill/>
+                </a:ln>
+                <a:solidFill>
+                  <a:srgbClr val="1C1D1F"/>
+                </a:solidFill>
+                <a:effectLst/>
+                <a:latin typeface="sf pro text"/>
+              </a:rPr>
+              <a:t>'identifiant</a:t>
+            </a:r>
+            <a:r>
+              <a:rPr kumimoji="0" lang="fr-FR" altLang="fr-FR" sz="1200" b="0" i="0" u="none" strike="noStrike" cap="none" normalizeH="0" baseline="0" dirty="0">
+                <a:ln>
+                  <a:noFill/>
+                </a:ln>
+                <a:solidFill>
+                  <a:srgbClr val="1C1D1F"/>
+                </a:solidFill>
+                <a:effectLst/>
+                <a:latin typeface="sf pro text"/>
+              </a:rPr>
+              <a:t> de l’œuvre en valeur :</a:t>
+            </a:r>
+            <a:endParaRPr kumimoji="0" lang="fr-FR" altLang="fr-FR" sz="1200" b="0" i="0" u="none" strike="noStrike" cap="none" normalizeH="0" baseline="0" dirty="0">
+              <a:ln>
+                <a:noFill/>
+              </a:ln>
+              <a:solidFill>
+                <a:schemeClr val="tx1"/>
+              </a:solidFill>
+              <a:effectLst/>
+            </a:endParaRPr>
+          </a:p>
+          <a:p>
+            <a:pPr marL="0" marR="0" lvl="0" indent="0" algn="l" defTabSz="914400" rtl="0" eaLnBrk="0" fontAlgn="base" latinLnBrk="0" hangingPunct="0">
+              <a:lnSpc>
+                <a:spcPct val="100000"/>
+              </a:lnSpc>
+              <a:spcBef>
+                <a:spcPct val="0"/>
+              </a:spcBef>
+              <a:spcAft>
+                <a:spcPct val="0"/>
+              </a:spcAft>
+              <a:buClrTx/>
+              <a:buSzTx/>
+              <a:buFontTx/>
+              <a:buNone/>
+              <a:tabLst/>
+            </a:pPr>
+            <a:r>
+              <a:rPr kumimoji="0" lang="fr-FR" altLang="fr-FR" sz="1000" b="0" i="0" u="none" strike="noStrike" cap="none" normalizeH="0" baseline="0" dirty="0">
+                <a:ln>
+                  <a:noFill/>
+                </a:ln>
+                <a:solidFill>
+                  <a:srgbClr val="B4690E"/>
+                </a:solidFill>
+                <a:effectLst/>
+                <a:latin typeface="sfmono-regular"/>
+              </a:rPr>
+              <a:t>	&lt;input type="</a:t>
+            </a:r>
+            <a:r>
+              <a:rPr kumimoji="0" lang="fr-FR" altLang="fr-FR" sz="1000" b="0" i="0" u="none" strike="noStrike" cap="none" normalizeH="0" baseline="0" dirty="0" err="1">
+                <a:ln>
+                  <a:noFill/>
+                </a:ln>
+                <a:solidFill>
+                  <a:srgbClr val="B4690E"/>
+                </a:solidFill>
+                <a:effectLst/>
+                <a:latin typeface="sfmono-regular"/>
+              </a:rPr>
+              <a:t>hidden</a:t>
+            </a:r>
+            <a:r>
+              <a:rPr kumimoji="0" lang="fr-FR" altLang="fr-FR" sz="1000" b="0" i="0" u="none" strike="noStrike" cap="none" normalizeH="0" baseline="0" dirty="0">
+                <a:ln>
+                  <a:noFill/>
+                </a:ln>
+                <a:solidFill>
+                  <a:srgbClr val="B4690E"/>
+                </a:solidFill>
+                <a:effectLst/>
+                <a:latin typeface="sfmono-regular"/>
+              </a:rPr>
+              <a:t>" </a:t>
+            </a:r>
+            <a:r>
+              <a:rPr kumimoji="0" lang="fr-FR" altLang="fr-FR" sz="1000" b="0" i="0" u="none" strike="noStrike" cap="none" normalizeH="0" baseline="0" dirty="0" err="1">
+                <a:ln>
+                  <a:noFill/>
+                </a:ln>
+                <a:solidFill>
+                  <a:srgbClr val="B4690E"/>
+                </a:solidFill>
+                <a:effectLst/>
+                <a:latin typeface="sfmono-regular"/>
+              </a:rPr>
+              <a:t>name</a:t>
+            </a:r>
+            <a:r>
+              <a:rPr kumimoji="0" lang="fr-FR" altLang="fr-FR" sz="1000" b="0" i="0" u="none" strike="noStrike" cap="none" normalizeH="0" baseline="0" dirty="0">
+                <a:ln>
+                  <a:noFill/>
+                </a:ln>
+                <a:solidFill>
+                  <a:srgbClr val="B4690E"/>
+                </a:solidFill>
+                <a:effectLst/>
+                <a:latin typeface="sfmono-regular"/>
+              </a:rPr>
+              <a:t>="identifiant" value="identifiant de l'</a:t>
+            </a:r>
+            <a:r>
+              <a:rPr kumimoji="0" lang="fr-FR" altLang="fr-FR" sz="1000" b="0" i="0" u="none" strike="noStrike" cap="none" normalizeH="0" baseline="0" dirty="0" err="1">
+                <a:ln>
+                  <a:noFill/>
+                </a:ln>
+                <a:solidFill>
+                  <a:srgbClr val="B4690E"/>
+                </a:solidFill>
+                <a:effectLst/>
+                <a:latin typeface="sfmono-regular"/>
+              </a:rPr>
+              <a:t>oeuvre</a:t>
+            </a:r>
+            <a:r>
+              <a:rPr kumimoji="0" lang="fr-FR" altLang="fr-FR" sz="1000" b="0" i="0" u="none" strike="noStrike" cap="none" normalizeH="0" baseline="0" dirty="0">
+                <a:ln>
+                  <a:noFill/>
+                </a:ln>
+                <a:solidFill>
+                  <a:srgbClr val="B4690E"/>
+                </a:solidFill>
+                <a:effectLst/>
+                <a:latin typeface="sfmono-regular"/>
+              </a:rPr>
+              <a:t>"/&gt;</a:t>
+            </a:r>
+            <a:r>
+              <a:rPr kumimoji="0" lang="fr-FR" altLang="fr-FR" sz="1200" b="0" i="0" u="none" strike="noStrike" cap="none" normalizeH="0" baseline="0" dirty="0">
+                <a:ln>
+                  <a:noFill/>
+                </a:ln>
+                <a:solidFill>
+                  <a:srgbClr val="1C1D1F"/>
+                </a:solidFill>
+                <a:effectLst/>
+                <a:latin typeface="sf pro text"/>
+              </a:rPr>
+              <a:t> </a:t>
+            </a:r>
+            <a:br>
+              <a:rPr kumimoji="0" lang="fr-FR" altLang="fr-FR" sz="1200" b="0" i="0" u="none" strike="noStrike" cap="none" normalizeH="0" baseline="0" dirty="0">
+                <a:ln>
+                  <a:noFill/>
+                </a:ln>
+                <a:solidFill>
+                  <a:srgbClr val="1C1D1F"/>
+                </a:solidFill>
+                <a:effectLst/>
+                <a:latin typeface="sf pro text"/>
+              </a:rPr>
+            </a:br>
+            <a:endParaRPr kumimoji="0" lang="fr-FR" altLang="fr-FR" sz="800" b="0" i="0" u="none" strike="noStrike" cap="none" normalizeH="0" baseline="0" dirty="0">
+              <a:ln>
+                <a:noFill/>
+              </a:ln>
+              <a:solidFill>
+                <a:schemeClr val="tx1"/>
+              </a:solidFill>
+              <a:effectLst/>
+            </a:endParaRPr>
+          </a:p>
+          <a:p>
+            <a:pPr defTabSz="914400">
+              <a:buClrTx/>
+              <a:buSzTx/>
+              <a:buFont typeface="Wingdings" panose="05000000000000000000" pitchFamily="2" charset="2"/>
+              <a:buChar char="Ø"/>
+            </a:pPr>
+            <a:r>
+              <a:rPr kumimoji="0" lang="fr-FR" altLang="fr-FR" sz="1200" b="0" i="0" u="none" strike="noStrike" cap="none" normalizeH="0" baseline="0" dirty="0">
+                <a:ln>
+                  <a:noFill/>
+                </a:ln>
+                <a:solidFill>
+                  <a:srgbClr val="1C1D1F"/>
+                </a:solidFill>
+                <a:effectLst/>
+                <a:latin typeface="sf pro text"/>
+              </a:rPr>
+              <a:t>Le formulaire sera soumis à une servlet d’ajout </a:t>
+            </a:r>
+            <a:r>
+              <a:rPr kumimoji="0" lang="fr-FR" altLang="fr-FR" sz="1000" b="0" i="0" u="none" strike="noStrike" cap="none" normalizeH="0" baseline="0" dirty="0" err="1">
+                <a:ln>
+                  <a:noFill/>
+                </a:ln>
+                <a:solidFill>
+                  <a:srgbClr val="B4690E"/>
+                </a:solidFill>
+                <a:effectLst/>
+                <a:latin typeface="sfmono-regular"/>
+              </a:rPr>
+              <a:t>AddToCartServlet</a:t>
+            </a:r>
+            <a:r>
+              <a:rPr kumimoji="0" lang="fr-FR" altLang="fr-FR" sz="1200" b="0" i="0" u="none" strike="noStrike" cap="none" normalizeH="0" baseline="0" dirty="0">
+                <a:ln>
+                  <a:noFill/>
+                </a:ln>
+                <a:solidFill>
+                  <a:srgbClr val="1C1D1F"/>
+                </a:solidFill>
+                <a:effectLst/>
+                <a:latin typeface="sf pro text"/>
+              </a:rPr>
+              <a:t> et sera disponible sous l’URL </a:t>
+            </a:r>
+            <a:r>
+              <a:rPr kumimoji="0" lang="fr-FR" altLang="fr-FR" sz="1200" b="1" i="0" u="none" strike="noStrike" cap="none" normalizeH="0" baseline="0" dirty="0">
+                <a:ln>
+                  <a:noFill/>
+                </a:ln>
+                <a:solidFill>
+                  <a:srgbClr val="1C1D1F"/>
+                </a:solidFill>
+                <a:effectLst/>
+                <a:latin typeface="sf pro text"/>
+              </a:rPr>
+              <a:t>/</a:t>
+            </a:r>
+            <a:r>
+              <a:rPr kumimoji="0" lang="fr-FR" altLang="fr-FR" sz="1200" b="1" i="0" u="none" strike="noStrike" cap="none" normalizeH="0" baseline="0" dirty="0" err="1">
+                <a:ln>
+                  <a:noFill/>
+                </a:ln>
+                <a:solidFill>
+                  <a:srgbClr val="1C1D1F"/>
+                </a:solidFill>
+                <a:effectLst/>
+                <a:latin typeface="sf pro text"/>
+              </a:rPr>
+              <a:t>addToCart</a:t>
+            </a:r>
+            <a:r>
+              <a:rPr lang="fr-FR" altLang="fr-FR" sz="1200" dirty="0">
+                <a:solidFill>
+                  <a:srgbClr val="1C1D1F"/>
+                </a:solidFill>
+                <a:latin typeface="sf pro text"/>
+              </a:rPr>
+              <a:t> qui devra :</a:t>
+            </a:r>
+            <a:endParaRPr kumimoji="0" lang="fr-FR" altLang="fr-FR" sz="800" b="0" i="0" u="none" strike="noStrike" cap="none" normalizeH="0" baseline="0" dirty="0">
+              <a:ln>
+                <a:noFill/>
+              </a:ln>
+              <a:solidFill>
+                <a:schemeClr val="tx1"/>
+              </a:solidFill>
+              <a:effectLst/>
+            </a:endParaRPr>
+          </a:p>
+          <a:p>
+            <a:pPr marL="0" marR="0" lvl="0" indent="0" algn="l" defTabSz="914400" rtl="0" eaLnBrk="0" fontAlgn="base" latinLnBrk="0" hangingPunct="0">
+              <a:lnSpc>
+                <a:spcPct val="100000"/>
+              </a:lnSpc>
+              <a:spcBef>
+                <a:spcPct val="0"/>
+              </a:spcBef>
+              <a:spcAft>
+                <a:spcPct val="0"/>
+              </a:spcAft>
+              <a:buClrTx/>
+              <a:buSzTx/>
+              <a:buFontTx/>
+              <a:buNone/>
+              <a:tabLst/>
+            </a:pPr>
+            <a:endParaRPr kumimoji="0" lang="fr-FR" altLang="fr-FR" sz="800" b="0" i="0" u="none" strike="noStrike" cap="none" normalizeH="0" baseline="0" dirty="0">
+              <a:ln>
+                <a:noFill/>
+              </a:ln>
+              <a:solidFill>
+                <a:schemeClr val="tx1"/>
+              </a:solidFill>
+              <a:effectLst/>
+            </a:endParaRPr>
+          </a:p>
+          <a:p>
+            <a:pPr marL="971550" lvl="2" indent="-171450" defTabSz="914400">
+              <a:buClrTx/>
+              <a:buSzTx/>
+            </a:pPr>
+            <a:r>
+              <a:rPr kumimoji="0" lang="fr-FR" altLang="fr-FR" sz="1200" b="0" i="0" u="none" strike="noStrike" cap="none" normalizeH="0" baseline="0" dirty="0">
+                <a:ln>
+                  <a:noFill/>
+                </a:ln>
+                <a:solidFill>
+                  <a:srgbClr val="1C1D1F"/>
+                </a:solidFill>
+                <a:effectLst/>
+                <a:latin typeface="sf pro text"/>
+              </a:rPr>
+              <a:t>recevoir l'identifiant de l’œuvre souhaitée</a:t>
+            </a:r>
+          </a:p>
+          <a:p>
+            <a:pPr marL="971550" lvl="2" indent="-171450" defTabSz="914400">
+              <a:buClrTx/>
+              <a:buSzTx/>
+            </a:pPr>
+            <a:r>
+              <a:rPr kumimoji="0" lang="fr-FR" altLang="fr-FR" sz="1200" b="0" i="0" u="none" strike="noStrike" cap="none" normalizeH="0" baseline="0" dirty="0">
+                <a:ln>
+                  <a:noFill/>
+                </a:ln>
+                <a:solidFill>
+                  <a:srgbClr val="1C1D1F"/>
+                </a:solidFill>
+                <a:effectLst/>
+                <a:latin typeface="sf pro text"/>
+              </a:rPr>
+              <a:t>rechercher dans le catalogue l’œuvre</a:t>
+            </a:r>
+          </a:p>
+          <a:p>
+            <a:pPr marL="971550" lvl="2" indent="-171450" defTabSz="914400">
+              <a:buClrTx/>
+              <a:buSzTx/>
+            </a:pPr>
+            <a:r>
+              <a:rPr kumimoji="0" lang="fr-FR" altLang="fr-FR" sz="1200" b="0" i="0" u="none" strike="noStrike" cap="none" normalizeH="0" baseline="0" dirty="0">
+                <a:ln>
+                  <a:noFill/>
+                </a:ln>
+                <a:solidFill>
+                  <a:srgbClr val="1C1D1F"/>
+                </a:solidFill>
+                <a:effectLst/>
+                <a:latin typeface="sf pro text"/>
+              </a:rPr>
+              <a:t>si c'est la première fois que l'utilisateur sélectionne un film dans sa session de navigation, instancie un caddie et le dépose en session utilisateur</a:t>
+            </a:r>
+          </a:p>
+          <a:p>
+            <a:pPr marL="971550" lvl="2" indent="-171450" defTabSz="914400">
+              <a:buClrTx/>
+              <a:buSzTx/>
+            </a:pPr>
+            <a:r>
+              <a:rPr kumimoji="0" lang="fr-FR" altLang="fr-FR" sz="1200" b="0" i="0" u="none" strike="noStrike" cap="none" normalizeH="0" baseline="0" dirty="0">
+                <a:ln>
+                  <a:noFill/>
+                </a:ln>
+                <a:solidFill>
+                  <a:srgbClr val="1C1D1F"/>
+                </a:solidFill>
+                <a:effectLst/>
+                <a:latin typeface="sf pro text"/>
+              </a:rPr>
+              <a:t>si ce n'est pas la première fois, récupère le caddie présent en session utilisateur, ajoute l’œuvre au caddie</a:t>
+            </a:r>
+          </a:p>
+          <a:p>
+            <a:pPr marL="0" marR="0" lvl="0" indent="0" algn="l" defTabSz="914400" rtl="0" eaLnBrk="0" fontAlgn="base" latinLnBrk="0" hangingPunct="0">
+              <a:lnSpc>
+                <a:spcPct val="100000"/>
+              </a:lnSpc>
+              <a:spcBef>
+                <a:spcPct val="0"/>
+              </a:spcBef>
+              <a:spcAft>
+                <a:spcPct val="0"/>
+              </a:spcAft>
+              <a:buClrTx/>
+              <a:buSzTx/>
+              <a:buFontTx/>
+              <a:buNone/>
+              <a:tabLst/>
+            </a:pPr>
+            <a:endParaRPr kumimoji="0" lang="fr-FR" altLang="fr-FR" sz="1200" b="0" i="0" u="none" strike="noStrike" cap="none" normalizeH="0" baseline="0" dirty="0">
+              <a:ln>
+                <a:noFill/>
+              </a:ln>
+              <a:solidFill>
+                <a:srgbClr val="1C1D1F"/>
+              </a:solidFill>
+              <a:effectLst/>
+              <a:latin typeface="sf pro text"/>
+            </a:endParaRPr>
+          </a:p>
+          <a:p>
+            <a:pPr defTabSz="914400">
+              <a:buClrTx/>
+              <a:buSzTx/>
+              <a:buFont typeface="Wingdings" panose="05000000000000000000" pitchFamily="2" charset="2"/>
+              <a:buChar char="Ø"/>
+            </a:pPr>
+            <a:r>
+              <a:rPr kumimoji="0" lang="fr-FR" altLang="fr-FR" sz="1200" b="0" i="0" u="none" strike="noStrike" cap="none" normalizeH="0" baseline="0" dirty="0">
+                <a:ln>
+                  <a:noFill/>
+                </a:ln>
+                <a:solidFill>
+                  <a:srgbClr val="1C1D1F"/>
+                </a:solidFill>
+                <a:effectLst/>
+                <a:latin typeface="sf pro text"/>
+              </a:rPr>
+              <a:t>La servlet retournera enfin un contenu HTML permettant </a:t>
+            </a:r>
+            <a:r>
+              <a:rPr kumimoji="0" lang="fr-FR" altLang="fr-FR" sz="1200" b="0" i="0" u="none" strike="noStrike" cap="none" normalizeH="0" baseline="0">
+                <a:ln>
+                  <a:noFill/>
+                </a:ln>
+                <a:solidFill>
+                  <a:srgbClr val="1C1D1F"/>
+                </a:solidFill>
+                <a:effectLst/>
+                <a:latin typeface="sf pro text"/>
+              </a:rPr>
+              <a:t>d'afficher :</a:t>
+            </a:r>
+          </a:p>
+          <a:p>
+            <a:pPr defTabSz="914400">
+              <a:buClrTx/>
+              <a:buSzTx/>
+              <a:buFont typeface="Wingdings" panose="05000000000000000000" pitchFamily="2" charset="2"/>
+              <a:buChar char="Ø"/>
+            </a:pPr>
+            <a:endParaRPr kumimoji="0" lang="fr-FR" altLang="fr-FR" sz="800" b="0" i="0" u="none" strike="noStrike" cap="none" normalizeH="0" baseline="0" dirty="0">
+              <a:ln>
+                <a:noFill/>
+              </a:ln>
+              <a:solidFill>
+                <a:schemeClr val="tx1"/>
+              </a:solidFill>
+              <a:effectLst/>
+            </a:endParaRPr>
+          </a:p>
+          <a:p>
+            <a:pPr marL="971550" lvl="2" indent="-171450" defTabSz="914400">
+              <a:buClrTx/>
+              <a:buSzTx/>
+            </a:pPr>
+            <a:r>
+              <a:rPr kumimoji="0" lang="fr-FR" altLang="fr-FR" sz="1200" b="0" i="0" u="none" strike="noStrike" cap="none" normalizeH="0" baseline="0" dirty="0">
+                <a:ln>
+                  <a:noFill/>
+                </a:ln>
+                <a:solidFill>
+                  <a:srgbClr val="1C1D1F"/>
+                </a:solidFill>
+                <a:effectLst/>
+                <a:latin typeface="sf pro text"/>
+              </a:rPr>
+              <a:t>le texte de confirmation « </a:t>
+            </a:r>
+            <a:r>
+              <a:rPr kumimoji="0" lang="fr-FR" altLang="fr-FR" sz="1200" b="0" i="1" u="none" strike="noStrike" cap="none" normalizeH="0" baseline="0" dirty="0">
+                <a:ln>
+                  <a:noFill/>
+                </a:ln>
+                <a:solidFill>
+                  <a:srgbClr val="1C1D1F"/>
+                </a:solidFill>
+                <a:effectLst/>
+                <a:latin typeface="sf pro text"/>
+              </a:rPr>
+              <a:t>Œuvre ajoutée au caddie</a:t>
+            </a:r>
+            <a:r>
+              <a:rPr kumimoji="0" lang="fr-FR" altLang="fr-FR" sz="1200" b="0" i="0" u="none" strike="noStrike" cap="none" normalizeH="0" baseline="0" dirty="0">
+                <a:ln>
+                  <a:noFill/>
+                </a:ln>
+                <a:solidFill>
+                  <a:srgbClr val="1C1D1F"/>
+                </a:solidFill>
+                <a:effectLst/>
+                <a:latin typeface="sf pro text"/>
+              </a:rPr>
+              <a:t> (X) » où X sera le nombre d’œuvre que comporte désormais le caddie</a:t>
+            </a:r>
+          </a:p>
+          <a:p>
+            <a:pPr marL="971550" lvl="2" indent="-171450" defTabSz="914400">
+              <a:buClrTx/>
+              <a:buSzTx/>
+            </a:pPr>
+            <a:r>
+              <a:rPr kumimoji="0" lang="fr-FR" altLang="fr-FR" sz="1200" b="0" i="0" u="none" strike="noStrike" cap="none" normalizeH="0" baseline="0" dirty="0">
+                <a:ln>
+                  <a:noFill/>
+                </a:ln>
+                <a:solidFill>
+                  <a:srgbClr val="1C1D1F"/>
+                </a:solidFill>
+                <a:effectLst/>
+                <a:latin typeface="sf pro text"/>
+              </a:rPr>
+              <a:t>Un lien permettant de retourner au catalogue.</a:t>
+            </a:r>
+          </a:p>
+          <a:p>
+            <a:pPr marL="0" marR="0" lvl="0" indent="0" algn="l" defTabSz="914400" rtl="0" eaLnBrk="0" fontAlgn="base" latinLnBrk="0" hangingPunct="0">
+              <a:lnSpc>
+                <a:spcPct val="100000"/>
+              </a:lnSpc>
+              <a:spcBef>
+                <a:spcPct val="0"/>
+              </a:spcBef>
+              <a:spcAft>
+                <a:spcPct val="0"/>
+              </a:spcAft>
+              <a:buClrTx/>
+              <a:buSzTx/>
+              <a:buFontTx/>
+              <a:buNone/>
+              <a:tabLst/>
+            </a:pPr>
+            <a:endParaRPr kumimoji="0" lang="fr-FR" altLang="fr-FR" sz="1800" b="0" i="0" u="none" strike="noStrike" cap="none" normalizeH="0" baseline="0" dirty="0">
+              <a:ln>
+                <a:noFill/>
+              </a:ln>
+              <a:solidFill>
+                <a:schemeClr val="tx1"/>
+              </a:solidFill>
+              <a:effectLst/>
+              <a:latin typeface="Arial" panose="020B0604020202020204" pitchFamily="34" charset="0"/>
+            </a:endParaRPr>
+          </a:p>
+        </p:txBody>
+      </p:sp>
+    </p:spTree>
+    <p:extLst>
+      <p:ext uri="{BB962C8B-B14F-4D97-AF65-F5344CB8AC3E}">
+        <p14:creationId xmlns:p14="http://schemas.microsoft.com/office/powerpoint/2010/main" val="1895270715"/>
       </p:ext>
     </p:extLst>
   </p:cSld>

--- a/cours/Jee/Exercices Jee.pptx
+++ b/cours/Jee/Exercices Jee.pptx
@@ -5,7 +5,7 @@
     <p:sldMasterId id="2147483708" r:id="rId1"/>
   </p:sldMasterIdLst>
   <p:notesMasterIdLst>
-    <p:notesMasterId r:id="rId10"/>
+    <p:notesMasterId r:id="rId18"/>
   </p:notesMasterIdLst>
   <p:sldIdLst>
     <p:sldId id="256" r:id="rId2"/>
@@ -16,6 +16,14 @@
     <p:sldId id="261" r:id="rId7"/>
     <p:sldId id="262" r:id="rId8"/>
     <p:sldId id="263" r:id="rId9"/>
+    <p:sldId id="264" r:id="rId10"/>
+    <p:sldId id="265" r:id="rId11"/>
+    <p:sldId id="266" r:id="rId12"/>
+    <p:sldId id="267" r:id="rId13"/>
+    <p:sldId id="268" r:id="rId14"/>
+    <p:sldId id="269" r:id="rId15"/>
+    <p:sldId id="270" r:id="rId16"/>
+    <p:sldId id="271" r:id="rId17"/>
   </p:sldIdLst>
   <p:sldSz cx="12192000" cy="6858000"/>
   <p:notesSz cx="6858000" cy="9144000"/>
@@ -204,7 +212,7 @@
           <a:p>
             <a:fld id="{80E0B668-02A6-400A-9ABF-0CC9107A0F09}" type="datetimeFigureOut">
               <a:rPr lang="fr-FR" smtClean="0"/>
-              <a:t>10/03/2022</a:t>
+              <a:t>14/03/2022</a:t>
             </a:fld>
             <a:endParaRPr lang="fr-FR"/>
           </a:p>
@@ -2389,7 +2397,7 @@
           <a:p>
             <a:fld id="{9057227A-9165-461E-AB95-6EE7B3088545}" type="datetimeFigureOut">
               <a:rPr lang="fr-FR" smtClean="0"/>
-              <a:t>10/03/2022</a:t>
+              <a:t>14/03/2022</a:t>
             </a:fld>
             <a:endParaRPr lang="fr-FR"/>
           </a:p>
@@ -2640,7 +2648,7 @@
           <a:p>
             <a:fld id="{9057227A-9165-461E-AB95-6EE7B3088545}" type="datetimeFigureOut">
               <a:rPr lang="fr-FR" smtClean="0"/>
-              <a:t>10/03/2022</a:t>
+              <a:t>14/03/2022</a:t>
             </a:fld>
             <a:endParaRPr lang="fr-FR"/>
           </a:p>
@@ -2954,7 +2962,7 @@
           <a:p>
             <a:fld id="{9057227A-9165-461E-AB95-6EE7B3088545}" type="datetimeFigureOut">
               <a:rPr lang="fr-FR" smtClean="0"/>
-              <a:t>10/03/2022</a:t>
+              <a:t>14/03/2022</a:t>
             </a:fld>
             <a:endParaRPr lang="fr-FR"/>
           </a:p>
@@ -3295,7 +3303,7 @@
           <a:p>
             <a:fld id="{9057227A-9165-461E-AB95-6EE7B3088545}" type="datetimeFigureOut">
               <a:rPr lang="fr-FR" smtClean="0"/>
-              <a:t>10/03/2022</a:t>
+              <a:t>14/03/2022</a:t>
             </a:fld>
             <a:endParaRPr lang="fr-FR"/>
           </a:p>
@@ -3609,7 +3617,7 @@
           <a:p>
             <a:fld id="{9057227A-9165-461E-AB95-6EE7B3088545}" type="datetimeFigureOut">
               <a:rPr lang="fr-FR" smtClean="0"/>
-              <a:t>10/03/2022</a:t>
+              <a:t>14/03/2022</a:t>
             </a:fld>
             <a:endParaRPr lang="fr-FR"/>
           </a:p>
@@ -4002,7 +4010,7 @@
           <a:p>
             <a:fld id="{9057227A-9165-461E-AB95-6EE7B3088545}" type="datetimeFigureOut">
               <a:rPr lang="fr-FR" smtClean="0"/>
-              <a:t>10/03/2022</a:t>
+              <a:t>14/03/2022</a:t>
             </a:fld>
             <a:endParaRPr lang="fr-FR"/>
           </a:p>
@@ -4172,7 +4180,7 @@
           <a:p>
             <a:fld id="{9057227A-9165-461E-AB95-6EE7B3088545}" type="datetimeFigureOut">
               <a:rPr lang="fr-FR" smtClean="0"/>
-              <a:t>10/03/2022</a:t>
+              <a:t>14/03/2022</a:t>
             </a:fld>
             <a:endParaRPr lang="fr-FR"/>
           </a:p>
@@ -4352,7 +4360,7 @@
           <a:p>
             <a:fld id="{9057227A-9165-461E-AB95-6EE7B3088545}" type="datetimeFigureOut">
               <a:rPr lang="fr-FR" smtClean="0"/>
-              <a:t>10/03/2022</a:t>
+              <a:t>14/03/2022</a:t>
             </a:fld>
             <a:endParaRPr lang="fr-FR"/>
           </a:p>
@@ -4528,7 +4536,7 @@
           <a:p>
             <a:fld id="{9057227A-9165-461E-AB95-6EE7B3088545}" type="datetimeFigureOut">
               <a:rPr lang="fr-FR" smtClean="0"/>
-              <a:t>10/03/2022</a:t>
+              <a:t>14/03/2022</a:t>
             </a:fld>
             <a:endParaRPr lang="fr-FR"/>
           </a:p>
@@ -4775,7 +4783,7 @@
           <a:p>
             <a:fld id="{9057227A-9165-461E-AB95-6EE7B3088545}" type="datetimeFigureOut">
               <a:rPr lang="fr-FR" smtClean="0"/>
-              <a:t>10/03/2022</a:t>
+              <a:t>14/03/2022</a:t>
             </a:fld>
             <a:endParaRPr lang="fr-FR"/>
           </a:p>
@@ -5007,7 +5015,7 @@
           <a:p>
             <a:fld id="{9057227A-9165-461E-AB95-6EE7B3088545}" type="datetimeFigureOut">
               <a:rPr lang="fr-FR" smtClean="0"/>
-              <a:t>10/03/2022</a:t>
+              <a:t>14/03/2022</a:t>
             </a:fld>
             <a:endParaRPr lang="fr-FR"/>
           </a:p>
@@ -5381,7 +5389,7 @@
           <a:p>
             <a:fld id="{9057227A-9165-461E-AB95-6EE7B3088545}" type="datetimeFigureOut">
               <a:rPr lang="fr-FR" smtClean="0"/>
-              <a:t>10/03/2022</a:t>
+              <a:t>14/03/2022</a:t>
             </a:fld>
             <a:endParaRPr lang="fr-FR"/>
           </a:p>
@@ -5504,7 +5512,7 @@
           <a:p>
             <a:fld id="{9057227A-9165-461E-AB95-6EE7B3088545}" type="datetimeFigureOut">
               <a:rPr lang="fr-FR" smtClean="0"/>
-              <a:t>10/03/2022</a:t>
+              <a:t>14/03/2022</a:t>
             </a:fld>
             <a:endParaRPr lang="fr-FR"/>
           </a:p>
@@ -5599,7 +5607,7 @@
           <a:p>
             <a:fld id="{9057227A-9165-461E-AB95-6EE7B3088545}" type="datetimeFigureOut">
               <a:rPr lang="fr-FR" smtClean="0"/>
-              <a:t>10/03/2022</a:t>
+              <a:t>14/03/2022</a:t>
             </a:fld>
             <a:endParaRPr lang="fr-FR"/>
           </a:p>
@@ -5854,7 +5862,7 @@
           <a:p>
             <a:fld id="{9057227A-9165-461E-AB95-6EE7B3088545}" type="datetimeFigureOut">
               <a:rPr lang="fr-FR" smtClean="0"/>
-              <a:t>10/03/2022</a:t>
+              <a:t>14/03/2022</a:t>
             </a:fld>
             <a:endParaRPr lang="fr-FR"/>
           </a:p>
@@ -6117,7 +6125,7 @@
           <a:p>
             <a:fld id="{9057227A-9165-461E-AB95-6EE7B3088545}" type="datetimeFigureOut">
               <a:rPr lang="fr-FR" smtClean="0"/>
-              <a:t>10/03/2022</a:t>
+              <a:t>14/03/2022</a:t>
             </a:fld>
             <a:endParaRPr lang="fr-FR"/>
           </a:p>
@@ -6860,7 +6868,7 @@
           <a:p>
             <a:fld id="{9057227A-9165-461E-AB95-6EE7B3088545}" type="datetimeFigureOut">
               <a:rPr lang="fr-FR" smtClean="0"/>
-              <a:t>10/03/2022</a:t>
+              <a:t>14/03/2022</a:t>
             </a:fld>
             <a:endParaRPr lang="fr-FR"/>
           </a:p>
@@ -8131,6 +8139,1112 @@
 </p:sld>
 </file>
 
+<file path=ppt/slides/slide10.xml><?xml version="1.0" encoding="utf-8"?>
+<p:sld xmlns:a="http://schemas.openxmlformats.org/drawingml/2006/main" xmlns:r="http://schemas.openxmlformats.org/officeDocument/2006/relationships" xmlns:p="http://schemas.openxmlformats.org/presentationml/2006/main">
+  <p:cSld>
+    <p:spTree>
+      <p:nvGrpSpPr>
+        <p:cNvPr id="1" name=""/>
+        <p:cNvGrpSpPr/>
+        <p:nvPr/>
+      </p:nvGrpSpPr>
+      <p:grpSpPr>
+        <a:xfrm>
+          <a:off x="0" y="0"/>
+          <a:ext cx="0" cy="0"/>
+          <a:chOff x="0" y="0"/>
+          <a:chExt cx="0" cy="0"/>
+        </a:xfrm>
+      </p:grpSpPr>
+      <p:sp>
+        <p:nvSpPr>
+          <p:cNvPr id="2" name="Titre 1">
+            <a:extLst>
+              <a:ext uri="{FF2B5EF4-FFF2-40B4-BE49-F238E27FC236}">
+                <a16:creationId xmlns:a16="http://schemas.microsoft.com/office/drawing/2014/main" id="{DBE1D949-E920-4DDA-BDA7-5724513348F6}"/>
+              </a:ext>
+            </a:extLst>
+          </p:cNvPr>
+          <p:cNvSpPr>
+            <a:spLocks noGrp="1"/>
+          </p:cNvSpPr>
+          <p:nvPr>
+            <p:ph type="title"/>
+          </p:nvPr>
+        </p:nvSpPr>
+        <p:spPr/>
+        <p:txBody>
+          <a:bodyPr/>
+          <a:lstStyle/>
+          <a:p>
+            <a:r>
+              <a:rPr lang="fr-FR" dirty="0"/>
+              <a:t>Erreur lors de l’ajout</a:t>
+            </a:r>
+          </a:p>
+        </p:txBody>
+      </p:sp>
+      <p:sp>
+        <p:nvSpPr>
+          <p:cNvPr id="3" name="Espace réservé du contenu 2">
+            <a:extLst>
+              <a:ext uri="{FF2B5EF4-FFF2-40B4-BE49-F238E27FC236}">
+                <a16:creationId xmlns:a16="http://schemas.microsoft.com/office/drawing/2014/main" id="{3B5B27B9-9A01-47A6-8AD5-247E198E79C8}"/>
+              </a:ext>
+            </a:extLst>
+          </p:cNvPr>
+          <p:cNvSpPr>
+            <a:spLocks noGrp="1"/>
+          </p:cNvSpPr>
+          <p:nvPr>
+            <p:ph idx="1"/>
+          </p:nvPr>
+        </p:nvSpPr>
+        <p:spPr/>
+        <p:txBody>
+          <a:bodyPr>
+            <a:normAutofit fontScale="85000" lnSpcReduction="10000"/>
+          </a:bodyPr>
+          <a:lstStyle/>
+          <a:p>
+            <a:r>
+              <a:rPr lang="fr-FR" dirty="0"/>
+              <a:t>2 erreurs peuvent se produire :</a:t>
+            </a:r>
+          </a:p>
+          <a:p>
+            <a:pPr lvl="1"/>
+            <a:r>
+              <a:rPr lang="fr-FR" dirty="0"/>
+              <a:t> Entrer une année de parution qui n'est pas un entier</a:t>
+            </a:r>
+          </a:p>
+          <a:p>
+            <a:pPr lvl="1"/>
+            <a:r>
+              <a:rPr lang="fr-FR" dirty="0"/>
+              <a:t> Ajouter une œuvre qui est déjà au catalogue. On considérera qu'il y a doublon lorsque il existe déjà dans le catalogue une œuvre avec le même titre, parue la même année et avec un artiste principal de même nom.</a:t>
+            </a:r>
+          </a:p>
+          <a:p>
+            <a:endParaRPr lang="fr-FR" dirty="0"/>
+          </a:p>
+          <a:p>
+            <a:r>
+              <a:rPr lang="fr-FR" dirty="0"/>
+              <a:t>Reprenez la servlet du back-office </a:t>
+            </a:r>
+            <a:r>
+              <a:rPr lang="fr-FR" dirty="0" err="1"/>
+              <a:t>AddWorkServlet</a:t>
+            </a:r>
+            <a:r>
+              <a:rPr lang="fr-FR" dirty="0"/>
+              <a:t>  qui permet d’ajouter une œuvre au catalogue et faites en sorte que le résultat final soit délégué à 2 autres Servlets :</a:t>
+            </a:r>
+          </a:p>
+          <a:p>
+            <a:endParaRPr lang="fr-FR" dirty="0"/>
+          </a:p>
+          <a:p>
+            <a:pPr lvl="1"/>
+            <a:r>
+              <a:rPr lang="fr-FR" dirty="0"/>
+              <a:t>    Une servlet </a:t>
+            </a:r>
+            <a:r>
+              <a:rPr lang="fr-FR" dirty="0" err="1"/>
+              <a:t>WorkAddedSuccessServlet</a:t>
+            </a:r>
+            <a:r>
+              <a:rPr lang="fr-FR" dirty="0"/>
+              <a:t>  qui affiche une confirmation (“L’œuvre à bien été ajoutée”). Suivi d’un lien pour retourner au catalogue.</a:t>
+            </a:r>
+          </a:p>
+          <a:p>
+            <a:endParaRPr lang="fr-FR" dirty="0"/>
+          </a:p>
+          <a:p>
+            <a:pPr lvl="1"/>
+            <a:r>
+              <a:rPr lang="fr-FR" dirty="0"/>
+              <a:t>    Une servlet </a:t>
+            </a:r>
+            <a:r>
+              <a:rPr lang="fr-FR" dirty="0" err="1"/>
+              <a:t>WorkAddedFailureServlet</a:t>
+            </a:r>
+            <a:r>
+              <a:rPr lang="fr-FR" dirty="0"/>
+              <a:t>  qui affiche le message d'erreur (“Une erreur est survenue, l’œuvre n’a pas été ajoutée”). Suivi là aussi d’un lien pour retourner au catalogue </a:t>
+            </a:r>
+          </a:p>
+        </p:txBody>
+      </p:sp>
+    </p:spTree>
+    <p:extLst>
+      <p:ext uri="{BB962C8B-B14F-4D97-AF65-F5344CB8AC3E}">
+        <p14:creationId xmlns:p14="http://schemas.microsoft.com/office/powerpoint/2010/main" val="2347537681"/>
+      </p:ext>
+    </p:extLst>
+  </p:cSld>
+  <p:clrMapOvr>
+    <a:masterClrMapping/>
+  </p:clrMapOvr>
+</p:sld>
+</file>
+
+<file path=ppt/slides/slide11.xml><?xml version="1.0" encoding="utf-8"?>
+<p:sld xmlns:a="http://schemas.openxmlformats.org/drawingml/2006/main" xmlns:r="http://schemas.openxmlformats.org/officeDocument/2006/relationships" xmlns:p="http://schemas.openxmlformats.org/presentationml/2006/main">
+  <p:cSld>
+    <p:spTree>
+      <p:nvGrpSpPr>
+        <p:cNvPr id="1" name=""/>
+        <p:cNvGrpSpPr/>
+        <p:nvPr/>
+      </p:nvGrpSpPr>
+      <p:grpSpPr>
+        <a:xfrm>
+          <a:off x="0" y="0"/>
+          <a:ext cx="0" cy="0"/>
+          <a:chOff x="0" y="0"/>
+          <a:chExt cx="0" cy="0"/>
+        </a:xfrm>
+      </p:grpSpPr>
+      <p:sp>
+        <p:nvSpPr>
+          <p:cNvPr id="2" name="Titre 1">
+            <a:extLst>
+              <a:ext uri="{FF2B5EF4-FFF2-40B4-BE49-F238E27FC236}">
+                <a16:creationId xmlns:a16="http://schemas.microsoft.com/office/drawing/2014/main" id="{395EC55F-C0DE-478C-AFBD-05E96CBEB563}"/>
+              </a:ext>
+            </a:extLst>
+          </p:cNvPr>
+          <p:cNvSpPr>
+            <a:spLocks noGrp="1"/>
+          </p:cNvSpPr>
+          <p:nvPr>
+            <p:ph type="title"/>
+          </p:nvPr>
+        </p:nvSpPr>
+        <p:spPr/>
+        <p:txBody>
+          <a:bodyPr/>
+          <a:lstStyle/>
+          <a:p>
+            <a:r>
+              <a:rPr lang="fr-FR" sz="1800" dirty="0">
+                <a:effectLst/>
+                <a:latin typeface="Calibri" panose="020F0502020204030204" pitchFamily="34" charset="0"/>
+                <a:ea typeface="Calibri" panose="020F0502020204030204" pitchFamily="34" charset="0"/>
+                <a:cs typeface="Times New Roman" panose="02020603050405020304" pitchFamily="18" charset="0"/>
+              </a:rPr>
+              <a:t>Afficher l’identifiant de l’œuvre ajoutée</a:t>
+            </a:r>
+            <a:endParaRPr lang="fr-FR" dirty="0"/>
+          </a:p>
+        </p:txBody>
+      </p:sp>
+      <p:sp>
+        <p:nvSpPr>
+          <p:cNvPr id="3" name="Espace réservé du contenu 2">
+            <a:extLst>
+              <a:ext uri="{FF2B5EF4-FFF2-40B4-BE49-F238E27FC236}">
+                <a16:creationId xmlns:a16="http://schemas.microsoft.com/office/drawing/2014/main" id="{CCF05D49-BF0F-4E54-8D19-2F81D74A7DC5}"/>
+              </a:ext>
+            </a:extLst>
+          </p:cNvPr>
+          <p:cNvSpPr>
+            <a:spLocks noGrp="1"/>
+          </p:cNvSpPr>
+          <p:nvPr>
+            <p:ph idx="1"/>
+          </p:nvPr>
+        </p:nvSpPr>
+        <p:spPr/>
+        <p:txBody>
+          <a:bodyPr/>
+          <a:lstStyle/>
+          <a:p>
+            <a:r>
+              <a:rPr lang="fr-FR" dirty="0"/>
+              <a:t>Nous allons afficher à l'écran l'identifiant de l’œuvre après ajout au catalogue.</a:t>
+            </a:r>
+          </a:p>
+          <a:p>
+            <a:endParaRPr lang="fr-FR" dirty="0"/>
+          </a:p>
+          <a:p>
+            <a:r>
+              <a:rPr lang="fr-FR" dirty="0"/>
+              <a:t>Pour ce faire, nous allons modifier la servlet </a:t>
+            </a:r>
+            <a:r>
+              <a:rPr lang="fr-FR" dirty="0" err="1"/>
+              <a:t>WorkAddedSuccessServlet</a:t>
+            </a:r>
+            <a:r>
+              <a:rPr lang="fr-FR" dirty="0"/>
+              <a:t> .</a:t>
+            </a:r>
+          </a:p>
+          <a:p>
+            <a:endParaRPr lang="fr-FR" dirty="0"/>
+          </a:p>
+          <a:p>
+            <a:r>
+              <a:rPr lang="fr-FR" dirty="0"/>
+              <a:t>Cette identifiant sera partagé avec </a:t>
+            </a:r>
+            <a:r>
+              <a:rPr lang="fr-FR" dirty="0" err="1"/>
+              <a:t>WorkAddedSuccessServlet</a:t>
+            </a:r>
+            <a:r>
+              <a:rPr lang="fr-FR" dirty="0"/>
+              <a:t>  grâce à un attribut en portée "</a:t>
+            </a:r>
+            <a:r>
+              <a:rPr lang="fr-FR" dirty="0" err="1"/>
+              <a:t>request</a:t>
+            </a:r>
+            <a:r>
+              <a:rPr lang="fr-FR" dirty="0"/>
+              <a:t>" que nous appellerons </a:t>
+            </a:r>
+            <a:r>
+              <a:rPr lang="fr-FR" dirty="0" err="1"/>
+              <a:t>identifiantOeuvre</a:t>
+            </a:r>
+            <a:r>
+              <a:rPr lang="fr-FR" dirty="0"/>
+              <a:t> .</a:t>
+            </a:r>
+          </a:p>
+          <a:p>
+            <a:pPr marL="0" indent="0">
+              <a:buNone/>
+            </a:pPr>
+            <a:endParaRPr lang="fr-FR" dirty="0"/>
+          </a:p>
+          <a:p>
+            <a:pPr marL="0" indent="0">
+              <a:buNone/>
+            </a:pPr>
+            <a:r>
+              <a:rPr lang="fr-FR" dirty="0"/>
+              <a:t>Syntaxe : 	</a:t>
+            </a:r>
+            <a:r>
+              <a:rPr lang="fr-FR" dirty="0" err="1"/>
+              <a:t>req.setAttribute</a:t>
+            </a:r>
+            <a:r>
+              <a:rPr lang="fr-FR" dirty="0"/>
+              <a:t>("nom", valeur);</a:t>
+            </a:r>
+          </a:p>
+          <a:p>
+            <a:pPr marL="0" indent="0">
+              <a:buNone/>
+            </a:pPr>
+            <a:r>
+              <a:rPr lang="fr-FR" dirty="0"/>
+              <a:t>			</a:t>
+            </a:r>
+            <a:r>
+              <a:rPr lang="fr-FR" dirty="0" err="1"/>
+              <a:t>req.getAttribute</a:t>
+            </a:r>
+            <a:r>
+              <a:rPr lang="fr-FR" dirty="0"/>
+              <a:t>("</a:t>
+            </a:r>
+            <a:r>
+              <a:rPr lang="fr-FR" dirty="0" err="1"/>
+              <a:t>identifiantOeuvre</a:t>
+            </a:r>
+            <a:r>
+              <a:rPr lang="fr-FR" dirty="0"/>
+              <a:t>")</a:t>
+            </a:r>
+          </a:p>
+        </p:txBody>
+      </p:sp>
+    </p:spTree>
+    <p:extLst>
+      <p:ext uri="{BB962C8B-B14F-4D97-AF65-F5344CB8AC3E}">
+        <p14:creationId xmlns:p14="http://schemas.microsoft.com/office/powerpoint/2010/main" val="3291973962"/>
+      </p:ext>
+    </p:extLst>
+  </p:cSld>
+  <p:clrMapOvr>
+    <a:masterClrMapping/>
+  </p:clrMapOvr>
+</p:sld>
+</file>
+
+<file path=ppt/slides/slide12.xml><?xml version="1.0" encoding="utf-8"?>
+<p:sld xmlns:a="http://schemas.openxmlformats.org/drawingml/2006/main" xmlns:r="http://schemas.openxmlformats.org/officeDocument/2006/relationships" xmlns:p="http://schemas.openxmlformats.org/presentationml/2006/main">
+  <p:cSld>
+    <p:spTree>
+      <p:nvGrpSpPr>
+        <p:cNvPr id="1" name=""/>
+        <p:cNvGrpSpPr/>
+        <p:nvPr/>
+      </p:nvGrpSpPr>
+      <p:grpSpPr>
+        <a:xfrm>
+          <a:off x="0" y="0"/>
+          <a:ext cx="0" cy="0"/>
+          <a:chOff x="0" y="0"/>
+          <a:chExt cx="0" cy="0"/>
+        </a:xfrm>
+      </p:grpSpPr>
+      <p:sp>
+        <p:nvSpPr>
+          <p:cNvPr id="2" name="Titre 1">
+            <a:extLst>
+              <a:ext uri="{FF2B5EF4-FFF2-40B4-BE49-F238E27FC236}">
+                <a16:creationId xmlns:a16="http://schemas.microsoft.com/office/drawing/2014/main" id="{3CE6A08C-BD27-4D20-AFDC-9B6EE8DB9F2E}"/>
+              </a:ext>
+            </a:extLst>
+          </p:cNvPr>
+          <p:cNvSpPr>
+            <a:spLocks noGrp="1"/>
+          </p:cNvSpPr>
+          <p:nvPr>
+            <p:ph type="title"/>
+          </p:nvPr>
+        </p:nvSpPr>
+        <p:spPr/>
+        <p:txBody>
+          <a:bodyPr/>
+          <a:lstStyle/>
+          <a:p>
+            <a:r>
+              <a:rPr lang="fr-FR" dirty="0"/>
+              <a:t>Page d’accueil du frontend</a:t>
+            </a:r>
+          </a:p>
+        </p:txBody>
+      </p:sp>
+      <p:sp>
+        <p:nvSpPr>
+          <p:cNvPr id="3" name="Espace réservé du contenu 2">
+            <a:extLst>
+              <a:ext uri="{FF2B5EF4-FFF2-40B4-BE49-F238E27FC236}">
+                <a16:creationId xmlns:a16="http://schemas.microsoft.com/office/drawing/2014/main" id="{84D0ECB1-46CE-409E-9C17-222563CC0B3F}"/>
+              </a:ext>
+            </a:extLst>
+          </p:cNvPr>
+          <p:cNvSpPr>
+            <a:spLocks noGrp="1"/>
+          </p:cNvSpPr>
+          <p:nvPr>
+            <p:ph idx="1"/>
+          </p:nvPr>
+        </p:nvSpPr>
+        <p:spPr/>
+        <p:txBody>
+          <a:bodyPr/>
+          <a:lstStyle/>
+          <a:p>
+            <a:r>
+              <a:rPr lang="fr-FR" b="0" i="0" dirty="0">
+                <a:solidFill>
+                  <a:srgbClr val="1C1D1F"/>
+                </a:solidFill>
+                <a:effectLst/>
+                <a:latin typeface="sf pro text"/>
+              </a:rPr>
+              <a:t>Remplacer la Servlet HomeServlet.java du front-office par son équivalent JSP en créant la page </a:t>
+            </a:r>
+            <a:r>
+              <a:rPr lang="fr-FR" b="0" i="0" dirty="0" err="1">
+                <a:solidFill>
+                  <a:srgbClr val="1C1D1F"/>
+                </a:solidFill>
+                <a:effectLst/>
+                <a:latin typeface="sf pro text"/>
+              </a:rPr>
+              <a:t>home.jsp</a:t>
+            </a:r>
+            <a:r>
+              <a:rPr lang="fr-FR" b="0" i="0" dirty="0">
+                <a:solidFill>
+                  <a:srgbClr val="1C1D1F"/>
+                </a:solidFill>
+                <a:effectLst/>
+                <a:latin typeface="sf pro text"/>
+              </a:rPr>
+              <a:t> puis supprimer la servlet HomeServlet.java.</a:t>
+            </a:r>
+          </a:p>
+          <a:p>
+            <a:endParaRPr lang="fr-FR" dirty="0">
+              <a:solidFill>
+                <a:srgbClr val="1C1D1F"/>
+              </a:solidFill>
+              <a:latin typeface="sf pro text"/>
+            </a:endParaRPr>
+          </a:p>
+          <a:p>
+            <a:r>
+              <a:rPr lang="fr-FR" dirty="0">
+                <a:solidFill>
+                  <a:srgbClr val="1C1D1F"/>
+                </a:solidFill>
+                <a:latin typeface="sf pro text"/>
+              </a:rPr>
+              <a:t>Effacer </a:t>
+            </a:r>
+            <a:r>
+              <a:rPr lang="fr-FR" dirty="0" err="1">
+                <a:solidFill>
+                  <a:srgbClr val="1C1D1F"/>
+                </a:solidFill>
+                <a:latin typeface="sf pro text"/>
+              </a:rPr>
+              <a:t>index.jsp</a:t>
+            </a:r>
+            <a:r>
+              <a:rPr lang="fr-FR" dirty="0">
+                <a:solidFill>
+                  <a:srgbClr val="1C1D1F"/>
+                </a:solidFill>
+                <a:latin typeface="sf pro text"/>
+              </a:rPr>
+              <a:t> puis renommer </a:t>
+            </a:r>
+            <a:r>
+              <a:rPr lang="fr-FR" dirty="0" err="1">
+                <a:solidFill>
+                  <a:srgbClr val="1C1D1F"/>
+                </a:solidFill>
+                <a:latin typeface="sf pro text"/>
+              </a:rPr>
+              <a:t>home.jsp</a:t>
+            </a:r>
+            <a:r>
+              <a:rPr lang="fr-FR" dirty="0">
+                <a:solidFill>
+                  <a:srgbClr val="1C1D1F"/>
+                </a:solidFill>
+                <a:latin typeface="sf pro text"/>
+              </a:rPr>
+              <a:t> en </a:t>
+            </a:r>
+            <a:r>
+              <a:rPr lang="fr-FR" dirty="0" err="1">
+                <a:solidFill>
+                  <a:srgbClr val="1C1D1F"/>
+                </a:solidFill>
+                <a:latin typeface="sf pro text"/>
+              </a:rPr>
+              <a:t>index.jsp</a:t>
+            </a:r>
+            <a:endParaRPr lang="fr-FR" dirty="0"/>
+          </a:p>
+        </p:txBody>
+      </p:sp>
+    </p:spTree>
+    <p:extLst>
+      <p:ext uri="{BB962C8B-B14F-4D97-AF65-F5344CB8AC3E}">
+        <p14:creationId xmlns:p14="http://schemas.microsoft.com/office/powerpoint/2010/main" val="4242083705"/>
+      </p:ext>
+    </p:extLst>
+  </p:cSld>
+  <p:clrMapOvr>
+    <a:masterClrMapping/>
+  </p:clrMapOvr>
+</p:sld>
+</file>
+
+<file path=ppt/slides/slide13.xml><?xml version="1.0" encoding="utf-8"?>
+<p:sld xmlns:a="http://schemas.openxmlformats.org/drawingml/2006/main" xmlns:r="http://schemas.openxmlformats.org/officeDocument/2006/relationships" xmlns:p="http://schemas.openxmlformats.org/presentationml/2006/main">
+  <p:cSld>
+    <p:spTree>
+      <p:nvGrpSpPr>
+        <p:cNvPr id="1" name=""/>
+        <p:cNvGrpSpPr/>
+        <p:nvPr/>
+      </p:nvGrpSpPr>
+      <p:grpSpPr>
+        <a:xfrm>
+          <a:off x="0" y="0"/>
+          <a:ext cx="0" cy="0"/>
+          <a:chOff x="0" y="0"/>
+          <a:chExt cx="0" cy="0"/>
+        </a:xfrm>
+      </p:grpSpPr>
+      <p:sp>
+        <p:nvSpPr>
+          <p:cNvPr id="2" name="Titre 1">
+            <a:extLst>
+              <a:ext uri="{FF2B5EF4-FFF2-40B4-BE49-F238E27FC236}">
+                <a16:creationId xmlns:a16="http://schemas.microsoft.com/office/drawing/2014/main" id="{22CB28D5-F215-4183-B054-FC9C1CE44C4B}"/>
+              </a:ext>
+            </a:extLst>
+          </p:cNvPr>
+          <p:cNvSpPr>
+            <a:spLocks noGrp="1"/>
+          </p:cNvSpPr>
+          <p:nvPr>
+            <p:ph type="title"/>
+          </p:nvPr>
+        </p:nvSpPr>
+        <p:spPr/>
+        <p:txBody>
+          <a:bodyPr/>
+          <a:lstStyle/>
+          <a:p>
+            <a:r>
+              <a:rPr lang="fr-FR" dirty="0"/>
+              <a:t>Page d’accueil du backend</a:t>
+            </a:r>
+          </a:p>
+        </p:txBody>
+      </p:sp>
+      <p:sp>
+        <p:nvSpPr>
+          <p:cNvPr id="3" name="Espace réservé du contenu 2">
+            <a:extLst>
+              <a:ext uri="{FF2B5EF4-FFF2-40B4-BE49-F238E27FC236}">
+                <a16:creationId xmlns:a16="http://schemas.microsoft.com/office/drawing/2014/main" id="{BC6990C2-ACD6-497B-935E-476AB47B9BFB}"/>
+              </a:ext>
+            </a:extLst>
+          </p:cNvPr>
+          <p:cNvSpPr>
+            <a:spLocks noGrp="1"/>
+          </p:cNvSpPr>
+          <p:nvPr>
+            <p:ph idx="1"/>
+          </p:nvPr>
+        </p:nvSpPr>
+        <p:spPr/>
+        <p:txBody>
+          <a:bodyPr/>
+          <a:lstStyle/>
+          <a:p>
+            <a:r>
+              <a:rPr lang="fr-FR" dirty="0"/>
+              <a:t>Dans le backend, créer une page </a:t>
+            </a:r>
+            <a:r>
+              <a:rPr lang="fr-FR" dirty="0" err="1"/>
+              <a:t>home.jsp</a:t>
+            </a:r>
+            <a:r>
+              <a:rPr lang="fr-FR" dirty="0"/>
+              <a:t> vous indiquant dynamiquement l'identité de l'administrateur identifié, il faudra utiliser des scriptlets Java pour collecter cette information qui se trouve en session utilisateur et afficher cette information.</a:t>
+            </a:r>
+          </a:p>
+          <a:p>
+            <a:endParaRPr lang="fr-FR" dirty="0"/>
+          </a:p>
+          <a:p>
+            <a:r>
+              <a:rPr lang="fr-FR" dirty="0"/>
+              <a:t>N'oubliez pas de modifier tous les liens (balises &lt;a href="home"&gt;) qui menaient à la Servlet, ils doivent désormais mener vers </a:t>
+            </a:r>
+            <a:r>
+              <a:rPr lang="fr-FR" dirty="0" err="1"/>
+              <a:t>home.jsp</a:t>
+            </a:r>
+            <a:r>
+              <a:rPr lang="fr-FR" dirty="0"/>
+              <a:t>.</a:t>
+            </a:r>
+          </a:p>
+          <a:p>
+            <a:endParaRPr lang="fr-FR" dirty="0"/>
+          </a:p>
+          <a:p>
+            <a:r>
+              <a:rPr lang="fr-FR" dirty="0"/>
+              <a:t>Effacez </a:t>
+            </a:r>
+            <a:r>
+              <a:rPr lang="fr-FR" dirty="0" err="1"/>
+              <a:t>index.jsp</a:t>
+            </a:r>
+            <a:r>
+              <a:rPr lang="fr-FR" dirty="0"/>
+              <a:t> puis renommez </a:t>
+            </a:r>
+            <a:r>
+              <a:rPr lang="fr-FR" dirty="0" err="1"/>
+              <a:t>home.jsp</a:t>
+            </a:r>
+            <a:r>
+              <a:rPr lang="fr-FR" dirty="0"/>
+              <a:t> en </a:t>
+            </a:r>
+            <a:r>
+              <a:rPr lang="fr-FR" dirty="0" err="1"/>
+              <a:t>index.jsp</a:t>
+            </a:r>
+            <a:endParaRPr lang="fr-FR" dirty="0"/>
+          </a:p>
+          <a:p>
+            <a:endParaRPr lang="fr-FR" dirty="0"/>
+          </a:p>
+        </p:txBody>
+      </p:sp>
+    </p:spTree>
+    <p:extLst>
+      <p:ext uri="{BB962C8B-B14F-4D97-AF65-F5344CB8AC3E}">
+        <p14:creationId xmlns:p14="http://schemas.microsoft.com/office/powerpoint/2010/main" val="2798982957"/>
+      </p:ext>
+    </p:extLst>
+  </p:cSld>
+  <p:clrMapOvr>
+    <a:masterClrMapping/>
+  </p:clrMapOvr>
+</p:sld>
+</file>
+
+<file path=ppt/slides/slide14.xml><?xml version="1.0" encoding="utf-8"?>
+<p:sld xmlns:a="http://schemas.openxmlformats.org/drawingml/2006/main" xmlns:r="http://schemas.openxmlformats.org/officeDocument/2006/relationships" xmlns:p="http://schemas.openxmlformats.org/presentationml/2006/main">
+  <p:cSld>
+    <p:spTree>
+      <p:nvGrpSpPr>
+        <p:cNvPr id="1" name=""/>
+        <p:cNvGrpSpPr/>
+        <p:nvPr/>
+      </p:nvGrpSpPr>
+      <p:grpSpPr>
+        <a:xfrm>
+          <a:off x="0" y="0"/>
+          <a:ext cx="0" cy="0"/>
+          <a:chOff x="0" y="0"/>
+          <a:chExt cx="0" cy="0"/>
+        </a:xfrm>
+      </p:grpSpPr>
+      <p:sp>
+        <p:nvSpPr>
+          <p:cNvPr id="2" name="Titre 1">
+            <a:extLst>
+              <a:ext uri="{FF2B5EF4-FFF2-40B4-BE49-F238E27FC236}">
+                <a16:creationId xmlns:a16="http://schemas.microsoft.com/office/drawing/2014/main" id="{DFE01BD6-8EBF-4B16-A765-3C7ADD8C1ADD}"/>
+              </a:ext>
+            </a:extLst>
+          </p:cNvPr>
+          <p:cNvSpPr>
+            <a:spLocks noGrp="1"/>
+          </p:cNvSpPr>
+          <p:nvPr>
+            <p:ph type="title"/>
+          </p:nvPr>
+        </p:nvSpPr>
+        <p:spPr/>
+        <p:txBody>
+          <a:bodyPr/>
+          <a:lstStyle/>
+          <a:p>
+            <a:r>
+              <a:rPr lang="fr-FR" dirty="0"/>
+              <a:t>Le catalogue des œuvres en </a:t>
+            </a:r>
+            <a:r>
+              <a:rPr lang="fr-FR" dirty="0" err="1"/>
+              <a:t>Jsp</a:t>
+            </a:r>
+            <a:endParaRPr lang="fr-FR" dirty="0"/>
+          </a:p>
+        </p:txBody>
+      </p:sp>
+      <p:sp>
+        <p:nvSpPr>
+          <p:cNvPr id="3" name="Espace réservé du contenu 2">
+            <a:extLst>
+              <a:ext uri="{FF2B5EF4-FFF2-40B4-BE49-F238E27FC236}">
+                <a16:creationId xmlns:a16="http://schemas.microsoft.com/office/drawing/2014/main" id="{CD7C1DB3-6AC5-45DC-97CD-C176BD9F5C60}"/>
+              </a:ext>
+            </a:extLst>
+          </p:cNvPr>
+          <p:cNvSpPr>
+            <a:spLocks noGrp="1"/>
+          </p:cNvSpPr>
+          <p:nvPr>
+            <p:ph idx="1"/>
+          </p:nvPr>
+        </p:nvSpPr>
+        <p:spPr/>
+        <p:txBody>
+          <a:bodyPr/>
+          <a:lstStyle/>
+          <a:p>
+            <a:r>
+              <a:rPr lang="fr-FR" dirty="0"/>
+              <a:t>Transformez la servlet CatalogueServlet.java en page JSP </a:t>
+            </a:r>
+            <a:r>
+              <a:rPr lang="fr-FR" dirty="0" err="1"/>
+              <a:t>catalogue.jsp</a:t>
+            </a:r>
+            <a:r>
+              <a:rPr lang="fr-FR" dirty="0"/>
+              <a:t> dans le backoffice.</a:t>
+            </a:r>
+          </a:p>
+          <a:p>
+            <a:endParaRPr lang="fr-FR" dirty="0"/>
+          </a:p>
+          <a:p>
+            <a:r>
+              <a:rPr lang="fr-FR" dirty="0"/>
+              <a:t>Nous n'allons cependant pas le faire dans le front-office bien que ce soit techniquement possible.</a:t>
+            </a:r>
+          </a:p>
+          <a:p>
+            <a:endParaRPr lang="fr-FR" dirty="0"/>
+          </a:p>
+          <a:p>
+            <a:r>
+              <a:rPr lang="fr-FR" dirty="0"/>
+              <a:t>N'oubliez pas de modifier l'URL du lien qui mène vers le catalogue et qui s'affiche dans la page d'accueil.</a:t>
+            </a:r>
+          </a:p>
+          <a:p>
+            <a:endParaRPr lang="fr-FR" dirty="0"/>
+          </a:p>
+          <a:p>
+            <a:r>
+              <a:rPr lang="fr-FR" dirty="0"/>
+              <a:t>Ne supprimez pas CatalogueServlet.java bien que cette classe ne soit théoriquement plus nécessaire à l'issue de l'exercice.</a:t>
+            </a:r>
+          </a:p>
+        </p:txBody>
+      </p:sp>
+    </p:spTree>
+    <p:extLst>
+      <p:ext uri="{BB962C8B-B14F-4D97-AF65-F5344CB8AC3E}">
+        <p14:creationId xmlns:p14="http://schemas.microsoft.com/office/powerpoint/2010/main" val="2358178818"/>
+      </p:ext>
+    </p:extLst>
+  </p:cSld>
+  <p:clrMapOvr>
+    <a:masterClrMapping/>
+  </p:clrMapOvr>
+</p:sld>
+</file>
+
+<file path=ppt/slides/slide15.xml><?xml version="1.0" encoding="utf-8"?>
+<p:sld xmlns:a="http://schemas.openxmlformats.org/drawingml/2006/main" xmlns:r="http://schemas.openxmlformats.org/officeDocument/2006/relationships" xmlns:p="http://schemas.openxmlformats.org/presentationml/2006/main">
+  <p:cSld>
+    <p:spTree>
+      <p:nvGrpSpPr>
+        <p:cNvPr id="1" name=""/>
+        <p:cNvGrpSpPr/>
+        <p:nvPr/>
+      </p:nvGrpSpPr>
+      <p:grpSpPr>
+        <a:xfrm>
+          <a:off x="0" y="0"/>
+          <a:ext cx="0" cy="0"/>
+          <a:chOff x="0" y="0"/>
+          <a:chExt cx="0" cy="0"/>
+        </a:xfrm>
+      </p:grpSpPr>
+      <p:sp>
+        <p:nvSpPr>
+          <p:cNvPr id="2" name="Titre 1">
+            <a:extLst>
+              <a:ext uri="{FF2B5EF4-FFF2-40B4-BE49-F238E27FC236}">
+                <a16:creationId xmlns:a16="http://schemas.microsoft.com/office/drawing/2014/main" id="{DA870A17-23B0-4D97-BE69-2026120E1871}"/>
+              </a:ext>
+            </a:extLst>
+          </p:cNvPr>
+          <p:cNvSpPr>
+            <a:spLocks noGrp="1"/>
+          </p:cNvSpPr>
+          <p:nvPr>
+            <p:ph type="title"/>
+          </p:nvPr>
+        </p:nvSpPr>
+        <p:spPr/>
+        <p:txBody>
+          <a:bodyPr/>
+          <a:lstStyle/>
+          <a:p>
+            <a:r>
+              <a:rPr lang="fr-FR" sz="3600" dirty="0">
+                <a:effectLst/>
+                <a:latin typeface="Calibri" panose="020F0502020204030204" pitchFamily="34" charset="0"/>
+                <a:ea typeface="Calibri" panose="020F0502020204030204" pitchFamily="34" charset="0"/>
+                <a:cs typeface="Times New Roman" panose="02020603050405020304" pitchFamily="18" charset="0"/>
+              </a:rPr>
+              <a:t>Afficher l’identifiant de l’administrateur avec les JSP EL</a:t>
+            </a:r>
+            <a:endParaRPr lang="fr-FR" dirty="0"/>
+          </a:p>
+        </p:txBody>
+      </p:sp>
+      <p:sp>
+        <p:nvSpPr>
+          <p:cNvPr id="3" name="Espace réservé du contenu 2">
+            <a:extLst>
+              <a:ext uri="{FF2B5EF4-FFF2-40B4-BE49-F238E27FC236}">
+                <a16:creationId xmlns:a16="http://schemas.microsoft.com/office/drawing/2014/main" id="{2F60123E-F115-4CAD-82C7-56604B92614C}"/>
+              </a:ext>
+            </a:extLst>
+          </p:cNvPr>
+          <p:cNvSpPr>
+            <a:spLocks noGrp="1"/>
+          </p:cNvSpPr>
+          <p:nvPr>
+            <p:ph idx="1"/>
+          </p:nvPr>
+        </p:nvSpPr>
+        <p:spPr/>
+        <p:txBody>
+          <a:bodyPr/>
+          <a:lstStyle/>
+          <a:p>
+            <a:r>
+              <a:rPr lang="fr-FR" dirty="0"/>
+              <a:t>Reprenez la page </a:t>
+            </a:r>
+            <a:r>
+              <a:rPr lang="fr-FR" dirty="0" err="1"/>
+              <a:t>index.jsp</a:t>
+            </a:r>
+            <a:r>
+              <a:rPr lang="fr-FR" dirty="0"/>
+              <a:t> du back-office et affichez l'identifiant de l'administrateur identifié en utilisant les</a:t>
+            </a:r>
+            <a:r>
+              <a:rPr lang="fr-FR" b="1" dirty="0"/>
+              <a:t> JSP EL</a:t>
+            </a:r>
+            <a:r>
+              <a:rPr lang="fr-FR" dirty="0"/>
+              <a:t>.</a:t>
+            </a:r>
+          </a:p>
+        </p:txBody>
+      </p:sp>
+    </p:spTree>
+    <p:extLst>
+      <p:ext uri="{BB962C8B-B14F-4D97-AF65-F5344CB8AC3E}">
+        <p14:creationId xmlns:p14="http://schemas.microsoft.com/office/powerpoint/2010/main" val="3514580993"/>
+      </p:ext>
+    </p:extLst>
+  </p:cSld>
+  <p:clrMapOvr>
+    <a:masterClrMapping/>
+  </p:clrMapOvr>
+</p:sld>
+</file>
+
+<file path=ppt/slides/slide16.xml><?xml version="1.0" encoding="utf-8"?>
+<p:sld xmlns:a="http://schemas.openxmlformats.org/drawingml/2006/main" xmlns:r="http://schemas.openxmlformats.org/officeDocument/2006/relationships" xmlns:p="http://schemas.openxmlformats.org/presentationml/2006/main">
+  <p:cSld>
+    <p:spTree>
+      <p:nvGrpSpPr>
+        <p:cNvPr id="1" name=""/>
+        <p:cNvGrpSpPr/>
+        <p:nvPr/>
+      </p:nvGrpSpPr>
+      <p:grpSpPr>
+        <a:xfrm>
+          <a:off x="0" y="0"/>
+          <a:ext cx="0" cy="0"/>
+          <a:chOff x="0" y="0"/>
+          <a:chExt cx="0" cy="0"/>
+        </a:xfrm>
+      </p:grpSpPr>
+      <p:sp>
+        <p:nvSpPr>
+          <p:cNvPr id="2" name="Titre 1">
+            <a:extLst>
+              <a:ext uri="{FF2B5EF4-FFF2-40B4-BE49-F238E27FC236}">
+                <a16:creationId xmlns:a16="http://schemas.microsoft.com/office/drawing/2014/main" id="{4963FAED-BB71-4E3F-8A81-418DE98A990C}"/>
+              </a:ext>
+            </a:extLst>
+          </p:cNvPr>
+          <p:cNvSpPr>
+            <a:spLocks noGrp="1"/>
+          </p:cNvSpPr>
+          <p:nvPr>
+            <p:ph type="title"/>
+          </p:nvPr>
+        </p:nvSpPr>
+        <p:spPr/>
+        <p:txBody>
+          <a:bodyPr/>
+          <a:lstStyle/>
+          <a:p>
+            <a:r>
+              <a:rPr lang="fr-FR" sz="3600" dirty="0">
+                <a:effectLst/>
+                <a:latin typeface="Calibri" panose="020F0502020204030204" pitchFamily="34" charset="0"/>
+                <a:ea typeface="Calibri" panose="020F0502020204030204" pitchFamily="34" charset="0"/>
+                <a:cs typeface="Times New Roman" panose="02020603050405020304" pitchFamily="18" charset="0"/>
+              </a:rPr>
+              <a:t>Afficher le descriptif de l’œuvre avec le pattern MVC</a:t>
+            </a:r>
+            <a:endParaRPr lang="fr-FR" dirty="0"/>
+          </a:p>
+        </p:txBody>
+      </p:sp>
+      <p:sp>
+        <p:nvSpPr>
+          <p:cNvPr id="3" name="Espace réservé du contenu 2">
+            <a:extLst>
+              <a:ext uri="{FF2B5EF4-FFF2-40B4-BE49-F238E27FC236}">
+                <a16:creationId xmlns:a16="http://schemas.microsoft.com/office/drawing/2014/main" id="{0DDA0EE7-6DB6-4576-8C4C-8632C769F471}"/>
+              </a:ext>
+            </a:extLst>
+          </p:cNvPr>
+          <p:cNvSpPr>
+            <a:spLocks noGrp="1"/>
+          </p:cNvSpPr>
+          <p:nvPr>
+            <p:ph idx="1"/>
+          </p:nvPr>
+        </p:nvSpPr>
+        <p:spPr/>
+        <p:txBody>
+          <a:bodyPr>
+            <a:normAutofit fontScale="85000" lnSpcReduction="20000"/>
+          </a:bodyPr>
+          <a:lstStyle/>
+          <a:p>
+            <a:r>
+              <a:rPr lang="fr-FR" dirty="0"/>
+              <a:t>L’affichage des détails de l’œuvre est actuellement pris en charge par la Servlet </a:t>
+            </a:r>
+            <a:r>
+              <a:rPr lang="fr-FR" b="1" dirty="0" err="1"/>
+              <a:t>WorkDetailsServlet</a:t>
+            </a:r>
+            <a:r>
+              <a:rPr lang="fr-FR" dirty="0"/>
+              <a:t> et celle-ci s'occupe actuellement de tout :</a:t>
+            </a:r>
+          </a:p>
+          <a:p>
+            <a:pPr marL="0" indent="0">
+              <a:buNone/>
+            </a:pPr>
+            <a:endParaRPr lang="fr-FR" dirty="0"/>
+          </a:p>
+          <a:p>
+            <a:pPr lvl="1">
+              <a:buFont typeface="Arial" panose="020B0604020202020204" pitchFamily="34" charset="0"/>
+              <a:buChar char="•"/>
+            </a:pPr>
+            <a:r>
+              <a:rPr lang="fr-FR" dirty="0"/>
+              <a:t>Retrouver dans le catalogue l’œuvre correspondant à l'identifiant fourni</a:t>
+            </a:r>
+          </a:p>
+          <a:p>
+            <a:pPr lvl="1">
+              <a:buFont typeface="Arial" panose="020B0604020202020204" pitchFamily="34" charset="0"/>
+              <a:buChar char="•"/>
+            </a:pPr>
+            <a:r>
+              <a:rPr lang="fr-FR" dirty="0"/>
+              <a:t>Afficher le descriptif</a:t>
+            </a:r>
+          </a:p>
+          <a:p>
+            <a:endParaRPr lang="fr-FR" dirty="0"/>
+          </a:p>
+          <a:p>
+            <a:r>
+              <a:rPr lang="fr-FR" dirty="0"/>
+              <a:t>Nous allons modifier la servlet de manière à ce qu'elle ne prenne plus en charge l'affichage.</a:t>
+            </a:r>
+          </a:p>
+          <a:p>
+            <a:pPr marL="0" indent="0">
+              <a:buNone/>
+            </a:pPr>
+            <a:endParaRPr lang="fr-FR" dirty="0"/>
+          </a:p>
+          <a:p>
+            <a:pPr lvl="1">
+              <a:buFont typeface="Wingdings" panose="05000000000000000000" pitchFamily="2" charset="2"/>
+              <a:buChar char="§"/>
+            </a:pPr>
+            <a:r>
+              <a:rPr lang="fr-FR" dirty="0"/>
+              <a:t>Cette dernière va toujours retrouver dans le catalogue l’œuvre correspondant à l'identifiant fourni</a:t>
+            </a:r>
+          </a:p>
+          <a:p>
+            <a:pPr lvl="1">
+              <a:buFont typeface="Wingdings" panose="05000000000000000000" pitchFamily="2" charset="2"/>
+              <a:buChar char="§"/>
+            </a:pPr>
+            <a:r>
+              <a:rPr lang="fr-FR" dirty="0"/>
+              <a:t>Stocker en scope </a:t>
+            </a:r>
+            <a:r>
+              <a:rPr lang="fr-FR" b="1" dirty="0" err="1"/>
+              <a:t>request</a:t>
+            </a:r>
+            <a:r>
+              <a:rPr lang="fr-FR" b="1" dirty="0"/>
+              <a:t> </a:t>
+            </a:r>
+            <a:r>
+              <a:rPr lang="fr-FR" dirty="0"/>
+              <a:t>l’œuvre</a:t>
+            </a:r>
+          </a:p>
+          <a:p>
+            <a:pPr lvl="1">
+              <a:buFont typeface="Wingdings" panose="05000000000000000000" pitchFamily="2" charset="2"/>
+              <a:buChar char="§"/>
+            </a:pPr>
+            <a:r>
+              <a:rPr lang="fr-FR" dirty="0"/>
+              <a:t>Collaborer avec une page JSP </a:t>
+            </a:r>
+            <a:r>
+              <a:rPr lang="fr-FR" b="1" dirty="0" err="1"/>
+              <a:t>work-details.jsp</a:t>
+            </a:r>
+            <a:r>
+              <a:rPr lang="fr-FR" dirty="0"/>
+              <a:t> pour l'affichage </a:t>
+            </a:r>
+          </a:p>
+          <a:p>
+            <a:pPr lvl="1">
+              <a:buFont typeface="Wingdings" panose="05000000000000000000" pitchFamily="2" charset="2"/>
+              <a:buChar char="§"/>
+            </a:pPr>
+            <a:r>
+              <a:rPr lang="fr-FR" dirty="0"/>
+              <a:t>Il va également falloir écrire cette page JSP qui grâce aux JSP EL ne devrait pas comporter une seule ligne de code Java.</a:t>
+            </a:r>
+          </a:p>
+          <a:p>
+            <a:endParaRPr lang="fr-FR" dirty="0"/>
+          </a:p>
+        </p:txBody>
+      </p:sp>
+    </p:spTree>
+    <p:extLst>
+      <p:ext uri="{BB962C8B-B14F-4D97-AF65-F5344CB8AC3E}">
+        <p14:creationId xmlns:p14="http://schemas.microsoft.com/office/powerpoint/2010/main" val="3218943392"/>
+      </p:ext>
+    </p:extLst>
+  </p:cSld>
+  <p:clrMapOvr>
+    <a:masterClrMapping/>
+  </p:clrMapOvr>
+</p:sld>
+</file>
+
 <file path=ppt/slides/slide2.xml><?xml version="1.0" encoding="utf-8"?>
 <p:sld xmlns:a="http://schemas.openxmlformats.org/drawingml/2006/main" xmlns:r="http://schemas.openxmlformats.org/officeDocument/2006/relationships" xmlns:p="http://schemas.openxmlformats.org/presentationml/2006/main">
   <p:cSld>
@@ -9866,6 +10980,69 @@
             </a:r>
           </a:p>
           <a:p>
+            <a:pPr marL="457200" lvl="1" indent="0">
+              <a:buNone/>
+            </a:pPr>
+            <a:r>
+              <a:rPr lang="fr-FR" dirty="0">
+                <a:solidFill>
+                  <a:srgbClr val="E8BF6A"/>
+                </a:solidFill>
+                <a:effectLst/>
+                <a:latin typeface="Calibri" panose="020F0502020204030204" pitchFamily="34" charset="0"/>
+                <a:ea typeface="Calibri" panose="020F0502020204030204" pitchFamily="34" charset="0"/>
+                <a:cs typeface="Times New Roman" panose="02020603050405020304" pitchFamily="18" charset="0"/>
+              </a:rPr>
+              <a:t>&lt;input </a:t>
+            </a:r>
+            <a:r>
+              <a:rPr lang="fr-FR" dirty="0">
+                <a:solidFill>
+                  <a:srgbClr val="BABABA"/>
+                </a:solidFill>
+                <a:effectLst/>
+                <a:latin typeface="Calibri" panose="020F0502020204030204" pitchFamily="34" charset="0"/>
+                <a:ea typeface="Calibri" panose="020F0502020204030204" pitchFamily="34" charset="0"/>
+                <a:cs typeface="Times New Roman" panose="02020603050405020304" pitchFamily="18" charset="0"/>
+              </a:rPr>
+              <a:t>type</a:t>
+            </a:r>
+            <a:r>
+              <a:rPr lang="fr-FR" dirty="0">
+                <a:solidFill>
+                  <a:srgbClr val="A5C261"/>
+                </a:solidFill>
+                <a:effectLst/>
+                <a:latin typeface="Calibri" panose="020F0502020204030204" pitchFamily="34" charset="0"/>
+                <a:ea typeface="Calibri" panose="020F0502020204030204" pitchFamily="34" charset="0"/>
+                <a:cs typeface="Times New Roman" panose="02020603050405020304" pitchFamily="18" charset="0"/>
+              </a:rPr>
+              <a:t>="</a:t>
+            </a:r>
+            <a:r>
+              <a:rPr lang="fr-FR" dirty="0" err="1">
+                <a:solidFill>
+                  <a:srgbClr val="A5C261"/>
+                </a:solidFill>
+                <a:effectLst/>
+                <a:latin typeface="Calibri" panose="020F0502020204030204" pitchFamily="34" charset="0"/>
+                <a:ea typeface="Calibri" panose="020F0502020204030204" pitchFamily="34" charset="0"/>
+                <a:cs typeface="Times New Roman" panose="02020603050405020304" pitchFamily="18" charset="0"/>
+              </a:rPr>
+              <a:t>password</a:t>
+            </a:r>
+            <a:r>
+              <a:rPr lang="fr-FR" dirty="0">
+                <a:solidFill>
+                  <a:srgbClr val="A5C261"/>
+                </a:solidFill>
+                <a:effectLst/>
+                <a:latin typeface="Calibri" panose="020F0502020204030204" pitchFamily="34" charset="0"/>
+                <a:ea typeface="Calibri" panose="020F0502020204030204" pitchFamily="34" charset="0"/>
+                <a:cs typeface="Times New Roman" panose="02020603050405020304" pitchFamily="18" charset="0"/>
+              </a:rPr>
+              <a:t>"</a:t>
+            </a:r>
             <a:endParaRPr lang="fr-FR" dirty="0"/>
           </a:p>
           <a:p>
@@ -11100,20 +12277,7 @@
                 <a:effectLst/>
                 <a:latin typeface="sf pro text"/>
               </a:rPr>
-              <a:t>La servlet retournera enfin un contenu HTML permettant </a:t>
-            </a:r>
-            <a:r>
-              <a:rPr kumimoji="0" lang="fr-FR" altLang="fr-FR" sz="1200" b="0" i="0" u="none" strike="noStrike" cap="none" normalizeH="0" baseline="0">
-                <a:ln>
-                  <a:noFill/>
-                </a:ln>
-                <a:solidFill>
-                  <a:srgbClr val="1C1D1F"/>
-                </a:solidFill>
-                <a:effectLst/>
-                <a:latin typeface="sf pro text"/>
-              </a:rPr>
-              <a:t>d'afficher :</a:t>
+              <a:t>La servlet retournera enfin un contenu HTML permettant d'afficher :</a:t>
             </a:r>
           </a:p>
           <a:p>
@@ -11231,6 +12395,216 @@
     <p:extLst>
       <p:ext uri="{BB962C8B-B14F-4D97-AF65-F5344CB8AC3E}">
         <p14:creationId xmlns:p14="http://schemas.microsoft.com/office/powerpoint/2010/main" val="1895270715"/>
+      </p:ext>
+    </p:extLst>
+  </p:cSld>
+  <p:clrMapOvr>
+    <a:masterClrMapping/>
+  </p:clrMapOvr>
+</p:sld>
+</file>
+
+<file path=ppt/slides/slide9.xml><?xml version="1.0" encoding="utf-8"?>
+<p:sld xmlns:a="http://schemas.openxmlformats.org/drawingml/2006/main" xmlns:r="http://schemas.openxmlformats.org/officeDocument/2006/relationships" xmlns:p="http://schemas.openxmlformats.org/presentationml/2006/main">
+  <p:cSld>
+    <p:spTree>
+      <p:nvGrpSpPr>
+        <p:cNvPr id="1" name=""/>
+        <p:cNvGrpSpPr/>
+        <p:nvPr/>
+      </p:nvGrpSpPr>
+      <p:grpSpPr>
+        <a:xfrm>
+          <a:off x="0" y="0"/>
+          <a:ext cx="0" cy="0"/>
+          <a:chOff x="0" y="0"/>
+          <a:chExt cx="0" cy="0"/>
+        </a:xfrm>
+      </p:grpSpPr>
+      <p:sp>
+        <p:nvSpPr>
+          <p:cNvPr id="2" name="Titre 1">
+            <a:extLst>
+              <a:ext uri="{FF2B5EF4-FFF2-40B4-BE49-F238E27FC236}">
+                <a16:creationId xmlns:a16="http://schemas.microsoft.com/office/drawing/2014/main" id="{C23E7CB5-85D4-4370-906E-64074A30E85B}"/>
+              </a:ext>
+            </a:extLst>
+          </p:cNvPr>
+          <p:cNvSpPr>
+            <a:spLocks noGrp="1"/>
+          </p:cNvSpPr>
+          <p:nvPr>
+            <p:ph type="title"/>
+          </p:nvPr>
+        </p:nvSpPr>
+        <p:spPr/>
+        <p:txBody>
+          <a:bodyPr/>
+          <a:lstStyle/>
+          <a:p>
+            <a:r>
+              <a:rPr lang="fr-FR" dirty="0"/>
+              <a:t>Déconnexion du backend</a:t>
+            </a:r>
+          </a:p>
+        </p:txBody>
+      </p:sp>
+      <p:sp>
+        <p:nvSpPr>
+          <p:cNvPr id="3" name="Espace réservé du contenu 2">
+            <a:extLst>
+              <a:ext uri="{FF2B5EF4-FFF2-40B4-BE49-F238E27FC236}">
+                <a16:creationId xmlns:a16="http://schemas.microsoft.com/office/drawing/2014/main" id="{37B341D9-A27E-40FE-8477-667F5A06B02A}"/>
+              </a:ext>
+            </a:extLst>
+          </p:cNvPr>
+          <p:cNvSpPr>
+            <a:spLocks noGrp="1"/>
+          </p:cNvSpPr>
+          <p:nvPr>
+            <p:ph idx="1"/>
+          </p:nvPr>
+        </p:nvSpPr>
+        <p:spPr/>
+        <p:txBody>
+          <a:bodyPr>
+            <a:normAutofit/>
+          </a:bodyPr>
+          <a:lstStyle/>
+          <a:p>
+            <a:r>
+              <a:rPr lang="fr-FR" dirty="0"/>
+              <a:t>Dans l'application back-office, ajoutez à l’administrateur dans la page d'accueil, (</a:t>
+            </a:r>
+            <a:r>
+              <a:rPr lang="fr-FR" dirty="0" err="1"/>
+              <a:t>homeServlet</a:t>
+            </a:r>
+            <a:r>
+              <a:rPr lang="fr-FR" dirty="0"/>
+              <a:t>) un lien cliquable qu’il lui permette de terminer sa session (</a:t>
+            </a:r>
+            <a:r>
+              <a:rPr lang="fr-FR" dirty="0" err="1"/>
+              <a:t>logout</a:t>
+            </a:r>
+            <a:r>
+              <a:rPr lang="fr-FR" dirty="0"/>
+              <a:t>), affichant Bonjour </a:t>
+            </a:r>
+            <a:r>
+              <a:rPr lang="fr-FR" dirty="0" err="1"/>
+              <a:t>michel</a:t>
+            </a:r>
+            <a:r>
+              <a:rPr lang="fr-FR" dirty="0"/>
+              <a:t> (Déconnexion).</a:t>
+            </a:r>
+          </a:p>
+          <a:p>
+            <a:pPr marL="0" indent="0">
+              <a:buNone/>
+            </a:pPr>
+            <a:r>
+              <a:rPr lang="fr-FR" dirty="0"/>
+              <a:t> </a:t>
+            </a:r>
+          </a:p>
+          <a:p>
+            <a:r>
+              <a:rPr lang="fr-FR" dirty="0"/>
+              <a:t>Ce lien mènera vers une Servlet </a:t>
+            </a:r>
+            <a:r>
+              <a:rPr lang="fr-FR" dirty="0" err="1"/>
+              <a:t>LogoutServlet</a:t>
+            </a:r>
+            <a:r>
+              <a:rPr lang="fr-FR" dirty="0"/>
+              <a:t>  qui devra afficher :</a:t>
+            </a:r>
+          </a:p>
+          <a:p>
+            <a:pPr marL="400050" lvl="1" indent="0">
+              <a:buNone/>
+            </a:pPr>
+            <a:r>
+              <a:rPr lang="fr-FR" dirty="0"/>
+              <a:t>Vous avez été déconnecté, cliquez ici pour vous reconnecter à nouveau.</a:t>
+            </a:r>
+          </a:p>
+          <a:p>
+            <a:pPr marL="400050" lvl="1" indent="0">
+              <a:buNone/>
+            </a:pPr>
+            <a:r>
+              <a:rPr lang="fr-FR" dirty="0"/>
+              <a:t>ici étant un lien qui mène vers la page login.html.</a:t>
+            </a:r>
+          </a:p>
+          <a:p>
+            <a:pPr marL="1257300" lvl="3" indent="0">
+              <a:buNone/>
+            </a:pPr>
+            <a:r>
+              <a:rPr lang="fr-FR" dirty="0"/>
+              <a:t>// fermeture session</a:t>
+            </a:r>
+          </a:p>
+          <a:p>
+            <a:pPr marL="800100" lvl="2" indent="0">
+              <a:buNone/>
+            </a:pPr>
+            <a:r>
+              <a:rPr lang="fr-FR" dirty="0"/>
+              <a:t>        </a:t>
+            </a:r>
+            <a:r>
+              <a:rPr lang="fr-FR" dirty="0" err="1"/>
+              <a:t>request.getSession</a:t>
+            </a:r>
+            <a:r>
+              <a:rPr lang="fr-FR" dirty="0"/>
+              <a:t>().</a:t>
+            </a:r>
+            <a:r>
+              <a:rPr lang="fr-FR" dirty="0" err="1"/>
+              <a:t>invalidate</a:t>
+            </a:r>
+            <a:r>
+              <a:rPr lang="fr-FR" dirty="0"/>
+              <a:t>()</a:t>
+            </a:r>
+          </a:p>
+          <a:p>
+            <a:pPr marL="400050" lvl="1" indent="0">
+              <a:buNone/>
+            </a:pPr>
+            <a:endParaRPr lang="fr-FR" dirty="0"/>
+          </a:p>
+          <a:p>
+            <a:pPr marL="400050" lvl="1" indent="0">
+              <a:buNone/>
+            </a:pPr>
+            <a:r>
+              <a:rPr lang="fr-FR" dirty="0"/>
+              <a:t>Attention : cette servlet est appelée via un lien de formulaire et donc transmis en </a:t>
+            </a:r>
+            <a:r>
+              <a:rPr lang="fr-FR" dirty="0" err="1"/>
+              <a:t>Get</a:t>
+            </a:r>
+            <a:r>
+              <a:rPr lang="fr-FR" dirty="0"/>
+              <a:t>.</a:t>
+            </a:r>
+          </a:p>
+        </p:txBody>
+      </p:sp>
+    </p:spTree>
+    <p:extLst>
+      <p:ext uri="{BB962C8B-B14F-4D97-AF65-F5344CB8AC3E}">
+        <p14:creationId xmlns:p14="http://schemas.microsoft.com/office/powerpoint/2010/main" val="2602292896"/>
       </p:ext>
     </p:extLst>
   </p:cSld>

--- a/cours/Jee/Exercices Jee.pptx
+++ b/cours/Jee/Exercices Jee.pptx
@@ -5,7 +5,7 @@
     <p:sldMasterId id="2147483708" r:id="rId1"/>
   </p:sldMasterIdLst>
   <p:notesMasterIdLst>
-    <p:notesMasterId r:id="rId18"/>
+    <p:notesMasterId r:id="rId19"/>
   </p:notesMasterIdLst>
   <p:sldIdLst>
     <p:sldId id="256" r:id="rId2"/>
@@ -24,6 +24,7 @@
     <p:sldId id="269" r:id="rId15"/>
     <p:sldId id="270" r:id="rId16"/>
     <p:sldId id="271" r:id="rId17"/>
+    <p:sldId id="272" r:id="rId18"/>
   </p:sldIdLst>
   <p:sldSz cx="12192000" cy="6858000"/>
   <p:notesSz cx="6858000" cy="9144000"/>
@@ -212,7 +213,7 @@
           <a:p>
             <a:fld id="{80E0B668-02A6-400A-9ABF-0CC9107A0F09}" type="datetimeFigureOut">
               <a:rPr lang="fr-FR" smtClean="0"/>
-              <a:t>14/03/2022</a:t>
+              <a:t>16/03/2022</a:t>
             </a:fld>
             <a:endParaRPr lang="fr-FR"/>
           </a:p>
@@ -2397,7 +2398,7 @@
           <a:p>
             <a:fld id="{9057227A-9165-461E-AB95-6EE7B3088545}" type="datetimeFigureOut">
               <a:rPr lang="fr-FR" smtClean="0"/>
-              <a:t>14/03/2022</a:t>
+              <a:t>16/03/2022</a:t>
             </a:fld>
             <a:endParaRPr lang="fr-FR"/>
           </a:p>
@@ -2648,7 +2649,7 @@
           <a:p>
             <a:fld id="{9057227A-9165-461E-AB95-6EE7B3088545}" type="datetimeFigureOut">
               <a:rPr lang="fr-FR" smtClean="0"/>
-              <a:t>14/03/2022</a:t>
+              <a:t>16/03/2022</a:t>
             </a:fld>
             <a:endParaRPr lang="fr-FR"/>
           </a:p>
@@ -2962,7 +2963,7 @@
           <a:p>
             <a:fld id="{9057227A-9165-461E-AB95-6EE7B3088545}" type="datetimeFigureOut">
               <a:rPr lang="fr-FR" smtClean="0"/>
-              <a:t>14/03/2022</a:t>
+              <a:t>16/03/2022</a:t>
             </a:fld>
             <a:endParaRPr lang="fr-FR"/>
           </a:p>
@@ -3303,7 +3304,7 @@
           <a:p>
             <a:fld id="{9057227A-9165-461E-AB95-6EE7B3088545}" type="datetimeFigureOut">
               <a:rPr lang="fr-FR" smtClean="0"/>
-              <a:t>14/03/2022</a:t>
+              <a:t>16/03/2022</a:t>
             </a:fld>
             <a:endParaRPr lang="fr-FR"/>
           </a:p>
@@ -3617,7 +3618,7 @@
           <a:p>
             <a:fld id="{9057227A-9165-461E-AB95-6EE7B3088545}" type="datetimeFigureOut">
               <a:rPr lang="fr-FR" smtClean="0"/>
-              <a:t>14/03/2022</a:t>
+              <a:t>16/03/2022</a:t>
             </a:fld>
             <a:endParaRPr lang="fr-FR"/>
           </a:p>
@@ -4010,7 +4011,7 @@
           <a:p>
             <a:fld id="{9057227A-9165-461E-AB95-6EE7B3088545}" type="datetimeFigureOut">
               <a:rPr lang="fr-FR" smtClean="0"/>
-              <a:t>14/03/2022</a:t>
+              <a:t>16/03/2022</a:t>
             </a:fld>
             <a:endParaRPr lang="fr-FR"/>
           </a:p>
@@ -4180,7 +4181,7 @@
           <a:p>
             <a:fld id="{9057227A-9165-461E-AB95-6EE7B3088545}" type="datetimeFigureOut">
               <a:rPr lang="fr-FR" smtClean="0"/>
-              <a:t>14/03/2022</a:t>
+              <a:t>16/03/2022</a:t>
             </a:fld>
             <a:endParaRPr lang="fr-FR"/>
           </a:p>
@@ -4360,7 +4361,7 @@
           <a:p>
             <a:fld id="{9057227A-9165-461E-AB95-6EE7B3088545}" type="datetimeFigureOut">
               <a:rPr lang="fr-FR" smtClean="0"/>
-              <a:t>14/03/2022</a:t>
+              <a:t>16/03/2022</a:t>
             </a:fld>
             <a:endParaRPr lang="fr-FR"/>
           </a:p>
@@ -4536,7 +4537,7 @@
           <a:p>
             <a:fld id="{9057227A-9165-461E-AB95-6EE7B3088545}" type="datetimeFigureOut">
               <a:rPr lang="fr-FR" smtClean="0"/>
-              <a:t>14/03/2022</a:t>
+              <a:t>16/03/2022</a:t>
             </a:fld>
             <a:endParaRPr lang="fr-FR"/>
           </a:p>
@@ -4783,7 +4784,7 @@
           <a:p>
             <a:fld id="{9057227A-9165-461E-AB95-6EE7B3088545}" type="datetimeFigureOut">
               <a:rPr lang="fr-FR" smtClean="0"/>
-              <a:t>14/03/2022</a:t>
+              <a:t>16/03/2022</a:t>
             </a:fld>
             <a:endParaRPr lang="fr-FR"/>
           </a:p>
@@ -5015,7 +5016,7 @@
           <a:p>
             <a:fld id="{9057227A-9165-461E-AB95-6EE7B3088545}" type="datetimeFigureOut">
               <a:rPr lang="fr-FR" smtClean="0"/>
-              <a:t>14/03/2022</a:t>
+              <a:t>16/03/2022</a:t>
             </a:fld>
             <a:endParaRPr lang="fr-FR"/>
           </a:p>
@@ -5389,7 +5390,7 @@
           <a:p>
             <a:fld id="{9057227A-9165-461E-AB95-6EE7B3088545}" type="datetimeFigureOut">
               <a:rPr lang="fr-FR" smtClean="0"/>
-              <a:t>14/03/2022</a:t>
+              <a:t>16/03/2022</a:t>
             </a:fld>
             <a:endParaRPr lang="fr-FR"/>
           </a:p>
@@ -5512,7 +5513,7 @@
           <a:p>
             <a:fld id="{9057227A-9165-461E-AB95-6EE7B3088545}" type="datetimeFigureOut">
               <a:rPr lang="fr-FR" smtClean="0"/>
-              <a:t>14/03/2022</a:t>
+              <a:t>16/03/2022</a:t>
             </a:fld>
             <a:endParaRPr lang="fr-FR"/>
           </a:p>
@@ -5607,7 +5608,7 @@
           <a:p>
             <a:fld id="{9057227A-9165-461E-AB95-6EE7B3088545}" type="datetimeFigureOut">
               <a:rPr lang="fr-FR" smtClean="0"/>
-              <a:t>14/03/2022</a:t>
+              <a:t>16/03/2022</a:t>
             </a:fld>
             <a:endParaRPr lang="fr-FR"/>
           </a:p>
@@ -5862,7 +5863,7 @@
           <a:p>
             <a:fld id="{9057227A-9165-461E-AB95-6EE7B3088545}" type="datetimeFigureOut">
               <a:rPr lang="fr-FR" smtClean="0"/>
-              <a:t>14/03/2022</a:t>
+              <a:t>16/03/2022</a:t>
             </a:fld>
             <a:endParaRPr lang="fr-FR"/>
           </a:p>
@@ -6125,7 +6126,7 @@
           <a:p>
             <a:fld id="{9057227A-9165-461E-AB95-6EE7B3088545}" type="datetimeFigureOut">
               <a:rPr lang="fr-FR" smtClean="0"/>
-              <a:t>14/03/2022</a:t>
+              <a:t>16/03/2022</a:t>
             </a:fld>
             <a:endParaRPr lang="fr-FR"/>
           </a:p>
@@ -6868,7 +6869,7 @@
           <a:p>
             <a:fld id="{9057227A-9165-461E-AB95-6EE7B3088545}" type="datetimeFigureOut">
               <a:rPr lang="fr-FR" smtClean="0"/>
-              <a:t>14/03/2022</a:t>
+              <a:t>16/03/2022</a:t>
             </a:fld>
             <a:endParaRPr lang="fr-FR"/>
           </a:p>
@@ -8724,7 +8725,9 @@
         </p:nvSpPr>
         <p:spPr/>
         <p:txBody>
-          <a:bodyPr/>
+          <a:bodyPr>
+            <a:normAutofit fontScale="92500" lnSpcReduction="20000"/>
+          </a:bodyPr>
           <a:lstStyle/>
           <a:p>
             <a:r>
@@ -8788,6 +8791,419 @@
             <a:endParaRPr lang="fr-FR" dirty="0"/>
           </a:p>
           <a:p>
+            <a:r>
+              <a:rPr lang="fr-FR" sz="1800" dirty="0">
+                <a:solidFill>
+                  <a:srgbClr val="CC7832"/>
+                </a:solidFill>
+                <a:effectLst/>
+                <a:latin typeface="Courier New" panose="02070309020205020404" pitchFamily="49" charset="0"/>
+                <a:ea typeface="Times New Roman" panose="02020603050405020304" pitchFamily="18" charset="0"/>
+              </a:rPr>
+              <a:t>&lt;%</a:t>
+            </a:r>
+            <a:br>
+              <a:rPr lang="fr-FR" sz="1800" dirty="0">
+                <a:solidFill>
+                  <a:srgbClr val="CC7832"/>
+                </a:solidFill>
+                <a:effectLst/>
+                <a:latin typeface="Courier New" panose="02070309020205020404" pitchFamily="49" charset="0"/>
+                <a:ea typeface="Times New Roman" panose="02020603050405020304" pitchFamily="18" charset="0"/>
+              </a:rPr>
+            </a:br>
+            <a:r>
+              <a:rPr lang="fr-FR" sz="1800" dirty="0">
+                <a:solidFill>
+                  <a:srgbClr val="CC7832"/>
+                </a:solidFill>
+                <a:effectLst/>
+                <a:latin typeface="Courier New" panose="02070309020205020404" pitchFamily="49" charset="0"/>
+                <a:ea typeface="Times New Roman" panose="02020603050405020304" pitchFamily="18" charset="0"/>
+              </a:rPr>
+              <a:t>    </a:t>
+            </a:r>
+            <a:r>
+              <a:rPr lang="fr-FR" sz="1800" dirty="0">
+                <a:solidFill>
+                  <a:srgbClr val="A9B7C6"/>
+                </a:solidFill>
+                <a:effectLst/>
+                <a:latin typeface="Courier New" panose="02070309020205020404" pitchFamily="49" charset="0"/>
+                <a:ea typeface="Times New Roman" panose="02020603050405020304" pitchFamily="18" charset="0"/>
+              </a:rPr>
+              <a:t>String login = (String)</a:t>
+            </a:r>
+            <a:r>
+              <a:rPr lang="fr-FR" sz="1800" dirty="0" err="1">
+                <a:solidFill>
+                  <a:srgbClr val="A9B7C6"/>
+                </a:solidFill>
+                <a:effectLst/>
+                <a:latin typeface="Courier New" panose="02070309020205020404" pitchFamily="49" charset="0"/>
+                <a:ea typeface="Times New Roman" panose="02020603050405020304" pitchFamily="18" charset="0"/>
+              </a:rPr>
+              <a:t>session.getAttribute</a:t>
+            </a:r>
+            <a:r>
+              <a:rPr lang="fr-FR" sz="1800" dirty="0">
+                <a:solidFill>
+                  <a:srgbClr val="A9B7C6"/>
+                </a:solidFill>
+                <a:effectLst/>
+                <a:latin typeface="Courier New" panose="02070309020205020404" pitchFamily="49" charset="0"/>
+                <a:ea typeface="Times New Roman" panose="02020603050405020304" pitchFamily="18" charset="0"/>
+              </a:rPr>
+              <a:t>(</a:t>
+            </a:r>
+            <a:r>
+              <a:rPr lang="fr-FR" sz="1800" dirty="0">
+                <a:solidFill>
+                  <a:srgbClr val="6A8759"/>
+                </a:solidFill>
+                <a:effectLst/>
+                <a:latin typeface="Courier New" panose="02070309020205020404" pitchFamily="49" charset="0"/>
+                <a:ea typeface="Times New Roman" panose="02020603050405020304" pitchFamily="18" charset="0"/>
+              </a:rPr>
+              <a:t>"login"</a:t>
+            </a:r>
+            <a:r>
+              <a:rPr lang="fr-FR" sz="1800" dirty="0">
+                <a:solidFill>
+                  <a:srgbClr val="A9B7C6"/>
+                </a:solidFill>
+                <a:effectLst/>
+                <a:latin typeface="Courier New" panose="02070309020205020404" pitchFamily="49" charset="0"/>
+                <a:ea typeface="Times New Roman" panose="02020603050405020304" pitchFamily="18" charset="0"/>
+              </a:rPr>
+              <a:t>)</a:t>
+            </a:r>
+            <a:r>
+              <a:rPr lang="fr-FR" sz="1800" dirty="0">
+                <a:solidFill>
+                  <a:srgbClr val="CC7832"/>
+                </a:solidFill>
+                <a:effectLst/>
+                <a:latin typeface="Courier New" panose="02070309020205020404" pitchFamily="49" charset="0"/>
+                <a:ea typeface="Times New Roman" panose="02020603050405020304" pitchFamily="18" charset="0"/>
+              </a:rPr>
+              <a:t>;</a:t>
+            </a:r>
+            <a:br>
+              <a:rPr lang="fr-FR" sz="1800" dirty="0">
+                <a:solidFill>
+                  <a:srgbClr val="CC7832"/>
+                </a:solidFill>
+                <a:effectLst/>
+                <a:latin typeface="Courier New" panose="02070309020205020404" pitchFamily="49" charset="0"/>
+                <a:ea typeface="Times New Roman" panose="02020603050405020304" pitchFamily="18" charset="0"/>
+              </a:rPr>
+            </a:br>
+            <a:r>
+              <a:rPr lang="fr-FR" sz="1800" dirty="0">
+                <a:solidFill>
+                  <a:srgbClr val="CC7832"/>
+                </a:solidFill>
+                <a:effectLst/>
+                <a:latin typeface="Courier New" panose="02070309020205020404" pitchFamily="49" charset="0"/>
+                <a:ea typeface="Times New Roman" panose="02020603050405020304" pitchFamily="18" charset="0"/>
+              </a:rPr>
+              <a:t>    if </a:t>
+            </a:r>
+            <a:r>
+              <a:rPr lang="fr-FR" sz="1800" dirty="0">
+                <a:solidFill>
+                  <a:srgbClr val="A9B7C6"/>
+                </a:solidFill>
+                <a:effectLst/>
+                <a:latin typeface="Courier New" panose="02070309020205020404" pitchFamily="49" charset="0"/>
+                <a:ea typeface="Times New Roman" panose="02020603050405020304" pitchFamily="18" charset="0"/>
+              </a:rPr>
+              <a:t>(login != </a:t>
+            </a:r>
+            <a:r>
+              <a:rPr lang="fr-FR" sz="1800" dirty="0" err="1">
+                <a:solidFill>
+                  <a:srgbClr val="CC7832"/>
+                </a:solidFill>
+                <a:effectLst/>
+                <a:latin typeface="Courier New" panose="02070309020205020404" pitchFamily="49" charset="0"/>
+                <a:ea typeface="Times New Roman" panose="02020603050405020304" pitchFamily="18" charset="0"/>
+              </a:rPr>
+              <a:t>null</a:t>
+            </a:r>
+            <a:r>
+              <a:rPr lang="fr-FR" sz="1800" dirty="0">
+                <a:solidFill>
+                  <a:srgbClr val="A9B7C6"/>
+                </a:solidFill>
+                <a:effectLst/>
+                <a:latin typeface="Courier New" panose="02070309020205020404" pitchFamily="49" charset="0"/>
+                <a:ea typeface="Times New Roman" panose="02020603050405020304" pitchFamily="18" charset="0"/>
+              </a:rPr>
+              <a:t>){</a:t>
+            </a:r>
+            <a:r>
+              <a:rPr lang="fr-FR" sz="1800" dirty="0">
+                <a:solidFill>
+                  <a:srgbClr val="CC7832"/>
+                </a:solidFill>
+                <a:effectLst/>
+                <a:latin typeface="Courier New" panose="02070309020205020404" pitchFamily="49" charset="0"/>
+                <a:ea typeface="Times New Roman" panose="02020603050405020304" pitchFamily="18" charset="0"/>
+              </a:rPr>
+              <a:t>%&gt;</a:t>
+            </a:r>
+            <a:br>
+              <a:rPr lang="fr-FR" sz="1800" dirty="0">
+                <a:solidFill>
+                  <a:srgbClr val="CC7832"/>
+                </a:solidFill>
+                <a:effectLst/>
+                <a:latin typeface="Courier New" panose="02070309020205020404" pitchFamily="49" charset="0"/>
+                <a:ea typeface="Times New Roman" panose="02020603050405020304" pitchFamily="18" charset="0"/>
+              </a:rPr>
+            </a:br>
+            <a:r>
+              <a:rPr lang="fr-FR" sz="1800" dirty="0">
+                <a:solidFill>
+                  <a:srgbClr val="A9B7C6"/>
+                </a:solidFill>
+                <a:effectLst/>
+                <a:latin typeface="Courier New" panose="02070309020205020404" pitchFamily="49" charset="0"/>
+                <a:ea typeface="Times New Roman" panose="02020603050405020304" pitchFamily="18" charset="0"/>
+              </a:rPr>
+              <a:t>Bonjour </a:t>
+            </a:r>
+            <a:r>
+              <a:rPr lang="fr-FR" sz="1800" dirty="0">
+                <a:solidFill>
+                  <a:srgbClr val="CC7832"/>
+                </a:solidFill>
+                <a:effectLst/>
+                <a:latin typeface="Courier New" panose="02070309020205020404" pitchFamily="49" charset="0"/>
+                <a:ea typeface="Times New Roman" panose="02020603050405020304" pitchFamily="18" charset="0"/>
+              </a:rPr>
+              <a:t>&lt;%=</a:t>
+            </a:r>
+            <a:r>
+              <a:rPr lang="fr-FR" sz="1800" dirty="0">
+                <a:solidFill>
+                  <a:srgbClr val="A9B7C6"/>
+                </a:solidFill>
+                <a:effectLst/>
+                <a:latin typeface="Courier New" panose="02070309020205020404" pitchFamily="49" charset="0"/>
+                <a:ea typeface="Times New Roman" panose="02020603050405020304" pitchFamily="18" charset="0"/>
+              </a:rPr>
+              <a:t>login</a:t>
+            </a:r>
+            <a:r>
+              <a:rPr lang="fr-FR" sz="1800" dirty="0">
+                <a:solidFill>
+                  <a:srgbClr val="CC7832"/>
+                </a:solidFill>
+                <a:effectLst/>
+                <a:latin typeface="Courier New" panose="02070309020205020404" pitchFamily="49" charset="0"/>
+                <a:ea typeface="Times New Roman" panose="02020603050405020304" pitchFamily="18" charset="0"/>
+              </a:rPr>
+              <a:t>%&gt; </a:t>
+            </a:r>
+            <a:r>
+              <a:rPr lang="fr-FR" sz="1800" dirty="0">
+                <a:solidFill>
+                  <a:srgbClr val="A9B7C6"/>
+                </a:solidFill>
+                <a:effectLst/>
+                <a:latin typeface="Courier New" panose="02070309020205020404" pitchFamily="49" charset="0"/>
+                <a:ea typeface="Times New Roman" panose="02020603050405020304" pitchFamily="18" charset="0"/>
+              </a:rPr>
+              <a:t>( </a:t>
+            </a:r>
+            <a:r>
+              <a:rPr lang="fr-FR" sz="1800" dirty="0">
+                <a:solidFill>
+                  <a:srgbClr val="E8BF6A"/>
+                </a:solidFill>
+                <a:effectLst/>
+                <a:latin typeface="Courier New" panose="02070309020205020404" pitchFamily="49" charset="0"/>
+                <a:ea typeface="Times New Roman" panose="02020603050405020304" pitchFamily="18" charset="0"/>
+              </a:rPr>
+              <a:t>&lt;a </a:t>
+            </a:r>
+            <a:r>
+              <a:rPr lang="fr-FR" sz="1800" dirty="0">
+                <a:solidFill>
+                  <a:srgbClr val="BABABA"/>
+                </a:solidFill>
+                <a:effectLst/>
+                <a:latin typeface="Courier New" panose="02070309020205020404" pitchFamily="49" charset="0"/>
+                <a:ea typeface="Times New Roman" panose="02020603050405020304" pitchFamily="18" charset="0"/>
+              </a:rPr>
+              <a:t>href</a:t>
+            </a:r>
+            <a:r>
+              <a:rPr lang="fr-FR" sz="1800" dirty="0">
+                <a:solidFill>
+                  <a:srgbClr val="A5C261"/>
+                </a:solidFill>
+                <a:effectLst/>
+                <a:latin typeface="Courier New" panose="02070309020205020404" pitchFamily="49" charset="0"/>
+                <a:ea typeface="Times New Roman" panose="02020603050405020304" pitchFamily="18" charset="0"/>
+              </a:rPr>
+              <a:t>=\"</a:t>
+            </a:r>
+            <a:r>
+              <a:rPr lang="fr-FR" sz="1800" dirty="0" err="1">
+                <a:solidFill>
+                  <a:srgbClr val="A5C261"/>
+                </a:solidFill>
+                <a:effectLst/>
+                <a:latin typeface="Courier New" panose="02070309020205020404" pitchFamily="49" charset="0"/>
+                <a:ea typeface="Times New Roman" panose="02020603050405020304" pitchFamily="18" charset="0"/>
+              </a:rPr>
+              <a:t>logout</a:t>
+            </a:r>
+            <a:r>
+              <a:rPr lang="fr-FR" sz="1800" dirty="0">
+                <a:solidFill>
+                  <a:srgbClr val="A5C261"/>
+                </a:solidFill>
+                <a:effectLst/>
+                <a:latin typeface="Courier New" panose="02070309020205020404" pitchFamily="49" charset="0"/>
+                <a:ea typeface="Times New Roman" panose="02020603050405020304" pitchFamily="18" charset="0"/>
+              </a:rPr>
+              <a:t>\"</a:t>
+            </a:r>
+            <a:r>
+              <a:rPr lang="fr-FR" sz="1800" dirty="0">
+                <a:solidFill>
+                  <a:srgbClr val="E8BF6A"/>
+                </a:solidFill>
+                <a:effectLst/>
+                <a:latin typeface="Courier New" panose="02070309020205020404" pitchFamily="49" charset="0"/>
+                <a:ea typeface="Times New Roman" panose="02020603050405020304" pitchFamily="18" charset="0"/>
+              </a:rPr>
+              <a:t>&gt; </a:t>
+            </a:r>
+            <a:r>
+              <a:rPr lang="fr-FR" sz="1800" dirty="0">
+                <a:solidFill>
+                  <a:srgbClr val="A9B7C6"/>
+                </a:solidFill>
+                <a:effectLst/>
+                <a:latin typeface="Courier New" panose="02070309020205020404" pitchFamily="49" charset="0"/>
+                <a:ea typeface="Times New Roman" panose="02020603050405020304" pitchFamily="18" charset="0"/>
+              </a:rPr>
+              <a:t>Déconnexion</a:t>
+            </a:r>
+            <a:r>
+              <a:rPr lang="fr-FR" sz="1800" dirty="0">
+                <a:solidFill>
+                  <a:srgbClr val="E8BF6A"/>
+                </a:solidFill>
+                <a:effectLst/>
+                <a:latin typeface="Courier New" panose="02070309020205020404" pitchFamily="49" charset="0"/>
+                <a:ea typeface="Times New Roman" panose="02020603050405020304" pitchFamily="18" charset="0"/>
+              </a:rPr>
+              <a:t>&lt;/a&gt;</a:t>
+            </a:r>
+            <a:r>
+              <a:rPr lang="fr-FR" sz="1800" dirty="0">
+                <a:solidFill>
+                  <a:srgbClr val="A9B7C6"/>
+                </a:solidFill>
+                <a:effectLst/>
+                <a:latin typeface="Courier New" panose="02070309020205020404" pitchFamily="49" charset="0"/>
+                <a:ea typeface="Times New Roman" panose="02020603050405020304" pitchFamily="18" charset="0"/>
+              </a:rPr>
+              <a:t>)</a:t>
+            </a:r>
+            <a:r>
+              <a:rPr lang="fr-FR" sz="1800" dirty="0">
+                <a:solidFill>
+                  <a:srgbClr val="E8BF6A"/>
+                </a:solidFill>
+                <a:effectLst/>
+                <a:latin typeface="Courier New" panose="02070309020205020404" pitchFamily="49" charset="0"/>
+                <a:ea typeface="Times New Roman" panose="02020603050405020304" pitchFamily="18" charset="0"/>
+              </a:rPr>
+              <a:t>&lt;</a:t>
+            </a:r>
+            <a:r>
+              <a:rPr lang="fr-FR" sz="1800" dirty="0" err="1">
+                <a:solidFill>
+                  <a:srgbClr val="E8BF6A"/>
+                </a:solidFill>
+                <a:effectLst/>
+                <a:latin typeface="Courier New" panose="02070309020205020404" pitchFamily="49" charset="0"/>
+                <a:ea typeface="Times New Roman" panose="02020603050405020304" pitchFamily="18" charset="0"/>
+              </a:rPr>
+              <a:t>br</a:t>
+            </a:r>
+            <a:r>
+              <a:rPr lang="fr-FR" sz="1800" dirty="0">
+                <a:solidFill>
+                  <a:srgbClr val="E8BF6A"/>
+                </a:solidFill>
+                <a:effectLst/>
+                <a:latin typeface="Courier New" panose="02070309020205020404" pitchFamily="49" charset="0"/>
+                <a:ea typeface="Times New Roman" panose="02020603050405020304" pitchFamily="18" charset="0"/>
+              </a:rPr>
+              <a:t>/&gt;</a:t>
+            </a:r>
+            <a:br>
+              <a:rPr lang="fr-FR" sz="1800" dirty="0">
+                <a:solidFill>
+                  <a:srgbClr val="E8BF6A"/>
+                </a:solidFill>
+                <a:effectLst/>
+                <a:latin typeface="Courier New" panose="02070309020205020404" pitchFamily="49" charset="0"/>
+                <a:ea typeface="Times New Roman" panose="02020603050405020304" pitchFamily="18" charset="0"/>
+              </a:rPr>
+            </a:br>
+            <a:r>
+              <a:rPr lang="fr-FR" sz="1800" dirty="0">
+                <a:solidFill>
+                  <a:srgbClr val="CC7832"/>
+                </a:solidFill>
+                <a:effectLst/>
+                <a:latin typeface="Courier New" panose="02070309020205020404" pitchFamily="49" charset="0"/>
+                <a:ea typeface="Times New Roman" panose="02020603050405020304" pitchFamily="18" charset="0"/>
+              </a:rPr>
+              <a:t>&lt;%</a:t>
+            </a:r>
+            <a:r>
+              <a:rPr lang="fr-FR" sz="1800" dirty="0">
+                <a:solidFill>
+                  <a:srgbClr val="A9B7C6"/>
+                </a:solidFill>
+                <a:effectLst/>
+                <a:latin typeface="Courier New" panose="02070309020205020404" pitchFamily="49" charset="0"/>
+                <a:ea typeface="Times New Roman" panose="02020603050405020304" pitchFamily="18" charset="0"/>
+              </a:rPr>
+              <a:t>}</a:t>
+            </a:r>
+            <a:r>
+              <a:rPr lang="fr-FR" sz="1800" dirty="0">
+                <a:solidFill>
+                  <a:srgbClr val="CC7832"/>
+                </a:solidFill>
+                <a:effectLst/>
+                <a:latin typeface="Courier New" panose="02070309020205020404" pitchFamily="49" charset="0"/>
+                <a:ea typeface="Times New Roman" panose="02020603050405020304" pitchFamily="18" charset="0"/>
+              </a:rPr>
+              <a:t>%&gt;</a:t>
+            </a:r>
+            <a:br>
+              <a:rPr lang="fr-FR" sz="1800" dirty="0">
+                <a:solidFill>
+                  <a:srgbClr val="CC7832"/>
+                </a:solidFill>
+                <a:effectLst/>
+                <a:latin typeface="Courier New" panose="02070309020205020404" pitchFamily="49" charset="0"/>
+                <a:ea typeface="Times New Roman" panose="02020603050405020304" pitchFamily="18" charset="0"/>
+              </a:rPr>
+            </a:br>
             <a:endParaRPr lang="fr-FR" dirty="0"/>
           </a:p>
         </p:txBody>
@@ -9024,6 +9440,57 @@
               <a:t>.</a:t>
             </a:r>
           </a:p>
+          <a:p>
+            <a:endParaRPr lang="fr-FR" dirty="0"/>
+          </a:p>
+          <a:p>
+            <a:pPr lvl="1"/>
+            <a:r>
+              <a:rPr lang="fr-FR" dirty="0">
+                <a:solidFill>
+                  <a:srgbClr val="A9B7C6"/>
+                </a:solidFill>
+                <a:effectLst/>
+                <a:latin typeface="Courier New" panose="02070309020205020404" pitchFamily="49" charset="0"/>
+                <a:ea typeface="Times New Roman" panose="02020603050405020304" pitchFamily="18" charset="0"/>
+              </a:rPr>
+              <a:t>Bonjour </a:t>
+            </a:r>
+            <a:r>
+              <a:rPr lang="fr-FR" dirty="0">
+                <a:solidFill>
+                  <a:srgbClr val="CC7832"/>
+                </a:solidFill>
+                <a:effectLst/>
+                <a:latin typeface="Courier New" panose="02070309020205020404" pitchFamily="49" charset="0"/>
+                <a:ea typeface="Times New Roman" panose="02020603050405020304" pitchFamily="18" charset="0"/>
+              </a:rPr>
+              <a:t>${</a:t>
+            </a:r>
+            <a:r>
+              <a:rPr lang="fr-FR" dirty="0">
+                <a:solidFill>
+                  <a:srgbClr val="A9B7C6"/>
+                </a:solidFill>
+                <a:effectLst/>
+                <a:latin typeface="Courier New" panose="02070309020205020404" pitchFamily="49" charset="0"/>
+                <a:ea typeface="Times New Roman" panose="02020603050405020304" pitchFamily="18" charset="0"/>
+              </a:rPr>
+              <a:t>login</a:t>
+            </a:r>
+            <a:r>
+              <a:rPr lang="fr-FR" dirty="0">
+                <a:solidFill>
+                  <a:srgbClr val="CC7832"/>
+                </a:solidFill>
+                <a:effectLst/>
+                <a:latin typeface="Courier New" panose="02070309020205020404" pitchFamily="49" charset="0"/>
+                <a:ea typeface="Times New Roman" panose="02020603050405020304" pitchFamily="18" charset="0"/>
+              </a:rPr>
+              <a:t>} </a:t>
+            </a:r>
+            <a:endParaRPr lang="fr-FR" dirty="0"/>
+          </a:p>
         </p:txBody>
       </p:sp>
     </p:spTree>
@@ -9236,6 +9703,1092 @@
     <p:extLst>
       <p:ext uri="{BB962C8B-B14F-4D97-AF65-F5344CB8AC3E}">
         <p14:creationId xmlns:p14="http://schemas.microsoft.com/office/powerpoint/2010/main" val="3218943392"/>
+      </p:ext>
+    </p:extLst>
+  </p:cSld>
+  <p:clrMapOvr>
+    <a:masterClrMapping/>
+  </p:clrMapOvr>
+</p:sld>
+</file>
+
+<file path=ppt/slides/slide17.xml><?xml version="1.0" encoding="utf-8"?>
+<p:sld xmlns:a="http://schemas.openxmlformats.org/drawingml/2006/main" xmlns:r="http://schemas.openxmlformats.org/officeDocument/2006/relationships" xmlns:p="http://schemas.openxmlformats.org/presentationml/2006/main">
+  <p:cSld>
+    <p:spTree>
+      <p:nvGrpSpPr>
+        <p:cNvPr id="1" name=""/>
+        <p:cNvGrpSpPr/>
+        <p:nvPr/>
+      </p:nvGrpSpPr>
+      <p:grpSpPr>
+        <a:xfrm>
+          <a:off x="0" y="0"/>
+          <a:ext cx="0" cy="0"/>
+          <a:chOff x="0" y="0"/>
+          <a:chExt cx="0" cy="0"/>
+        </a:xfrm>
+      </p:grpSpPr>
+      <p:sp>
+        <p:nvSpPr>
+          <p:cNvPr id="2" name="Titre 1">
+            <a:extLst>
+              <a:ext uri="{FF2B5EF4-FFF2-40B4-BE49-F238E27FC236}">
+                <a16:creationId xmlns:a16="http://schemas.microsoft.com/office/drawing/2014/main" id="{768DFE9B-5C60-4F41-8495-E30DC43EBF6E}"/>
+              </a:ext>
+            </a:extLst>
+          </p:cNvPr>
+          <p:cNvSpPr>
+            <a:spLocks noGrp="1"/>
+          </p:cNvSpPr>
+          <p:nvPr>
+            <p:ph type="title"/>
+          </p:nvPr>
+        </p:nvSpPr>
+        <p:spPr/>
+        <p:txBody>
+          <a:bodyPr/>
+          <a:lstStyle/>
+          <a:p>
+            <a:r>
+              <a:rPr lang="fr-FR" sz="3600" dirty="0">
+                <a:effectLst/>
+                <a:latin typeface="Calibri" panose="020F0502020204030204" pitchFamily="34" charset="0"/>
+                <a:ea typeface="Calibri" panose="020F0502020204030204" pitchFamily="34" charset="0"/>
+                <a:cs typeface="Times New Roman" panose="02020603050405020304" pitchFamily="18" charset="0"/>
+              </a:rPr>
+              <a:t>Itérer sur les œuvres du catalogue avec JSTL</a:t>
+            </a:r>
+            <a:endParaRPr lang="fr-FR" dirty="0"/>
+          </a:p>
+        </p:txBody>
+      </p:sp>
+      <p:sp>
+        <p:nvSpPr>
+          <p:cNvPr id="4" name="Rectangle 1">
+            <a:extLst>
+              <a:ext uri="{FF2B5EF4-FFF2-40B4-BE49-F238E27FC236}">
+                <a16:creationId xmlns:a16="http://schemas.microsoft.com/office/drawing/2014/main" id="{98D8B2F2-C2EA-4AFD-90F4-321EF105BABB}"/>
+              </a:ext>
+            </a:extLst>
+          </p:cNvPr>
+          <p:cNvSpPr>
+            <a:spLocks noGrp="1" noChangeArrowheads="1"/>
+          </p:cNvSpPr>
+          <p:nvPr>
+            <p:ph idx="1"/>
+          </p:nvPr>
+        </p:nvSpPr>
+        <p:spPr bwMode="auto">
+          <a:xfrm>
+            <a:off x="677334" y="2577482"/>
+            <a:ext cx="9839488" cy="3046988"/>
+          </a:xfrm>
+          <a:prstGeom prst="rect">
+            <a:avLst/>
+          </a:prstGeom>
+          <a:noFill/>
+          <a:ln>
+            <a:noFill/>
+          </a:ln>
+          <a:effectLst/>
+          <a:extLst>
+            <a:ext uri="{909E8E84-426E-40DD-AFC4-6F175D3DCCD1}">
+              <a14:hiddenFill xmlns:a14="http://schemas.microsoft.com/office/drawing/2010/main">
+                <a:solidFill>
+                  <a:schemeClr val="accent1"/>
+                </a:solidFill>
+              </a14:hiddenFill>
+            </a:ext>
+            <a:ext uri="{91240B29-F687-4F45-9708-019B960494DF}">
+              <a14:hiddenLine xmlns:a14="http://schemas.microsoft.com/office/drawing/2010/main" w="9525">
+                <a:solidFill>
+                  <a:schemeClr val="tx1"/>
+                </a:solidFill>
+                <a:miter lim="800000"/>
+                <a:headEnd/>
+                <a:tailEnd/>
+              </a14:hiddenLine>
+            </a:ext>
+            <a:ext uri="{AF507438-7753-43E0-B8FC-AC1667EBCBE1}">
+              <a14:hiddenEffects xmlns:a14="http://schemas.microsoft.com/office/drawing/2010/main">
+                <a:effectLst>
+                  <a:outerShdw dist="35921" dir="2700000" algn="ctr" rotWithShape="0">
+                    <a:schemeClr val="bg2"/>
+                  </a:outerShdw>
+                </a:effectLst>
+              </a14:hiddenEffects>
+            </a:ext>
+          </a:extLst>
+        </p:spPr>
+        <p:txBody>
+          <a:bodyPr vert="horz" wrap="none" lIns="91440" tIns="45720" rIns="91440" bIns="45720" numCol="1" anchor="ctr" anchorCtr="0" compatLnSpc="1">
+            <a:prstTxWarp prst="textNoShape">
+              <a:avLst/>
+            </a:prstTxWarp>
+            <a:spAutoFit/>
+          </a:bodyPr>
+          <a:lstStyle/>
+          <a:p>
+            <a:pPr marL="0" marR="0" lvl="0" indent="0" algn="l" defTabSz="914400" rtl="0" eaLnBrk="0" fontAlgn="base" latinLnBrk="0" hangingPunct="0">
+              <a:lnSpc>
+                <a:spcPct val="100000"/>
+              </a:lnSpc>
+              <a:spcBef>
+                <a:spcPct val="0"/>
+              </a:spcBef>
+              <a:spcAft>
+                <a:spcPct val="0"/>
+              </a:spcAft>
+              <a:buClrTx/>
+              <a:buSzTx/>
+              <a:buFontTx/>
+              <a:buNone/>
+              <a:tabLst/>
+            </a:pPr>
+            <a:r>
+              <a:rPr kumimoji="0" lang="fr-FR" altLang="fr-FR" sz="1400" b="0" i="0" u="none" strike="noStrike" cap="none" normalizeH="0" baseline="0" dirty="0">
+                <a:ln>
+                  <a:noFill/>
+                </a:ln>
+                <a:solidFill>
+                  <a:schemeClr val="tx1"/>
+                </a:solidFill>
+                <a:effectLst/>
+                <a:latin typeface="Arial" panose="020B0604020202020204" pitchFamily="34" charset="0"/>
+              </a:rPr>
+              <a:t>Dans le </a:t>
+            </a:r>
+            <a:r>
+              <a:rPr kumimoji="0" lang="fr-FR" altLang="fr-FR" sz="1400" b="0" i="0" u="none" strike="noStrike" cap="none" normalizeH="0" baseline="0">
+                <a:ln>
+                  <a:noFill/>
+                </a:ln>
+                <a:solidFill>
+                  <a:schemeClr val="tx1"/>
+                </a:solidFill>
+                <a:effectLst/>
+                <a:latin typeface="Arial" panose="020B0604020202020204" pitchFamily="34" charset="0"/>
+              </a:rPr>
+              <a:t>Frontend, vous </a:t>
+            </a:r>
+            <a:r>
+              <a:rPr kumimoji="0" lang="fr-FR" altLang="fr-FR" sz="1400" b="0" i="0" u="none" strike="noStrike" cap="none" normalizeH="0" baseline="0" dirty="0">
+                <a:ln>
+                  <a:noFill/>
+                </a:ln>
+                <a:solidFill>
+                  <a:schemeClr val="tx1"/>
+                </a:solidFill>
+                <a:effectLst/>
+                <a:latin typeface="Arial" panose="020B0604020202020204" pitchFamily="34" charset="0"/>
+              </a:rPr>
+              <a:t>allez tout d'abord vous conformer au design pattern MVC. Pour cela il va d'abord falloir :</a:t>
+            </a:r>
+          </a:p>
+          <a:p>
+            <a:pPr marL="0" marR="0" lvl="0" indent="0" algn="l" defTabSz="914400" rtl="0" eaLnBrk="0" fontAlgn="base" latinLnBrk="0" hangingPunct="0">
+              <a:lnSpc>
+                <a:spcPct val="100000"/>
+              </a:lnSpc>
+              <a:spcBef>
+                <a:spcPct val="0"/>
+              </a:spcBef>
+              <a:spcAft>
+                <a:spcPct val="0"/>
+              </a:spcAft>
+              <a:buClrTx/>
+              <a:buSzTx/>
+              <a:buFontTx/>
+              <a:buNone/>
+              <a:tabLst/>
+            </a:pPr>
+            <a:endParaRPr kumimoji="0" lang="fr-FR" altLang="fr-FR" sz="1400" b="0" i="0" u="none" strike="noStrike" cap="none" normalizeH="0" baseline="0" dirty="0">
+              <a:ln>
+                <a:noFill/>
+              </a:ln>
+              <a:solidFill>
+                <a:schemeClr val="tx1"/>
+              </a:solidFill>
+              <a:effectLst/>
+              <a:latin typeface="Arial" panose="020B0604020202020204" pitchFamily="34" charset="0"/>
+            </a:endParaRPr>
+          </a:p>
+          <a:p>
+            <a:pPr lvl="1" defTabSz="914400" eaLnBrk="0" fontAlgn="base" hangingPunct="0">
+              <a:spcBef>
+                <a:spcPct val="0"/>
+              </a:spcBef>
+              <a:spcAft>
+                <a:spcPct val="0"/>
+              </a:spcAft>
+              <a:buClrTx/>
+              <a:buSzTx/>
+            </a:pPr>
+            <a:r>
+              <a:rPr lang="fr-FR" altLang="fr-FR" sz="1200" dirty="0">
+                <a:solidFill>
+                  <a:schemeClr val="tx1"/>
+                </a:solidFill>
+                <a:latin typeface="Arial" panose="020B0604020202020204" pitchFamily="34" charset="0"/>
+              </a:rPr>
+              <a:t>M</a:t>
+            </a:r>
+            <a:r>
+              <a:rPr kumimoji="0" lang="fr-FR" altLang="fr-FR" sz="1200" b="0" i="0" u="none" strike="noStrike" cap="none" normalizeH="0" baseline="0" dirty="0">
+                <a:ln>
+                  <a:noFill/>
+                </a:ln>
+                <a:solidFill>
+                  <a:schemeClr val="tx1"/>
+                </a:solidFill>
+                <a:effectLst/>
+                <a:latin typeface="Arial" panose="020B0604020202020204" pitchFamily="34" charset="0"/>
+              </a:rPr>
+              <a:t>odifier </a:t>
+            </a:r>
+            <a:r>
+              <a:rPr lang="fr-FR" altLang="fr-FR" sz="1200" dirty="0" err="1">
+                <a:solidFill>
+                  <a:schemeClr val="tx1"/>
+                </a:solidFill>
+                <a:latin typeface="Arial" panose="020B0604020202020204" pitchFamily="34" charset="0"/>
+              </a:rPr>
+              <a:t>index</a:t>
+            </a:r>
+            <a:r>
+              <a:rPr kumimoji="0" lang="fr-FR" altLang="fr-FR" sz="1200" b="0" i="0" u="none" strike="noStrike" cap="none" normalizeH="0" baseline="0" dirty="0" err="1">
+                <a:ln>
+                  <a:noFill/>
+                </a:ln>
+                <a:solidFill>
+                  <a:schemeClr val="tx1"/>
+                </a:solidFill>
+                <a:effectLst/>
+                <a:latin typeface="Arial" panose="020B0604020202020204" pitchFamily="34" charset="0"/>
+              </a:rPr>
+              <a:t>.jsp</a:t>
+            </a:r>
+            <a:r>
+              <a:rPr kumimoji="0" lang="fr-FR" altLang="fr-FR" sz="1200" b="0" i="0" u="none" strike="noStrike" cap="none" normalizeH="0" baseline="0" dirty="0">
+                <a:ln>
+                  <a:noFill/>
+                </a:ln>
+                <a:solidFill>
+                  <a:schemeClr val="tx1"/>
+                </a:solidFill>
+                <a:effectLst/>
+                <a:latin typeface="Arial" panose="020B0604020202020204" pitchFamily="34" charset="0"/>
+              </a:rPr>
+              <a:t> afin que le lien offert à l'administrateur pointe vers l'url de la Servlet </a:t>
+            </a:r>
+            <a:r>
+              <a:rPr kumimoji="0" lang="fr-FR" altLang="fr-FR" sz="1200" b="1" i="0" u="none" strike="noStrike" cap="none" normalizeH="0" baseline="0" dirty="0" err="1">
+                <a:ln>
+                  <a:noFill/>
+                </a:ln>
+                <a:solidFill>
+                  <a:schemeClr val="tx1"/>
+                </a:solidFill>
+                <a:effectLst/>
+                <a:latin typeface="Arial" panose="020B0604020202020204" pitchFamily="34" charset="0"/>
+              </a:rPr>
+              <a:t>CatalogueServlet</a:t>
+            </a:r>
+            <a:r>
+              <a:rPr kumimoji="0" lang="fr-FR" altLang="fr-FR" sz="1200" b="0" i="0" u="none" strike="noStrike" cap="none" normalizeH="0" baseline="0" dirty="0">
+                <a:ln>
+                  <a:noFill/>
+                </a:ln>
+                <a:solidFill>
+                  <a:schemeClr val="tx1"/>
+                </a:solidFill>
+                <a:effectLst/>
+                <a:latin typeface="Arial" panose="020B0604020202020204" pitchFamily="34" charset="0"/>
+              </a:rPr>
+              <a:t>.</a:t>
+            </a:r>
+          </a:p>
+          <a:p>
+            <a:pPr marL="457200" lvl="1" indent="0" defTabSz="914400" eaLnBrk="0" fontAlgn="base" hangingPunct="0">
+              <a:spcBef>
+                <a:spcPct val="0"/>
+              </a:spcBef>
+              <a:spcAft>
+                <a:spcPct val="0"/>
+              </a:spcAft>
+              <a:buClrTx/>
+              <a:buSzTx/>
+              <a:buNone/>
+            </a:pPr>
+            <a:endParaRPr kumimoji="0" lang="fr-FR" altLang="fr-FR" sz="1200" b="0" i="0" u="none" strike="noStrike" cap="none" normalizeH="0" baseline="0" dirty="0">
+              <a:ln>
+                <a:noFill/>
+              </a:ln>
+              <a:solidFill>
+                <a:schemeClr val="tx1"/>
+              </a:solidFill>
+              <a:effectLst/>
+              <a:latin typeface="Arial" panose="020B0604020202020204" pitchFamily="34" charset="0"/>
+            </a:endParaRPr>
+          </a:p>
+          <a:p>
+            <a:pPr lvl="1" defTabSz="914400" eaLnBrk="0" fontAlgn="base" hangingPunct="0">
+              <a:spcBef>
+                <a:spcPct val="0"/>
+              </a:spcBef>
+              <a:spcAft>
+                <a:spcPct val="0"/>
+              </a:spcAft>
+              <a:buClrTx/>
+              <a:buSzTx/>
+            </a:pPr>
+            <a:r>
+              <a:rPr kumimoji="0" lang="fr-FR" altLang="fr-FR" sz="1200" b="0" i="0" u="none" strike="noStrike" cap="none" normalizeH="0" baseline="0" dirty="0">
+                <a:ln>
+                  <a:noFill/>
+                </a:ln>
+                <a:solidFill>
+                  <a:schemeClr val="tx1"/>
+                </a:solidFill>
+                <a:effectLst/>
+                <a:latin typeface="Arial" panose="020B0604020202020204" pitchFamily="34" charset="0"/>
+              </a:rPr>
+              <a:t>Faire en sorte que </a:t>
+            </a:r>
+            <a:r>
+              <a:rPr kumimoji="0" lang="fr-FR" altLang="fr-FR" sz="1200" b="1" i="0" u="none" strike="noStrike" cap="none" normalizeH="0" baseline="0" dirty="0" err="1">
+                <a:ln>
+                  <a:noFill/>
+                </a:ln>
+                <a:solidFill>
+                  <a:schemeClr val="tx1"/>
+                </a:solidFill>
+                <a:effectLst/>
+                <a:latin typeface="Arial" panose="020B0604020202020204" pitchFamily="34" charset="0"/>
+              </a:rPr>
+              <a:t>CatalogueServlet</a:t>
+            </a:r>
+            <a:r>
+              <a:rPr kumimoji="0" lang="fr-FR" altLang="fr-FR" sz="1200" b="0" i="0" u="none" strike="noStrike" cap="none" normalizeH="0" baseline="0" dirty="0">
+                <a:ln>
+                  <a:noFill/>
+                </a:ln>
+                <a:solidFill>
+                  <a:schemeClr val="tx1"/>
+                </a:solidFill>
+                <a:effectLst/>
+                <a:latin typeface="Arial" panose="020B0604020202020204" pitchFamily="34" charset="0"/>
+              </a:rPr>
+              <a:t> délègue l'affichage du catalogue à la JSP. La servlet va donc:</a:t>
+            </a:r>
+          </a:p>
+          <a:p>
+            <a:pPr lvl="1" defTabSz="914400" eaLnBrk="0" fontAlgn="base" hangingPunct="0">
+              <a:spcBef>
+                <a:spcPct val="0"/>
+              </a:spcBef>
+              <a:spcAft>
+                <a:spcPct val="0"/>
+              </a:spcAft>
+              <a:buClrTx/>
+              <a:buSzTx/>
+            </a:pPr>
+            <a:endParaRPr kumimoji="0" lang="fr-FR" altLang="fr-FR" sz="1200" b="0" i="0" u="none" strike="noStrike" cap="none" normalizeH="0" baseline="0" dirty="0">
+              <a:ln>
+                <a:noFill/>
+              </a:ln>
+              <a:solidFill>
+                <a:schemeClr val="tx1"/>
+              </a:solidFill>
+              <a:effectLst/>
+              <a:latin typeface="Arial" panose="020B0604020202020204" pitchFamily="34" charset="0"/>
+            </a:endParaRPr>
+          </a:p>
+          <a:p>
+            <a:pPr marL="971550" lvl="2" indent="-171450" defTabSz="914400" eaLnBrk="0" fontAlgn="base" hangingPunct="0">
+              <a:spcBef>
+                <a:spcPct val="0"/>
+              </a:spcBef>
+              <a:spcAft>
+                <a:spcPct val="0"/>
+              </a:spcAft>
+              <a:buClrTx/>
+              <a:buSzTx/>
+              <a:buFont typeface="Wingdings" panose="05000000000000000000" pitchFamily="2" charset="2"/>
+              <a:buChar char="§"/>
+            </a:pPr>
+            <a:r>
+              <a:rPr kumimoji="0" lang="fr-FR" altLang="fr-FR" sz="1000" b="0" i="0" u="none" strike="noStrike" cap="none" normalizeH="0" baseline="0" dirty="0">
+                <a:ln>
+                  <a:noFill/>
+                </a:ln>
+                <a:solidFill>
+                  <a:schemeClr val="tx1"/>
+                </a:solidFill>
+                <a:effectLst/>
+                <a:latin typeface="Arial" panose="020B0604020202020204" pitchFamily="34" charset="0"/>
+              </a:rPr>
+              <a:t>Constituer un catalogue avec les 3 œuvres de départ dans le cas où le catalogue est vide au départ</a:t>
+            </a:r>
+          </a:p>
+          <a:p>
+            <a:pPr marL="971550" lvl="2" indent="-171450" defTabSz="914400" eaLnBrk="0" fontAlgn="base" hangingPunct="0">
+              <a:spcBef>
+                <a:spcPct val="0"/>
+              </a:spcBef>
+              <a:spcAft>
+                <a:spcPct val="0"/>
+              </a:spcAft>
+              <a:buClrTx/>
+              <a:buSzTx/>
+              <a:buFont typeface="Wingdings" panose="05000000000000000000" pitchFamily="2" charset="2"/>
+              <a:buChar char="§"/>
+            </a:pPr>
+            <a:r>
+              <a:rPr kumimoji="0" lang="fr-FR" altLang="fr-FR" sz="1000" b="0" i="0" u="none" strike="noStrike" cap="none" normalizeH="0" baseline="0" dirty="0">
+                <a:ln>
+                  <a:noFill/>
+                </a:ln>
+                <a:solidFill>
+                  <a:schemeClr val="tx1"/>
+                </a:solidFill>
+                <a:effectLst/>
+                <a:latin typeface="Arial" panose="020B0604020202020204" pitchFamily="34" charset="0"/>
+              </a:rPr>
+              <a:t>Mettre en scope </a:t>
+            </a:r>
+            <a:r>
+              <a:rPr kumimoji="0" lang="fr-FR" altLang="fr-FR" sz="1000" b="1" i="0" u="none" strike="noStrike" cap="none" normalizeH="0" baseline="0" dirty="0" err="1">
+                <a:ln>
+                  <a:noFill/>
+                </a:ln>
+                <a:solidFill>
+                  <a:schemeClr val="tx1"/>
+                </a:solidFill>
+                <a:effectLst/>
+                <a:latin typeface="Arial" panose="020B0604020202020204" pitchFamily="34" charset="0"/>
+              </a:rPr>
+              <a:t>request</a:t>
+            </a:r>
+            <a:r>
+              <a:rPr kumimoji="0" lang="fr-FR" altLang="fr-FR" sz="1000" b="1" i="0" u="none" strike="noStrike" cap="none" normalizeH="0" baseline="0" dirty="0">
+                <a:ln>
+                  <a:noFill/>
+                </a:ln>
+                <a:solidFill>
+                  <a:schemeClr val="tx1"/>
+                </a:solidFill>
+                <a:effectLst/>
+                <a:latin typeface="Arial" panose="020B0604020202020204" pitchFamily="34" charset="0"/>
+              </a:rPr>
+              <a:t> </a:t>
+            </a:r>
+            <a:r>
+              <a:rPr kumimoji="0" lang="fr-FR" altLang="fr-FR" sz="1000" b="0" i="0" u="none" strike="noStrike" cap="none" normalizeH="0" baseline="0" dirty="0">
+                <a:ln>
+                  <a:noFill/>
+                </a:ln>
+                <a:solidFill>
+                  <a:schemeClr val="tx1"/>
+                </a:solidFill>
+                <a:effectLst/>
+                <a:latin typeface="Arial" panose="020B0604020202020204" pitchFamily="34" charset="0"/>
+              </a:rPr>
+              <a:t>la liste des œuvres du catalogue pour affichage par la JSP</a:t>
+            </a:r>
+          </a:p>
+          <a:p>
+            <a:pPr marL="971550" lvl="2" indent="-171450" defTabSz="914400" eaLnBrk="0" fontAlgn="base" hangingPunct="0">
+              <a:spcBef>
+                <a:spcPct val="0"/>
+              </a:spcBef>
+              <a:spcAft>
+                <a:spcPct val="0"/>
+              </a:spcAft>
+              <a:buClrTx/>
+              <a:buSzTx/>
+              <a:buFont typeface="Wingdings" panose="05000000000000000000" pitchFamily="2" charset="2"/>
+              <a:buChar char="§"/>
+            </a:pPr>
+            <a:r>
+              <a:rPr kumimoji="0" lang="fr-FR" altLang="fr-FR" sz="1000" b="0" i="0" u="none" strike="noStrike" cap="none" normalizeH="0" baseline="0" dirty="0">
+                <a:ln>
+                  <a:noFill/>
+                </a:ln>
+                <a:solidFill>
+                  <a:schemeClr val="tx1"/>
+                </a:solidFill>
+                <a:effectLst/>
+                <a:latin typeface="Arial" panose="020B0604020202020204" pitchFamily="34" charset="0"/>
+              </a:rPr>
+              <a:t>Transmettre par </a:t>
+            </a:r>
+            <a:r>
+              <a:rPr kumimoji="0" lang="fr-FR" altLang="fr-FR" sz="1000" b="0" i="0" u="none" strike="noStrike" cap="none" normalizeH="0" baseline="0" dirty="0" err="1">
+                <a:ln>
+                  <a:noFill/>
+                </a:ln>
+                <a:solidFill>
+                  <a:schemeClr val="tx1"/>
+                </a:solidFill>
+                <a:effectLst/>
+                <a:latin typeface="Arial" panose="020B0604020202020204" pitchFamily="34" charset="0"/>
+              </a:rPr>
+              <a:t>forward</a:t>
+            </a:r>
+            <a:r>
+              <a:rPr kumimoji="0" lang="fr-FR" altLang="fr-FR" sz="1000" b="0" i="0" u="none" strike="noStrike" cap="none" normalizeH="0" baseline="0" dirty="0">
+                <a:ln>
+                  <a:noFill/>
+                </a:ln>
+                <a:solidFill>
+                  <a:schemeClr val="tx1"/>
+                </a:solidFill>
+                <a:effectLst/>
+                <a:latin typeface="Arial" panose="020B0604020202020204" pitchFamily="34" charset="0"/>
+              </a:rPr>
+              <a:t> requête et réponse à </a:t>
+            </a:r>
+            <a:r>
+              <a:rPr kumimoji="0" lang="fr-FR" altLang="fr-FR" sz="1000" b="1" i="0" u="none" strike="noStrike" cap="none" normalizeH="0" baseline="0" dirty="0" err="1">
+                <a:ln>
+                  <a:noFill/>
+                </a:ln>
+                <a:solidFill>
+                  <a:schemeClr val="tx1"/>
+                </a:solidFill>
+                <a:effectLst/>
+                <a:latin typeface="Arial" panose="020B0604020202020204" pitchFamily="34" charset="0"/>
+              </a:rPr>
+              <a:t>catalogue.jsp</a:t>
+            </a:r>
+            <a:endParaRPr kumimoji="0" lang="fr-FR" altLang="fr-FR" sz="1000" b="1" i="0" u="none" strike="noStrike" cap="none" normalizeH="0" baseline="0" dirty="0">
+              <a:ln>
+                <a:noFill/>
+              </a:ln>
+              <a:solidFill>
+                <a:schemeClr val="tx1"/>
+              </a:solidFill>
+              <a:effectLst/>
+              <a:latin typeface="Arial" panose="020B0604020202020204" pitchFamily="34" charset="0"/>
+            </a:endParaRPr>
+          </a:p>
+          <a:p>
+            <a:pPr marL="800100" lvl="2" indent="0" defTabSz="914400" eaLnBrk="0" fontAlgn="base" hangingPunct="0">
+              <a:spcBef>
+                <a:spcPct val="0"/>
+              </a:spcBef>
+              <a:spcAft>
+                <a:spcPct val="0"/>
+              </a:spcAft>
+              <a:buClrTx/>
+              <a:buSzTx/>
+              <a:buNone/>
+            </a:pPr>
+            <a:endParaRPr kumimoji="0" lang="fr-FR" altLang="fr-FR" sz="1000" b="0" i="0" u="none" strike="noStrike" cap="none" normalizeH="0" baseline="0" dirty="0">
+              <a:ln>
+                <a:noFill/>
+              </a:ln>
+              <a:solidFill>
+                <a:schemeClr val="tx1"/>
+              </a:solidFill>
+              <a:effectLst/>
+              <a:latin typeface="Arial" panose="020B0604020202020204" pitchFamily="34" charset="0"/>
+            </a:endParaRPr>
+          </a:p>
+          <a:p>
+            <a:pPr marL="0" marR="0" lvl="0" indent="0" algn="l" defTabSz="914400" rtl="0" eaLnBrk="0" fontAlgn="base" latinLnBrk="0" hangingPunct="0">
+              <a:lnSpc>
+                <a:spcPct val="100000"/>
+              </a:lnSpc>
+              <a:spcBef>
+                <a:spcPct val="0"/>
+              </a:spcBef>
+              <a:spcAft>
+                <a:spcPct val="0"/>
+              </a:spcAft>
+              <a:buClrTx/>
+              <a:buSzTx/>
+              <a:buFontTx/>
+              <a:buNone/>
+              <a:tabLst/>
+            </a:pPr>
+            <a:r>
+              <a:rPr kumimoji="0" lang="fr-FR" altLang="fr-FR" sz="1400" b="0" i="0" u="none" strike="noStrike" cap="none" normalizeH="0" baseline="0" dirty="0">
+                <a:ln>
+                  <a:noFill/>
+                </a:ln>
+                <a:solidFill>
+                  <a:schemeClr val="tx1"/>
+                </a:solidFill>
+                <a:effectLst/>
+                <a:latin typeface="Arial" panose="020B0604020202020204" pitchFamily="34" charset="0"/>
+              </a:rPr>
+              <a:t>La page JSP </a:t>
+            </a:r>
+            <a:r>
+              <a:rPr kumimoji="0" lang="fr-FR" altLang="fr-FR" sz="1400" b="0" i="0" u="none" strike="noStrike" cap="none" normalizeH="0" baseline="0" dirty="0" err="1">
+                <a:ln>
+                  <a:noFill/>
+                </a:ln>
+                <a:solidFill>
+                  <a:schemeClr val="tx1"/>
+                </a:solidFill>
+                <a:effectLst/>
+                <a:latin typeface="Arial" panose="020B0604020202020204" pitchFamily="34" charset="0"/>
+              </a:rPr>
+              <a:t>catalogue.jsp</a:t>
+            </a:r>
+            <a:r>
+              <a:rPr kumimoji="0" lang="fr-FR" altLang="fr-FR" sz="1400" b="0" i="0" u="none" strike="noStrike" cap="none" normalizeH="0" baseline="0" dirty="0">
+                <a:ln>
+                  <a:noFill/>
+                </a:ln>
+                <a:solidFill>
+                  <a:schemeClr val="tx1"/>
+                </a:solidFill>
+                <a:effectLst/>
+                <a:latin typeface="Arial" panose="020B0604020202020204" pitchFamily="34" charset="0"/>
+              </a:rPr>
+              <a:t> ne devra plus comporter de code Java. Vous allez utiliser la JSTL.</a:t>
+            </a:r>
+          </a:p>
+          <a:p>
+            <a:pPr marL="400050" lvl="1" indent="0" defTabSz="914400" eaLnBrk="0" fontAlgn="base" hangingPunct="0">
+              <a:spcBef>
+                <a:spcPct val="0"/>
+              </a:spcBef>
+              <a:spcAft>
+                <a:spcPct val="0"/>
+              </a:spcAft>
+              <a:buClrTx/>
+              <a:buSzTx/>
+              <a:buNone/>
+            </a:pPr>
+            <a:r>
+              <a:rPr kumimoji="0" lang="fr-FR" altLang="fr-FR" sz="1200" b="0" i="0" u="none" strike="noStrike" cap="none" normalizeH="0" baseline="0" dirty="0">
+                <a:ln>
+                  <a:noFill/>
+                </a:ln>
+                <a:solidFill>
+                  <a:schemeClr val="tx1"/>
+                </a:solidFill>
+                <a:effectLst/>
+                <a:latin typeface="Arial" panose="020B0604020202020204" pitchFamily="34" charset="0"/>
+              </a:rPr>
+              <a:t>N'oubliez pas tout d'abord d'ajouter la dépendance Java à votre projet. </a:t>
+            </a:r>
+            <a:r>
+              <a:rPr kumimoji="0" lang="fr-FR" altLang="fr-FR" sz="1400" b="0" i="0" u="none" strike="noStrike" cap="none" normalizeH="0" baseline="0" dirty="0">
+                <a:ln>
+                  <a:noFill/>
+                </a:ln>
+                <a:solidFill>
+                  <a:schemeClr val="tx1"/>
+                </a:solidFill>
+                <a:effectLst/>
+              </a:rPr>
+              <a:t>La page </a:t>
+            </a:r>
+            <a:r>
+              <a:rPr kumimoji="0" lang="fr-FR" altLang="fr-FR" sz="1400" b="0" i="0" u="none" strike="noStrike" cap="none" normalizeH="0" baseline="0" dirty="0" err="1">
+                <a:ln>
+                  <a:noFill/>
+                </a:ln>
+                <a:solidFill>
+                  <a:schemeClr val="tx1"/>
+                </a:solidFill>
+                <a:effectLst/>
+              </a:rPr>
+              <a:t>jsp</a:t>
+            </a:r>
+            <a:r>
+              <a:rPr kumimoji="0" lang="fr-FR" altLang="fr-FR" sz="1400" b="0" i="0" u="none" strike="noStrike" cap="none" normalizeH="0" baseline="0" dirty="0">
+                <a:ln>
+                  <a:noFill/>
+                </a:ln>
+                <a:solidFill>
+                  <a:schemeClr val="tx1"/>
+                </a:solidFill>
+                <a:effectLst/>
+              </a:rPr>
+              <a:t> déclarera en en-tête la directive </a:t>
+            </a:r>
+            <a:r>
+              <a:rPr kumimoji="0" lang="fr-FR" altLang="fr-FR" sz="1400" b="1" i="0" u="none" strike="noStrike" cap="none" normalizeH="0" baseline="0" dirty="0" err="1">
+                <a:ln>
+                  <a:noFill/>
+                </a:ln>
+                <a:solidFill>
+                  <a:schemeClr val="tx1"/>
+                </a:solidFill>
+                <a:effectLst/>
+                <a:latin typeface="Arial" panose="020B0604020202020204" pitchFamily="34" charset="0"/>
+              </a:rPr>
+              <a:t>taglib</a:t>
+            </a:r>
+            <a:r>
+              <a:rPr kumimoji="0" lang="fr-FR" altLang="fr-FR" sz="1400" b="0" i="0" u="none" strike="noStrike" cap="none" normalizeH="0" baseline="0" dirty="0">
+                <a:ln>
+                  <a:noFill/>
+                </a:ln>
+                <a:solidFill>
+                  <a:schemeClr val="tx1"/>
+                </a:solidFill>
+                <a:effectLst/>
+                <a:latin typeface="Arial" panose="020B0604020202020204" pitchFamily="34" charset="0"/>
+              </a:rPr>
+              <a:t>:</a:t>
+            </a:r>
+          </a:p>
+          <a:p>
+            <a:pPr marL="800100" lvl="2" indent="0" defTabSz="914400" eaLnBrk="0" fontAlgn="base" hangingPunct="0">
+              <a:spcBef>
+                <a:spcPct val="0"/>
+              </a:spcBef>
+              <a:spcAft>
+                <a:spcPct val="0"/>
+              </a:spcAft>
+              <a:buClrTx/>
+              <a:buSzTx/>
+              <a:buNone/>
+            </a:pPr>
+            <a:r>
+              <a:rPr kumimoji="0" lang="fr-FR" altLang="fr-FR" sz="1000" b="0" i="0" u="none" strike="noStrike" cap="none" normalizeH="0" baseline="0" dirty="0">
+                <a:ln>
+                  <a:noFill/>
+                </a:ln>
+                <a:solidFill>
+                  <a:schemeClr val="tx1"/>
+                </a:solidFill>
+                <a:effectLst/>
+                <a:latin typeface="Arial Unicode MS"/>
+              </a:rPr>
+              <a:t>&lt;%@</a:t>
+            </a:r>
+            <a:r>
+              <a:rPr kumimoji="0" lang="fr-FR" altLang="fr-FR" sz="1000" b="0" i="0" u="none" strike="noStrike" cap="none" normalizeH="0" baseline="0" dirty="0" err="1">
+                <a:ln>
+                  <a:noFill/>
+                </a:ln>
+                <a:solidFill>
+                  <a:schemeClr val="tx1"/>
+                </a:solidFill>
+                <a:effectLst/>
+                <a:latin typeface="Arial Unicode MS"/>
+              </a:rPr>
+              <a:t>taglib</a:t>
+            </a:r>
+            <a:r>
+              <a:rPr kumimoji="0" lang="fr-FR" altLang="fr-FR" sz="1000" b="0" i="0" u="none" strike="noStrike" cap="none" normalizeH="0" baseline="0" dirty="0">
+                <a:ln>
+                  <a:noFill/>
+                </a:ln>
+                <a:solidFill>
+                  <a:schemeClr val="tx1"/>
+                </a:solidFill>
+                <a:effectLst/>
+                <a:latin typeface="Arial Unicode MS"/>
+              </a:rPr>
+              <a:t> </a:t>
+            </a:r>
+            <a:r>
+              <a:rPr kumimoji="0" lang="fr-FR" altLang="fr-FR" sz="1000" b="0" i="0" u="none" strike="noStrike" cap="none" normalizeH="0" baseline="0" dirty="0" err="1">
+                <a:ln>
+                  <a:noFill/>
+                </a:ln>
+                <a:solidFill>
+                  <a:schemeClr val="tx1"/>
+                </a:solidFill>
+                <a:effectLst/>
+                <a:latin typeface="Arial Unicode MS"/>
+              </a:rPr>
+              <a:t>prefix</a:t>
+            </a:r>
+            <a:r>
+              <a:rPr kumimoji="0" lang="fr-FR" altLang="fr-FR" sz="1000" b="0" i="0" u="none" strike="noStrike" cap="none" normalizeH="0" baseline="0" dirty="0">
+                <a:ln>
+                  <a:noFill/>
+                </a:ln>
+                <a:solidFill>
+                  <a:schemeClr val="tx1"/>
+                </a:solidFill>
+                <a:effectLst/>
+                <a:latin typeface="Arial Unicode MS"/>
+              </a:rPr>
+              <a:t>="c" </a:t>
+            </a:r>
+            <a:r>
+              <a:rPr kumimoji="0" lang="fr-FR" altLang="fr-FR" sz="1000" b="0" i="0" u="none" strike="noStrike" cap="none" normalizeH="0" baseline="0" dirty="0" err="1">
+                <a:ln>
+                  <a:noFill/>
+                </a:ln>
+                <a:solidFill>
+                  <a:schemeClr val="tx1"/>
+                </a:solidFill>
+                <a:effectLst/>
+                <a:latin typeface="Arial Unicode MS"/>
+              </a:rPr>
+              <a:t>uri</a:t>
+            </a:r>
+            <a:r>
+              <a:rPr kumimoji="0" lang="fr-FR" altLang="fr-FR" sz="1000" b="0" i="0" u="none" strike="noStrike" cap="none" normalizeH="0" baseline="0" dirty="0">
+                <a:ln>
+                  <a:noFill/>
+                </a:ln>
+                <a:solidFill>
+                  <a:schemeClr val="tx1"/>
+                </a:solidFill>
+                <a:effectLst/>
+                <a:latin typeface="Arial Unicode MS"/>
+              </a:rPr>
+              <a:t>="http://java.sun.com/</a:t>
+            </a:r>
+            <a:r>
+              <a:rPr kumimoji="0" lang="fr-FR" altLang="fr-FR" sz="1000" b="0" i="0" u="none" strike="noStrike" cap="none" normalizeH="0" baseline="0" dirty="0" err="1">
+                <a:ln>
+                  <a:noFill/>
+                </a:ln>
+                <a:solidFill>
+                  <a:schemeClr val="tx1"/>
+                </a:solidFill>
+                <a:effectLst/>
+                <a:latin typeface="Arial Unicode MS"/>
+              </a:rPr>
+              <a:t>jsp</a:t>
+            </a:r>
+            <a:r>
+              <a:rPr kumimoji="0" lang="fr-FR" altLang="fr-FR" sz="1000" b="0" i="0" u="none" strike="noStrike" cap="none" normalizeH="0" baseline="0" dirty="0">
+                <a:ln>
+                  <a:noFill/>
+                </a:ln>
+                <a:solidFill>
+                  <a:schemeClr val="tx1"/>
+                </a:solidFill>
+                <a:effectLst/>
+                <a:latin typeface="Arial Unicode MS"/>
+              </a:rPr>
+              <a:t>/</a:t>
+            </a:r>
+            <a:r>
+              <a:rPr kumimoji="0" lang="fr-FR" altLang="fr-FR" sz="1000" b="0" i="0" u="none" strike="noStrike" cap="none" normalizeH="0" baseline="0" dirty="0" err="1">
+                <a:ln>
+                  <a:noFill/>
+                </a:ln>
+                <a:solidFill>
+                  <a:schemeClr val="tx1"/>
+                </a:solidFill>
+                <a:effectLst/>
+                <a:latin typeface="Arial Unicode MS"/>
+              </a:rPr>
+              <a:t>jstl</a:t>
+            </a:r>
+            <a:r>
+              <a:rPr kumimoji="0" lang="fr-FR" altLang="fr-FR" sz="1000" b="0" i="0" u="none" strike="noStrike" cap="none" normalizeH="0" baseline="0" dirty="0">
+                <a:ln>
+                  <a:noFill/>
+                </a:ln>
+                <a:solidFill>
+                  <a:schemeClr val="tx1"/>
+                </a:solidFill>
+                <a:effectLst/>
+                <a:latin typeface="Arial Unicode MS"/>
+              </a:rPr>
+              <a:t>/</a:t>
+            </a:r>
+            <a:r>
+              <a:rPr kumimoji="0" lang="fr-FR" altLang="fr-FR" sz="1000" b="0" i="0" u="none" strike="noStrike" cap="none" normalizeH="0" baseline="0" dirty="0" err="1">
+                <a:ln>
+                  <a:noFill/>
+                </a:ln>
+                <a:solidFill>
+                  <a:schemeClr val="tx1"/>
+                </a:solidFill>
+                <a:effectLst/>
+                <a:latin typeface="Arial Unicode MS"/>
+              </a:rPr>
+              <a:t>core</a:t>
+            </a:r>
+            <a:r>
+              <a:rPr kumimoji="0" lang="fr-FR" altLang="fr-FR" sz="1000" b="0" i="0" u="none" strike="noStrike" cap="none" normalizeH="0" baseline="0" dirty="0">
+                <a:ln>
+                  <a:noFill/>
+                </a:ln>
+                <a:solidFill>
+                  <a:schemeClr val="tx1"/>
+                </a:solidFill>
+                <a:effectLst/>
+                <a:latin typeface="Arial Unicode MS"/>
+              </a:rPr>
+              <a:t>" %&gt;  </a:t>
+            </a:r>
+          </a:p>
+          <a:p>
+            <a:pPr marL="800100" lvl="2" indent="0" defTabSz="914400" eaLnBrk="0" fontAlgn="base" hangingPunct="0">
+              <a:spcBef>
+                <a:spcPct val="0"/>
+              </a:spcBef>
+              <a:spcAft>
+                <a:spcPct val="0"/>
+              </a:spcAft>
+              <a:buClrTx/>
+              <a:buSzTx/>
+              <a:buNone/>
+            </a:pPr>
+            <a:endParaRPr kumimoji="0" lang="fr-FR" altLang="fr-FR" sz="1000" b="0" i="0" u="none" strike="noStrike" cap="none" normalizeH="0" baseline="0" dirty="0">
+              <a:ln>
+                <a:noFill/>
+              </a:ln>
+              <a:solidFill>
+                <a:schemeClr val="tx1"/>
+              </a:solidFill>
+              <a:effectLst/>
+            </a:endParaRPr>
+          </a:p>
+          <a:p>
+            <a:pPr marL="0" marR="0" lvl="0" indent="0" algn="l" defTabSz="914400" rtl="0" eaLnBrk="0" fontAlgn="base" latinLnBrk="0" hangingPunct="0">
+              <a:lnSpc>
+                <a:spcPct val="100000"/>
+              </a:lnSpc>
+              <a:spcBef>
+                <a:spcPct val="0"/>
+              </a:spcBef>
+              <a:spcAft>
+                <a:spcPct val="0"/>
+              </a:spcAft>
+              <a:buClrTx/>
+              <a:buSzTx/>
+              <a:buFontTx/>
+              <a:buNone/>
+              <a:tabLst/>
+            </a:pPr>
+            <a:r>
+              <a:rPr kumimoji="0" lang="fr-FR" altLang="fr-FR" sz="1400" b="0" i="0" u="none" strike="noStrike" cap="none" normalizeH="0" baseline="0" dirty="0">
+                <a:ln>
+                  <a:noFill/>
+                </a:ln>
+                <a:solidFill>
+                  <a:schemeClr val="tx1"/>
+                </a:solidFill>
+                <a:effectLst/>
+                <a:latin typeface="Arial" panose="020B0604020202020204" pitchFamily="34" charset="0"/>
+              </a:rPr>
+              <a:t>Il ne sera plus question de constituer le catalogue s'il est vide mais simplement d'afficher successivement chaque élément</a:t>
+            </a:r>
+          </a:p>
+          <a:p>
+            <a:pPr marL="0" marR="0" lvl="0" indent="0" algn="l" defTabSz="914400" rtl="0" eaLnBrk="0" fontAlgn="base" latinLnBrk="0" hangingPunct="0">
+              <a:lnSpc>
+                <a:spcPct val="100000"/>
+              </a:lnSpc>
+              <a:spcBef>
+                <a:spcPct val="0"/>
+              </a:spcBef>
+              <a:spcAft>
+                <a:spcPct val="0"/>
+              </a:spcAft>
+              <a:buClrTx/>
+              <a:buSzTx/>
+              <a:buFontTx/>
+              <a:buNone/>
+              <a:tabLst/>
+            </a:pPr>
+            <a:r>
+              <a:rPr kumimoji="0" lang="fr-FR" altLang="fr-FR" sz="1400" b="0" i="0" u="none" strike="noStrike" cap="none" normalizeH="0" baseline="0" dirty="0">
+                <a:ln>
+                  <a:noFill/>
+                </a:ln>
+                <a:solidFill>
+                  <a:schemeClr val="tx1"/>
+                </a:solidFill>
+                <a:effectLst/>
+                <a:latin typeface="Arial" panose="020B0604020202020204" pitchFamily="34" charset="0"/>
+              </a:rPr>
+              <a:t>de la liste des œuvres mise en scope </a:t>
+            </a:r>
+            <a:r>
+              <a:rPr kumimoji="0" lang="fr-FR" altLang="fr-FR" sz="1400" b="0" i="0" u="none" strike="noStrike" cap="none" normalizeH="0" baseline="0" dirty="0" err="1">
+                <a:ln>
+                  <a:noFill/>
+                </a:ln>
+                <a:solidFill>
+                  <a:schemeClr val="tx1"/>
+                </a:solidFill>
+                <a:effectLst/>
+                <a:latin typeface="Arial" panose="020B0604020202020204" pitchFamily="34" charset="0"/>
+              </a:rPr>
+              <a:t>request</a:t>
+            </a:r>
+            <a:r>
+              <a:rPr kumimoji="0" lang="fr-FR" altLang="fr-FR" sz="1400" b="0" i="0" u="none" strike="noStrike" cap="none" normalizeH="0" baseline="0" dirty="0">
+                <a:ln>
+                  <a:noFill/>
+                </a:ln>
+                <a:solidFill>
+                  <a:schemeClr val="tx1"/>
+                </a:solidFill>
+                <a:effectLst/>
+                <a:latin typeface="Arial" panose="020B0604020202020204" pitchFamily="34" charset="0"/>
+              </a:rPr>
+              <a:t> par la servlet grâce à la balise : </a:t>
+            </a:r>
+            <a:r>
+              <a:rPr kumimoji="0" lang="fr-FR" altLang="fr-FR" sz="1400" b="0" i="0" u="none" strike="noStrike" cap="none" normalizeH="0" baseline="0" dirty="0">
+                <a:ln>
+                  <a:noFill/>
+                </a:ln>
+                <a:solidFill>
+                  <a:schemeClr val="tx1"/>
+                </a:solidFill>
+                <a:effectLst/>
+                <a:latin typeface="Arial Unicode MS"/>
+              </a:rPr>
+              <a:t>&lt;</a:t>
+            </a:r>
+            <a:r>
+              <a:rPr kumimoji="0" lang="fr-FR" altLang="fr-FR" sz="1400" b="0" i="0" u="none" strike="noStrike" cap="none" normalizeH="0" baseline="0" dirty="0" err="1">
+                <a:ln>
+                  <a:noFill/>
+                </a:ln>
+                <a:solidFill>
+                  <a:schemeClr val="tx1"/>
+                </a:solidFill>
+                <a:effectLst/>
+                <a:latin typeface="Arial Unicode MS"/>
+              </a:rPr>
+              <a:t>c:forEach</a:t>
+            </a:r>
+            <a:r>
+              <a:rPr kumimoji="0" lang="fr-FR" altLang="fr-FR" sz="1400" b="0" i="0" u="none" strike="noStrike" cap="none" normalizeH="0" baseline="0" dirty="0">
+                <a:ln>
+                  <a:noFill/>
+                </a:ln>
+                <a:solidFill>
+                  <a:schemeClr val="tx1"/>
+                </a:solidFill>
+                <a:effectLst/>
+                <a:latin typeface="Arial Unicode MS"/>
+              </a:rPr>
+              <a:t>&gt;</a:t>
+            </a:r>
+            <a:endParaRPr kumimoji="0" lang="fr-FR" altLang="fr-FR" sz="1400" b="0" i="0" u="none" strike="noStrike" cap="none" normalizeH="0" baseline="0" dirty="0">
+              <a:ln>
+                <a:noFill/>
+              </a:ln>
+              <a:solidFill>
+                <a:schemeClr val="tx1"/>
+              </a:solidFill>
+              <a:effectLst/>
+              <a:latin typeface="Arial" panose="020B0604020202020204" pitchFamily="34" charset="0"/>
+            </a:endParaRPr>
+          </a:p>
+        </p:txBody>
+      </p:sp>
+    </p:spTree>
+    <p:extLst>
+      <p:ext uri="{BB962C8B-B14F-4D97-AF65-F5344CB8AC3E}">
+        <p14:creationId xmlns:p14="http://schemas.microsoft.com/office/powerpoint/2010/main" val="1437784180"/>
       </p:ext>
     </p:extLst>
   </p:cSld>

--- a/cours/Jee/Exercices Jee.pptx
+++ b/cours/Jee/Exercices Jee.pptx
@@ -9857,33 +9857,7 @@
                 <a:effectLst/>
                 <a:latin typeface="Arial" panose="020B0604020202020204" pitchFamily="34" charset="0"/>
               </a:rPr>
-              <a:t>Dans le </a:t>
-            </a:r>
-            <a:r>
-              <a:rPr kumimoji="0" lang="fr-FR" altLang="fr-FR" sz="1400" b="0" i="0" u="none" strike="noStrike" cap="none" normalizeH="0" baseline="0">
-                <a:ln>
-                  <a:noFill/>
-                </a:ln>
-                <a:solidFill>
-                  <a:schemeClr val="tx1"/>
-                </a:solidFill>
-                <a:effectLst/>
-                <a:latin typeface="Arial" panose="020B0604020202020204" pitchFamily="34" charset="0"/>
-              </a:rPr>
-              <a:t>Frontend, vous </a:t>
-            </a:r>
-            <a:r>
-              <a:rPr kumimoji="0" lang="fr-FR" altLang="fr-FR" sz="1400" b="0" i="0" u="none" strike="noStrike" cap="none" normalizeH="0" baseline="0" dirty="0">
-                <a:ln>
-                  <a:noFill/>
-                </a:ln>
-                <a:solidFill>
-                  <a:schemeClr val="tx1"/>
-                </a:solidFill>
-                <a:effectLst/>
-                <a:latin typeface="Arial" panose="020B0604020202020204" pitchFamily="34" charset="0"/>
-              </a:rPr>
-              <a:t>allez tout d'abord vous conformer au design pattern MVC. Pour cela il va d'abord falloir :</a:t>
+              <a:t>Dans le Frontend, vous allez tout d'abord vous conformer au design pattern MVC. Pour cela il va d'abord falloir :</a:t>
             </a:r>
           </a:p>
           <a:p>
@@ -9980,7 +9954,7 @@
                 <a:effectLst/>
                 <a:latin typeface="Arial" panose="020B0604020202020204" pitchFamily="34" charset="0"/>
               </a:rPr>
-              <a:t> afin que le lien offert à l'administrateur pointe vers l'url de la Servlet </a:t>
+              <a:t> afin que le lien offert à l'administrateur pointe vers l'url de une Servlet </a:t>
             </a:r>
             <a:r>
               <a:rPr kumimoji="0" lang="fr-FR" altLang="fr-FR" sz="1200" b="1" i="0" u="none" strike="noStrike" cap="none" normalizeH="0" baseline="0" dirty="0" err="1">
@@ -9993,7 +9967,7 @@
                 <a:effectLst/>
                 <a:latin typeface="Arial" panose="020B0604020202020204" pitchFamily="34" charset="0"/>
               </a:rPr>
-              <a:t>CatalogueServlet</a:t>
+              <a:t>CreateCatalogueServlet</a:t>
             </a:r>
             <a:r>
               <a:rPr kumimoji="0" lang="fr-FR" altLang="fr-FR" sz="1200" b="0" i="0" u="none" strike="noStrike" cap="none" normalizeH="0" baseline="0" dirty="0">
@@ -10067,7 +10041,7 @@
                 <a:effectLst/>
                 <a:latin typeface="Arial" panose="020B0604020202020204" pitchFamily="34" charset="0"/>
               </a:rPr>
-              <a:t>CatalogueServlet</a:t>
+              <a:t>CreateCatalogueServlet</a:t>
             </a:r>
             <a:r>
               <a:rPr kumimoji="0" lang="fr-FR" altLang="fr-FR" sz="1200" b="0" i="0" u="none" strike="noStrike" cap="none" normalizeH="0" baseline="0" dirty="0">
